--- a/Group_18_Email_Subject_Generation_and_QA_Final_updated 2.pptx
+++ b/Group_18_Email_Subject_Generation_and_QA_Final_updated 2.pptx
@@ -1,28 +1,28 @@
 
 <file path=ppt/presentation.xml><?xml version="1.0" encoding="utf-8"?>
-<p:presentation xmlns:a="http://schemas.openxmlformats.org/drawingml/2006/main" xmlns:r="http://schemas.openxmlformats.org/officeDocument/2006/relationships" xmlns:p="http://schemas.openxmlformats.org/presentationml/2006/main" xmlns:m="http://schemas.openxmlformats.org/officeDocument/2006/math" xmlns:a14="http://schemas.microsoft.com/office/drawing/2010/main">
+<p:presentation xmlns:a="http://schemas.openxmlformats.org/drawingml/2006/main" xmlns:r="http://schemas.openxmlformats.org/officeDocument/2006/relationships" xmlns:p="http://schemas.openxmlformats.org/presentationml/2006/main">
   <p:sldMasterIdLst>
-    <p:sldMasterId id="2147483648" r:id="rId5"/>
+    <p:sldMasterId id="2147483648" r:id="rId1"/>
   </p:sldMasterIdLst>
   <p:notesMasterIdLst>
-    <p:notesMasterId r:id="rId7"/>
+    <p:notesMasterId r:id="rId17"/>
   </p:notesMasterIdLst>
   <p:sldIdLst>
-    <p:sldId id="256" r:id="rId8"/>
-    <p:sldId id="257" r:id="rId9"/>
-    <p:sldId id="258" r:id="rId10"/>
-    <p:sldId id="259" r:id="rId11"/>
-    <p:sldId id="260" r:id="rId12"/>
-    <p:sldId id="261" r:id="rId13"/>
-    <p:sldId id="262" r:id="rId14"/>
-    <p:sldId id="263" r:id="rId15"/>
-    <p:sldId id="264" r:id="rId16"/>
-    <p:sldId id="265" r:id="rId17"/>
-    <p:sldId id="266" r:id="rId18"/>
-    <p:sldId id="267" r:id="rId19"/>
-    <p:sldId id="268" r:id="rId20"/>
-    <p:sldId id="269" r:id="rId21"/>
-    <p:sldId id="270" r:id="rId22"/>
+    <p:sldId id="256" r:id="rId2"/>
+    <p:sldId id="257" r:id="rId3"/>
+    <p:sldId id="258" r:id="rId4"/>
+    <p:sldId id="259" r:id="rId5"/>
+    <p:sldId id="260" r:id="rId6"/>
+    <p:sldId id="261" r:id="rId7"/>
+    <p:sldId id="262" r:id="rId8"/>
+    <p:sldId id="263" r:id="rId9"/>
+    <p:sldId id="264" r:id="rId10"/>
+    <p:sldId id="265" r:id="rId11"/>
+    <p:sldId id="266" r:id="rId12"/>
+    <p:sldId id="267" r:id="rId13"/>
+    <p:sldId id="268" r:id="rId14"/>
+    <p:sldId id="269" r:id="rId15"/>
+    <p:sldId id="270" r:id="rId16"/>
   </p:sldIdLst>
   <p:sldSz cx="12192000" cy="6858000"/>
   <p:notesSz cx="6858000" cy="9144000"/>
@@ -42,7 +42,7 @@
       <a:buFontTx/>
       <a:buNone/>
       <a:tabLst/>
-      <a:defRPr b="0" baseline="0" cap="none" i="0" spc="0" strike="noStrike" sz="1800" u="none" kumimoji="0" normalizeH="0">
+      <a:defRPr kumimoji="0" sz="1800" b="0" i="0" u="none" strike="noStrike" cap="none" spc="0" normalizeH="0" baseline="0">
         <a:ln>
           <a:noFill/>
         </a:ln>
@@ -68,7 +68,7 @@
       <a:buFontTx/>
       <a:buNone/>
       <a:tabLst/>
-      <a:defRPr b="0" baseline="0" cap="none" i="0" spc="0" strike="noStrike" sz="1400" u="none" kumimoji="0" normalizeH="0">
+      <a:defRPr kumimoji="0" sz="1400" b="0" i="0" u="none" strike="noStrike" cap="none" spc="0" normalizeH="0" baseline="0">
         <a:ln>
           <a:noFill/>
         </a:ln>
@@ -98,7 +98,7 @@
       <a:buFontTx/>
       <a:buNone/>
       <a:tabLst/>
-      <a:defRPr b="0" baseline="0" cap="none" i="0" spc="0" strike="noStrike" sz="1400" u="none" kumimoji="0" normalizeH="0">
+      <a:defRPr kumimoji="0" sz="1400" b="0" i="0" u="none" strike="noStrike" cap="none" spc="0" normalizeH="0" baseline="0">
         <a:ln>
           <a:noFill/>
         </a:ln>
@@ -128,7 +128,7 @@
       <a:buFontTx/>
       <a:buNone/>
       <a:tabLst/>
-      <a:defRPr b="0" baseline="0" cap="none" i="0" spc="0" strike="noStrike" sz="1400" u="none" kumimoji="0" normalizeH="0">
+      <a:defRPr kumimoji="0" sz="1400" b="0" i="0" u="none" strike="noStrike" cap="none" spc="0" normalizeH="0" baseline="0">
         <a:ln>
           <a:noFill/>
         </a:ln>
@@ -158,7 +158,7 @@
       <a:buFontTx/>
       <a:buNone/>
       <a:tabLst/>
-      <a:defRPr b="0" baseline="0" cap="none" i="0" spc="0" strike="noStrike" sz="1400" u="none" kumimoji="0" normalizeH="0">
+      <a:defRPr kumimoji="0" sz="1400" b="0" i="0" u="none" strike="noStrike" cap="none" spc="0" normalizeH="0" baseline="0">
         <a:ln>
           <a:noFill/>
         </a:ln>
@@ -188,7 +188,7 @@
       <a:buFontTx/>
       <a:buNone/>
       <a:tabLst/>
-      <a:defRPr b="0" baseline="0" cap="none" i="0" spc="0" strike="noStrike" sz="1400" u="none" kumimoji="0" normalizeH="0">
+      <a:defRPr kumimoji="0" sz="1400" b="0" i="0" u="none" strike="noStrike" cap="none" spc="0" normalizeH="0" baseline="0">
         <a:ln>
           <a:noFill/>
         </a:ln>
@@ -218,7 +218,7 @@
       <a:buFontTx/>
       <a:buNone/>
       <a:tabLst/>
-      <a:defRPr b="0" baseline="0" cap="none" i="0" spc="0" strike="noStrike" sz="1400" u="none" kumimoji="0" normalizeH="0">
+      <a:defRPr kumimoji="0" sz="1400" b="0" i="0" u="none" strike="noStrike" cap="none" spc="0" normalizeH="0" baseline="0">
         <a:ln>
           <a:noFill/>
         </a:ln>
@@ -248,7 +248,7 @@
       <a:buFontTx/>
       <a:buNone/>
       <a:tabLst/>
-      <a:defRPr b="0" baseline="0" cap="none" i="0" spc="0" strike="noStrike" sz="1400" u="none" kumimoji="0" normalizeH="0">
+      <a:defRPr kumimoji="0" sz="1400" b="0" i="0" u="none" strike="noStrike" cap="none" spc="0" normalizeH="0" baseline="0">
         <a:ln>
           <a:noFill/>
         </a:ln>
@@ -278,7 +278,7 @@
       <a:buFontTx/>
       <a:buNone/>
       <a:tabLst/>
-      <a:defRPr b="0" baseline="0" cap="none" i="0" spc="0" strike="noStrike" sz="1400" u="none" kumimoji="0" normalizeH="0">
+      <a:defRPr kumimoji="0" sz="1400" b="0" i="0" u="none" strike="noStrike" cap="none" spc="0" normalizeH="0" baseline="0">
         <a:ln>
           <a:noFill/>
         </a:ln>
@@ -308,7 +308,7 @@
       <a:buFontTx/>
       <a:buNone/>
       <a:tabLst/>
-      <a:defRPr b="0" baseline="0" cap="none" i="0" spc="0" strike="noStrike" sz="1400" u="none" kumimoji="0" normalizeH="0">
+      <a:defRPr kumimoji="0" sz="1400" b="0" i="0" u="none" strike="noStrike" cap="none" spc="0" normalizeH="0" baseline="0">
         <a:ln>
           <a:noFill/>
         </a:ln>
@@ -327,13 +327,14 @@
 </p:presentation>
 </file>
 
-<file path=ppt/commentAuthors.xml><?xml version="1.0" encoding="utf-8"?>
-<p:cmAuthorLst xmlns:a="http://schemas.openxmlformats.org/drawingml/2006/main" xmlns:r="http://schemas.openxmlformats.org/officeDocument/2006/relationships" xmlns:p="http://schemas.openxmlformats.org/presentationml/2006/main" xmlns:m="http://schemas.openxmlformats.org/officeDocument/2006/math" xmlns:a14="http://schemas.microsoft.com/office/drawing/2010/main"/>
-</file>
-
 <file path=ppt/notesMasters/notesMaster1.xml><?xml version="1.0" encoding="utf-8"?>
-<p:notesMaster xmlns:a="http://schemas.openxmlformats.org/drawingml/2006/main" xmlns:r="http://schemas.openxmlformats.org/officeDocument/2006/relationships" xmlns:p="http://schemas.openxmlformats.org/presentationml/2006/main" xmlns:m="http://schemas.openxmlformats.org/officeDocument/2006/math" xmlns:a14="http://schemas.microsoft.com/office/drawing/2010/main">
+<p:notesMaster xmlns:a="http://schemas.openxmlformats.org/drawingml/2006/main" xmlns:r="http://schemas.openxmlformats.org/officeDocument/2006/relationships" xmlns:p="http://schemas.openxmlformats.org/presentationml/2006/main">
   <p:cSld>
+    <p:bg>
+      <p:bgRef idx="1001">
+        <a:schemeClr val="bg1"/>
+      </p:bgRef>
+    </p:bg>
     <p:spTree>
       <p:nvGrpSpPr>
         <p:cNvPr id="1" name=""/>
@@ -351,7 +352,9 @@
       <p:sp>
         <p:nvSpPr>
           <p:cNvPr id="121" name="Shape 121"/>
-          <p:cNvSpPr/>
+          <p:cNvSpPr>
+            <a:spLocks noGrp="1" noRot="1" noChangeAspect="1"/>
+          </p:cNvSpPr>
           <p:nvPr>
             <p:ph type="sldImg"/>
           </p:nvPr>
@@ -369,14 +372,16 @@
           <a:bodyPr/>
           <a:lstStyle/>
           <a:p>
-            <a:pPr/>
+            <a:endParaRPr/>
           </a:p>
         </p:txBody>
       </p:sp>
       <p:sp>
         <p:nvSpPr>
           <p:cNvPr id="122" name="Shape 122"/>
-          <p:cNvSpPr/>
+          <p:cNvSpPr>
+            <a:spLocks noGrp="1"/>
+          </p:cNvSpPr>
           <p:nvPr>
             <p:ph type="body" sz="quarter" idx="1"/>
           </p:nvPr>
@@ -394,7 +399,7 @@
           <a:bodyPr/>
           <a:lstStyle/>
           <a:p>
-            <a:pPr/>
+            <a:endParaRPr/>
           </a:p>
         </p:txBody>
       </p:sp>
@@ -479,7 +484,7 @@
 </file>
 
 <file path=ppt/slideLayouts/slideLayout1.xml><?xml version="1.0" encoding="utf-8"?>
-<p:sldLayout xmlns:a="http://schemas.openxmlformats.org/drawingml/2006/main" xmlns:r="http://schemas.openxmlformats.org/officeDocument/2006/relationships" xmlns:p="http://schemas.openxmlformats.org/presentationml/2006/main" xmlns:m="http://schemas.openxmlformats.org/officeDocument/2006/math" xmlns:a14="http://schemas.microsoft.com/office/drawing/2010/main" type="title" showMasterSp="0" showMasterPhAnim="1">
+<p:sldLayout xmlns:a="http://schemas.openxmlformats.org/drawingml/2006/main" xmlns:r="http://schemas.openxmlformats.org/officeDocument/2006/relationships" xmlns:p="http://schemas.openxmlformats.org/presentationml/2006/main" showMasterSp="0" type="title">
   <p:cSld name="TITLE">
     <p:spTree>
       <p:nvGrpSpPr>
@@ -526,7 +531,7 @@
             </a:cxnLst>
             <a:rect l="0" t="0" r="r" b="b"/>
             <a:pathLst>
-              <a:path w="21600" h="21600" fill="norm" stroke="1" extrusionOk="0">
+              <a:path w="21600" h="21600" extrusionOk="0">
                 <a:moveTo>
                   <a:pt x="0" y="21600"/>
                 </a:moveTo>
@@ -558,6 +563,7 @@
                 <a:sym typeface="Arial"/>
               </a:defRPr>
             </a:pPr>
+            <a:endParaRPr/>
           </a:p>
         </p:txBody>
       </p:sp>
@@ -592,7 +598,7 @@
             </a:cxnLst>
             <a:rect l="0" t="0" r="r" b="b"/>
             <a:pathLst>
-              <a:path w="21600" h="21600" fill="norm" stroke="1" extrusionOk="0">
+              <a:path w="21600" h="21600" extrusionOk="0">
                 <a:moveTo>
                   <a:pt x="0" y="21600"/>
                 </a:moveTo>
@@ -624,13 +630,16 @@
                 <a:sym typeface="Arial"/>
               </a:defRPr>
             </a:pPr>
+            <a:endParaRPr/>
           </a:p>
         </p:txBody>
       </p:sp>
       <p:sp>
         <p:nvSpPr>
           <p:cNvPr id="14" name="Title Text"/>
-          <p:cNvSpPr txBox="1"/>
+          <p:cNvSpPr txBox="1">
+            <a:spLocks noGrp="1"/>
+          </p:cNvSpPr>
           <p:nvPr>
             <p:ph type="title"/>
           </p:nvPr>
@@ -650,7 +659,6 @@
             <a:lvl1pPr algn="ctr"/>
           </a:lstStyle>
           <a:p>
-            <a:pPr/>
             <a:r>
               <a:t>Title Text</a:t>
             </a:r>
@@ -660,7 +668,9 @@
       <p:sp>
         <p:nvSpPr>
           <p:cNvPr id="15" name="Body Level One…"/>
-          <p:cNvSpPr txBox="1"/>
+          <p:cNvSpPr txBox="1">
+            <a:spLocks noGrp="1"/>
+          </p:cNvSpPr>
           <p:nvPr>
             <p:ph type="body" sz="quarter" idx="1"/>
           </p:nvPr>
@@ -754,7 +764,6 @@
             </a:lvl5pPr>
           </a:lstStyle>
           <a:p>
-            <a:pPr/>
             <a:r>
               <a:t>Body Level One</a:t>
             </a:r>
@@ -788,7 +797,9 @@
       <p:sp>
         <p:nvSpPr>
           <p:cNvPr id="16" name="Slide Number"/>
-          <p:cNvSpPr txBox="1"/>
+          <p:cNvSpPr txBox="1">
+            <a:spLocks noGrp="1"/>
+          </p:cNvSpPr>
           <p:nvPr>
             <p:ph type="sldNum" sz="quarter" idx="2"/>
           </p:nvPr>
@@ -802,8 +813,10 @@
           <a:bodyPr/>
           <a:lstStyle/>
           <a:p>
-            <a:pPr/>
-            <a:fld id="{86CB4B4D-7CA3-9044-876B-883B54F8677D}" type="slidenum"/>
+            <a:fld id="{86CB4B4D-7CA3-9044-876B-883B54F8677D}" type="slidenum">
+              <a:t>‹#›</a:t>
+            </a:fld>
+            <a:endParaRPr/>
           </a:p>
         </p:txBody>
       </p:sp>
@@ -812,12 +825,12 @@
   <p:clrMapOvr>
     <a:masterClrMapping/>
   </p:clrMapOvr>
-  <p:transition xmlns:p14="http://schemas.microsoft.com/office/powerpoint/2010/main" spd="med" advClick="1"/>
+  <p:transition spd="med"/>
 </p:sldLayout>
 </file>
 
 <file path=ppt/slideLayouts/slideLayout10.xml><?xml version="1.0" encoding="utf-8"?>
-<p:sldLayout xmlns:a="http://schemas.openxmlformats.org/drawingml/2006/main" xmlns:r="http://schemas.openxmlformats.org/officeDocument/2006/relationships" xmlns:p="http://schemas.openxmlformats.org/presentationml/2006/main" xmlns:m="http://schemas.openxmlformats.org/officeDocument/2006/math" xmlns:a14="http://schemas.microsoft.com/office/drawing/2010/main" type="tx" showMasterSp="1" showMasterPhAnim="1">
+<p:sldLayout xmlns:a="http://schemas.openxmlformats.org/drawingml/2006/main" xmlns:r="http://schemas.openxmlformats.org/officeDocument/2006/relationships" xmlns:p="http://schemas.openxmlformats.org/presentationml/2006/main" type="tx">
   <p:cSld name="BIG_NUMBER">
     <p:spTree>
       <p:nvGrpSpPr>
@@ -836,7 +849,9 @@
       <p:sp>
         <p:nvSpPr>
           <p:cNvPr id="97" name="xx%"/>
-          <p:cNvSpPr txBox="1"/>
+          <p:cNvSpPr txBox="1">
+            <a:spLocks noGrp="1"/>
+          </p:cNvSpPr>
           <p:nvPr>
             <p:ph type="title" hasCustomPrompt="1"/>
           </p:nvPr>
@@ -862,7 +877,6 @@
             </a:lvl1pPr>
           </a:lstStyle>
           <a:p>
-            <a:pPr/>
             <a:r>
               <a:t>xx%</a:t>
             </a:r>
@@ -872,7 +886,9 @@
       <p:sp>
         <p:nvSpPr>
           <p:cNvPr id="98" name="Body Level One…"/>
-          <p:cNvSpPr txBox="1"/>
+          <p:cNvSpPr txBox="1">
+            <a:spLocks noGrp="1"/>
+          </p:cNvSpPr>
           <p:nvPr>
             <p:ph type="body" sz="quarter" idx="1"/>
           </p:nvPr>
@@ -896,7 +912,6 @@
             <a:lvl5pPr algn="ctr"/>
           </a:lstStyle>
           <a:p>
-            <a:pPr/>
             <a:r>
               <a:t>Body Level One</a:t>
             </a:r>
@@ -930,7 +945,9 @@
       <p:sp>
         <p:nvSpPr>
           <p:cNvPr id="99" name="Slide Number"/>
-          <p:cNvSpPr txBox="1"/>
+          <p:cNvSpPr txBox="1">
+            <a:spLocks noGrp="1"/>
+          </p:cNvSpPr>
           <p:nvPr>
             <p:ph type="sldNum" sz="quarter" idx="2"/>
           </p:nvPr>
@@ -944,8 +961,10 @@
           <a:bodyPr/>
           <a:lstStyle/>
           <a:p>
-            <a:pPr/>
-            <a:fld id="{86CB4B4D-7CA3-9044-876B-883B54F8677D}" type="slidenum"/>
+            <a:fld id="{86CB4B4D-7CA3-9044-876B-883B54F8677D}" type="slidenum">
+              <a:t>‹#›</a:t>
+            </a:fld>
+            <a:endParaRPr/>
           </a:p>
         </p:txBody>
       </p:sp>
@@ -954,12 +973,12 @@
   <p:clrMapOvr>
     <a:masterClrMapping/>
   </p:clrMapOvr>
-  <p:transition xmlns:p14="http://schemas.microsoft.com/office/powerpoint/2010/main" spd="med" advClick="1"/>
+  <p:transition spd="med"/>
 </p:sldLayout>
 </file>
 
 <file path=ppt/slideLayouts/slideLayout11.xml><?xml version="1.0" encoding="utf-8"?>
-<p:sldLayout xmlns:a="http://schemas.openxmlformats.org/drawingml/2006/main" xmlns:r="http://schemas.openxmlformats.org/officeDocument/2006/relationships" xmlns:p="http://schemas.openxmlformats.org/presentationml/2006/main" xmlns:m="http://schemas.openxmlformats.org/officeDocument/2006/math" xmlns:a14="http://schemas.microsoft.com/office/drawing/2010/main" type="tx" showMasterSp="0" showMasterPhAnim="1">
+<p:sldLayout xmlns:a="http://schemas.openxmlformats.org/drawingml/2006/main" xmlns:r="http://schemas.openxmlformats.org/officeDocument/2006/relationships" xmlns:p="http://schemas.openxmlformats.org/presentationml/2006/main" showMasterSp="0" type="tx">
   <p:cSld name="BLANK">
     <p:spTree>
       <p:nvGrpSpPr>
@@ -978,7 +997,9 @@
       <p:sp>
         <p:nvSpPr>
           <p:cNvPr id="106" name="Slide Number"/>
-          <p:cNvSpPr txBox="1"/>
+          <p:cNvSpPr txBox="1">
+            <a:spLocks noGrp="1"/>
+          </p:cNvSpPr>
           <p:nvPr>
             <p:ph type="sldNum" sz="quarter" idx="2"/>
           </p:nvPr>
@@ -992,8 +1013,10 @@
           <a:bodyPr/>
           <a:lstStyle/>
           <a:p>
-            <a:pPr/>
-            <a:fld id="{86CB4B4D-7CA3-9044-876B-883B54F8677D}" type="slidenum"/>
+            <a:fld id="{86CB4B4D-7CA3-9044-876B-883B54F8677D}" type="slidenum">
+              <a:t>‹#›</a:t>
+            </a:fld>
+            <a:endParaRPr/>
           </a:p>
         </p:txBody>
       </p:sp>
@@ -1002,12 +1025,12 @@
   <p:clrMapOvr>
     <a:masterClrMapping/>
   </p:clrMapOvr>
-  <p:transition xmlns:p14="http://schemas.microsoft.com/office/powerpoint/2010/main" spd="med" advClick="1"/>
+  <p:transition spd="med"/>
 </p:sldLayout>
 </file>
 
 <file path=ppt/slideLayouts/slideLayout12.xml><?xml version="1.0" encoding="utf-8"?>
-<p:sldLayout xmlns:a="http://schemas.openxmlformats.org/drawingml/2006/main" xmlns:r="http://schemas.openxmlformats.org/officeDocument/2006/relationships" xmlns:p="http://schemas.openxmlformats.org/presentationml/2006/main" xmlns:m="http://schemas.openxmlformats.org/officeDocument/2006/math" xmlns:a14="http://schemas.microsoft.com/office/drawing/2010/main" type="tx" showMasterSp="0" showMasterPhAnim="1">
+<p:sldLayout xmlns:a="http://schemas.openxmlformats.org/drawingml/2006/main" xmlns:r="http://schemas.openxmlformats.org/officeDocument/2006/relationships" xmlns:p="http://schemas.openxmlformats.org/presentationml/2006/main" showMasterSp="0" type="tx">
   <p:cSld name="OBJECT">
     <p:spTree>
       <p:nvGrpSpPr>
@@ -1026,7 +1049,9 @@
       <p:sp>
         <p:nvSpPr>
           <p:cNvPr id="113" name="Title Text"/>
-          <p:cNvSpPr txBox="1"/>
+          <p:cNvSpPr txBox="1">
+            <a:spLocks noGrp="1"/>
+          </p:cNvSpPr>
           <p:nvPr>
             <p:ph type="title"/>
           </p:nvPr>
@@ -1050,7 +1075,6 @@
             </a:lvl1pPr>
           </a:lstStyle>
           <a:p>
-            <a:pPr/>
             <a:r>
               <a:t>Title Text</a:t>
             </a:r>
@@ -1060,7 +1084,9 @@
       <p:sp>
         <p:nvSpPr>
           <p:cNvPr id="114" name="Body Level One…"/>
-          <p:cNvSpPr txBox="1"/>
+          <p:cNvSpPr txBox="1">
+            <a:spLocks noGrp="1"/>
+          </p:cNvSpPr>
           <p:nvPr>
             <p:ph type="body" idx="1"/>
           </p:nvPr>
@@ -1119,7 +1145,6 @@
             </a:lvl5pPr>
           </a:lstStyle>
           <a:p>
-            <a:pPr/>
             <a:r>
               <a:t>Body Level One</a:t>
             </a:r>
@@ -1153,7 +1178,9 @@
       <p:sp>
         <p:nvSpPr>
           <p:cNvPr id="115" name="Slide Number"/>
-          <p:cNvSpPr txBox="1"/>
+          <p:cNvSpPr txBox="1">
+            <a:spLocks noGrp="1"/>
+          </p:cNvSpPr>
           <p:nvPr>
             <p:ph type="sldNum" sz="quarter" idx="2"/>
           </p:nvPr>
@@ -1171,8 +1198,10 @@
           <a:bodyPr lIns="45699" tIns="45699" rIns="45699" bIns="45699"/>
           <a:lstStyle/>
           <a:p>
-            <a:pPr/>
-            <a:fld id="{86CB4B4D-7CA3-9044-876B-883B54F8677D}" type="slidenum"/>
+            <a:fld id="{86CB4B4D-7CA3-9044-876B-883B54F8677D}" type="slidenum">
+              <a:t>‹#›</a:t>
+            </a:fld>
+            <a:endParaRPr/>
           </a:p>
         </p:txBody>
       </p:sp>
@@ -1181,12 +1210,12 @@
   <p:clrMapOvr>
     <a:masterClrMapping/>
   </p:clrMapOvr>
-  <p:transition xmlns:p14="http://schemas.microsoft.com/office/powerpoint/2010/main" spd="med" advClick="1"/>
+  <p:transition spd="med"/>
 </p:sldLayout>
 </file>
 
 <file path=ppt/slideLayouts/slideLayout2.xml><?xml version="1.0" encoding="utf-8"?>
-<p:sldLayout xmlns:a="http://schemas.openxmlformats.org/drawingml/2006/main" xmlns:r="http://schemas.openxmlformats.org/officeDocument/2006/relationships" xmlns:p="http://schemas.openxmlformats.org/presentationml/2006/main" xmlns:m="http://schemas.openxmlformats.org/officeDocument/2006/math" xmlns:a14="http://schemas.microsoft.com/office/drawing/2010/main" type="tx" showMasterSp="0" showMasterPhAnim="1">
+<p:sldLayout xmlns:a="http://schemas.openxmlformats.org/drawingml/2006/main" xmlns:r="http://schemas.openxmlformats.org/officeDocument/2006/relationships" xmlns:p="http://schemas.openxmlformats.org/presentationml/2006/main" showMasterSp="0" type="tx">
   <p:cSld name="SECTION_HEADER">
     <p:spTree>
       <p:nvGrpSpPr>
@@ -1233,7 +1262,7 @@
             </a:cxnLst>
             <a:rect l="0" t="0" r="r" b="b"/>
             <a:pathLst>
-              <a:path w="21600" h="21600" fill="norm" stroke="1" extrusionOk="0">
+              <a:path w="21600" h="21600" extrusionOk="0">
                 <a:moveTo>
                   <a:pt x="0" y="21600"/>
                 </a:moveTo>
@@ -1265,6 +1294,7 @@
                 <a:sym typeface="Arial"/>
               </a:defRPr>
             </a:pPr>
+            <a:endParaRPr/>
           </a:p>
         </p:txBody>
       </p:sp>
@@ -1275,7 +1305,7 @@
           <p:nvPr/>
         </p:nvSpPr>
         <p:spPr>
-          <a:xfrm flipH="1" rot="10800000">
+          <a:xfrm rot="10800000" flipH="1">
             <a:off x="621899" y="4744470"/>
             <a:ext cx="1442133" cy="1499898"/>
           </a:xfrm>
@@ -1299,7 +1329,7 @@
             </a:cxnLst>
             <a:rect l="0" t="0" r="r" b="b"/>
             <a:pathLst>
-              <a:path w="21600" h="21600" fill="norm" stroke="1" extrusionOk="0">
+              <a:path w="21600" h="21600" extrusionOk="0">
                 <a:moveTo>
                   <a:pt x="0" y="21600"/>
                 </a:moveTo>
@@ -1331,13 +1361,16 @@
                 <a:sym typeface="Arial"/>
               </a:defRPr>
             </a:pPr>
+            <a:endParaRPr/>
           </a:p>
         </p:txBody>
       </p:sp>
       <p:sp>
         <p:nvSpPr>
           <p:cNvPr id="25" name="Title Text"/>
-          <p:cNvSpPr txBox="1"/>
+          <p:cNvSpPr txBox="1">
+            <a:spLocks noGrp="1"/>
+          </p:cNvSpPr>
           <p:nvPr>
             <p:ph type="title"/>
           </p:nvPr>
@@ -1357,7 +1390,6 @@
             <a:lvl1pPr algn="ctr"/>
           </a:lstStyle>
           <a:p>
-            <a:pPr/>
             <a:r>
               <a:t>Title Text</a:t>
             </a:r>
@@ -1367,7 +1399,9 @@
       <p:sp>
         <p:nvSpPr>
           <p:cNvPr id="26" name="Slide Number"/>
-          <p:cNvSpPr txBox="1"/>
+          <p:cNvSpPr txBox="1">
+            <a:spLocks noGrp="1"/>
+          </p:cNvSpPr>
           <p:nvPr>
             <p:ph type="sldNum" sz="quarter" idx="2"/>
           </p:nvPr>
@@ -1381,8 +1415,10 @@
           <a:bodyPr/>
           <a:lstStyle/>
           <a:p>
-            <a:pPr/>
-            <a:fld id="{86CB4B4D-7CA3-9044-876B-883B54F8677D}" type="slidenum"/>
+            <a:fld id="{86CB4B4D-7CA3-9044-876B-883B54F8677D}" type="slidenum">
+              <a:t>‹#›</a:t>
+            </a:fld>
+            <a:endParaRPr/>
           </a:p>
         </p:txBody>
       </p:sp>
@@ -1391,12 +1427,12 @@
   <p:clrMapOvr>
     <a:masterClrMapping/>
   </p:clrMapOvr>
-  <p:transition xmlns:p14="http://schemas.microsoft.com/office/powerpoint/2010/main" spd="med" advClick="1"/>
+  <p:transition spd="med"/>
 </p:sldLayout>
 </file>
 
 <file path=ppt/slideLayouts/slideLayout3.xml><?xml version="1.0" encoding="utf-8"?>
-<p:sldLayout xmlns:a="http://schemas.openxmlformats.org/drawingml/2006/main" xmlns:r="http://schemas.openxmlformats.org/officeDocument/2006/relationships" xmlns:p="http://schemas.openxmlformats.org/presentationml/2006/main" xmlns:m="http://schemas.openxmlformats.org/officeDocument/2006/math" xmlns:a14="http://schemas.microsoft.com/office/drawing/2010/main" type="tx" showMasterSp="1" showMasterPhAnim="1">
+<p:sldLayout xmlns:a="http://schemas.openxmlformats.org/drawingml/2006/main" xmlns:r="http://schemas.openxmlformats.org/officeDocument/2006/relationships" xmlns:p="http://schemas.openxmlformats.org/presentationml/2006/main" type="tx">
   <p:cSld name="TITLE_AND_BODY">
     <p:spTree>
       <p:nvGrpSpPr>
@@ -1415,7 +1451,9 @@
       <p:sp>
         <p:nvSpPr>
           <p:cNvPr id="33" name="Title Text"/>
-          <p:cNvSpPr txBox="1"/>
+          <p:cNvSpPr txBox="1">
+            <a:spLocks noGrp="1"/>
+          </p:cNvSpPr>
           <p:nvPr>
             <p:ph type="title"/>
           </p:nvPr>
@@ -1429,7 +1467,6 @@
           <a:bodyPr/>
           <a:lstStyle/>
           <a:p>
-            <a:pPr/>
             <a:r>
               <a:t>Title Text</a:t>
             </a:r>
@@ -1439,7 +1476,9 @@
       <p:sp>
         <p:nvSpPr>
           <p:cNvPr id="34" name="Body Level One…"/>
-          <p:cNvSpPr txBox="1"/>
+          <p:cNvSpPr txBox="1">
+            <a:spLocks noGrp="1"/>
+          </p:cNvSpPr>
           <p:nvPr>
             <p:ph type="body" idx="1"/>
           </p:nvPr>
@@ -1453,7 +1492,6 @@
           <a:bodyPr/>
           <a:lstStyle/>
           <a:p>
-            <a:pPr/>
             <a:r>
               <a:t>Body Level One</a:t>
             </a:r>
@@ -1487,7 +1525,9 @@
       <p:sp>
         <p:nvSpPr>
           <p:cNvPr id="35" name="Slide Number"/>
-          <p:cNvSpPr txBox="1"/>
+          <p:cNvSpPr txBox="1">
+            <a:spLocks noGrp="1"/>
+          </p:cNvSpPr>
           <p:nvPr>
             <p:ph type="sldNum" sz="quarter" idx="2"/>
           </p:nvPr>
@@ -1501,8 +1541,10 @@
           <a:bodyPr/>
           <a:lstStyle/>
           <a:p>
-            <a:pPr/>
-            <a:fld id="{86CB4B4D-7CA3-9044-876B-883B54F8677D}" type="slidenum"/>
+            <a:fld id="{86CB4B4D-7CA3-9044-876B-883B54F8677D}" type="slidenum">
+              <a:t>‹#›</a:t>
+            </a:fld>
+            <a:endParaRPr/>
           </a:p>
         </p:txBody>
       </p:sp>
@@ -1511,12 +1553,12 @@
   <p:clrMapOvr>
     <a:masterClrMapping/>
   </p:clrMapOvr>
-  <p:transition xmlns:p14="http://schemas.microsoft.com/office/powerpoint/2010/main" spd="med" advClick="1"/>
+  <p:transition spd="med"/>
 </p:sldLayout>
 </file>
 
 <file path=ppt/slideLayouts/slideLayout4.xml><?xml version="1.0" encoding="utf-8"?>
-<p:sldLayout xmlns:a="http://schemas.openxmlformats.org/drawingml/2006/main" xmlns:r="http://schemas.openxmlformats.org/officeDocument/2006/relationships" xmlns:p="http://schemas.openxmlformats.org/presentationml/2006/main" xmlns:m="http://schemas.openxmlformats.org/officeDocument/2006/math" xmlns:a14="http://schemas.microsoft.com/office/drawing/2010/main" type="tx" showMasterSp="0" showMasterPhAnim="1">
+<p:sldLayout xmlns:a="http://schemas.openxmlformats.org/drawingml/2006/main" xmlns:r="http://schemas.openxmlformats.org/officeDocument/2006/relationships" xmlns:p="http://schemas.openxmlformats.org/presentationml/2006/main" showMasterSp="0" type="tx">
   <p:cSld name="TITLE_AND_TWO_COLUMNS">
     <p:spTree>
       <p:nvGrpSpPr>
@@ -1535,7 +1577,9 @@
       <p:sp>
         <p:nvSpPr>
           <p:cNvPr id="42" name="Title Text"/>
-          <p:cNvSpPr txBox="1"/>
+          <p:cNvSpPr txBox="1">
+            <a:spLocks noGrp="1"/>
+          </p:cNvSpPr>
           <p:nvPr>
             <p:ph type="title"/>
           </p:nvPr>
@@ -1549,7 +1593,6 @@
           <a:bodyPr/>
           <a:lstStyle/>
           <a:p>
-            <a:pPr/>
             <a:r>
               <a:t>Title Text</a:t>
             </a:r>
@@ -1559,7 +1602,9 @@
       <p:sp>
         <p:nvSpPr>
           <p:cNvPr id="43" name="Body Level One…"/>
-          <p:cNvSpPr txBox="1"/>
+          <p:cNvSpPr txBox="1">
+            <a:spLocks noGrp="1"/>
+          </p:cNvSpPr>
           <p:nvPr>
             <p:ph type="body" sz="half" idx="1"/>
           </p:nvPr>
@@ -1598,7 +1643,6 @@
             </a:lvl5pPr>
           </a:lstStyle>
           <a:p>
-            <a:pPr/>
             <a:r>
               <a:t>Body Level One</a:t>
             </a:r>
@@ -1632,7 +1676,9 @@
       <p:sp>
         <p:nvSpPr>
           <p:cNvPr id="44" name="Google Shape;32;p5"/>
-          <p:cNvSpPr txBox="1"/>
+          <p:cNvSpPr txBox="1">
+            <a:spLocks noGrp="1"/>
+          </p:cNvSpPr>
           <p:nvPr>
             <p:ph type="body" sz="half" idx="21"/>
           </p:nvPr>
@@ -1650,14 +1696,16 @@
           <a:bodyPr/>
           <a:lstStyle/>
           <a:p>
-            <a:pPr/>
+            <a:endParaRPr/>
           </a:p>
         </p:txBody>
       </p:sp>
       <p:sp>
         <p:nvSpPr>
           <p:cNvPr id="45" name="Slide Number"/>
-          <p:cNvSpPr txBox="1"/>
+          <p:cNvSpPr txBox="1">
+            <a:spLocks noGrp="1"/>
+          </p:cNvSpPr>
           <p:nvPr>
             <p:ph type="sldNum" sz="quarter" idx="2"/>
           </p:nvPr>
@@ -1671,8 +1719,10 @@
           <a:bodyPr/>
           <a:lstStyle/>
           <a:p>
-            <a:pPr/>
-            <a:fld id="{86CB4B4D-7CA3-9044-876B-883B54F8677D}" type="slidenum"/>
+            <a:fld id="{86CB4B4D-7CA3-9044-876B-883B54F8677D}" type="slidenum">
+              <a:t>‹#›</a:t>
+            </a:fld>
+            <a:endParaRPr/>
           </a:p>
         </p:txBody>
       </p:sp>
@@ -1681,12 +1731,12 @@
   <p:clrMapOvr>
     <a:masterClrMapping/>
   </p:clrMapOvr>
-  <p:transition xmlns:p14="http://schemas.microsoft.com/office/powerpoint/2010/main" spd="med" advClick="1"/>
+  <p:transition spd="med"/>
 </p:sldLayout>
 </file>
 
 <file path=ppt/slideLayouts/slideLayout5.xml><?xml version="1.0" encoding="utf-8"?>
-<p:sldLayout xmlns:a="http://schemas.openxmlformats.org/drawingml/2006/main" xmlns:r="http://schemas.openxmlformats.org/officeDocument/2006/relationships" xmlns:p="http://schemas.openxmlformats.org/presentationml/2006/main" xmlns:m="http://schemas.openxmlformats.org/officeDocument/2006/math" xmlns:a14="http://schemas.microsoft.com/office/drawing/2010/main" type="tx" showMasterSp="0" showMasterPhAnim="1">
+<p:sldLayout xmlns:a="http://schemas.openxmlformats.org/drawingml/2006/main" xmlns:r="http://schemas.openxmlformats.org/officeDocument/2006/relationships" xmlns:p="http://schemas.openxmlformats.org/presentationml/2006/main" showMasterSp="0" type="tx">
   <p:cSld name="TITLE_ONLY">
     <p:spTree>
       <p:nvGrpSpPr>
@@ -1705,7 +1755,9 @@
       <p:sp>
         <p:nvSpPr>
           <p:cNvPr id="52" name="Title Text"/>
-          <p:cNvSpPr txBox="1"/>
+          <p:cNvSpPr txBox="1">
+            <a:spLocks noGrp="1"/>
+          </p:cNvSpPr>
           <p:nvPr>
             <p:ph type="title"/>
           </p:nvPr>
@@ -1719,7 +1771,6 @@
           <a:bodyPr/>
           <a:lstStyle/>
           <a:p>
-            <a:pPr/>
             <a:r>
               <a:t>Title Text</a:t>
             </a:r>
@@ -1729,7 +1780,9 @@
       <p:sp>
         <p:nvSpPr>
           <p:cNvPr id="53" name="Slide Number"/>
-          <p:cNvSpPr txBox="1"/>
+          <p:cNvSpPr txBox="1">
+            <a:spLocks noGrp="1"/>
+          </p:cNvSpPr>
           <p:nvPr>
             <p:ph type="sldNum" sz="quarter" idx="2"/>
           </p:nvPr>
@@ -1743,8 +1796,10 @@
           <a:bodyPr/>
           <a:lstStyle/>
           <a:p>
-            <a:pPr/>
-            <a:fld id="{86CB4B4D-7CA3-9044-876B-883B54F8677D}" type="slidenum"/>
+            <a:fld id="{86CB4B4D-7CA3-9044-876B-883B54F8677D}" type="slidenum">
+              <a:t>‹#›</a:t>
+            </a:fld>
+            <a:endParaRPr/>
           </a:p>
         </p:txBody>
       </p:sp>
@@ -1753,12 +1808,12 @@
   <p:clrMapOvr>
     <a:masterClrMapping/>
   </p:clrMapOvr>
-  <p:transition xmlns:p14="http://schemas.microsoft.com/office/powerpoint/2010/main" spd="med" advClick="1"/>
+  <p:transition spd="med"/>
 </p:sldLayout>
 </file>
 
 <file path=ppt/slideLayouts/slideLayout6.xml><?xml version="1.0" encoding="utf-8"?>
-<p:sldLayout xmlns:a="http://schemas.openxmlformats.org/drawingml/2006/main" xmlns:r="http://schemas.openxmlformats.org/officeDocument/2006/relationships" xmlns:p="http://schemas.openxmlformats.org/presentationml/2006/main" xmlns:m="http://schemas.openxmlformats.org/officeDocument/2006/math" xmlns:a14="http://schemas.microsoft.com/office/drawing/2010/main" type="tx" showMasterSp="0" showMasterPhAnim="1">
+<p:sldLayout xmlns:a="http://schemas.openxmlformats.org/drawingml/2006/main" xmlns:r="http://schemas.openxmlformats.org/officeDocument/2006/relationships" xmlns:p="http://schemas.openxmlformats.org/presentationml/2006/main" showMasterSp="0" type="tx">
   <p:cSld name="ONE_COLUMN_TEXT">
     <p:spTree>
       <p:nvGrpSpPr>
@@ -1777,7 +1832,9 @@
       <p:sp>
         <p:nvSpPr>
           <p:cNvPr id="60" name="Title Text"/>
-          <p:cNvSpPr txBox="1"/>
+          <p:cNvSpPr txBox="1">
+            <a:spLocks noGrp="1"/>
+          </p:cNvSpPr>
           <p:nvPr>
             <p:ph type="title"/>
           </p:nvPr>
@@ -1799,7 +1856,6 @@
             </a:lvl1pPr>
           </a:lstStyle>
           <a:p>
-            <a:pPr/>
             <a:r>
               <a:t>Title Text</a:t>
             </a:r>
@@ -1809,7 +1865,9 @@
       <p:sp>
         <p:nvSpPr>
           <p:cNvPr id="61" name="Body Level One…"/>
-          <p:cNvSpPr txBox="1"/>
+          <p:cNvSpPr txBox="1">
+            <a:spLocks noGrp="1"/>
+          </p:cNvSpPr>
           <p:nvPr>
             <p:ph type="body" sz="quarter" idx="1"/>
           </p:nvPr>
@@ -1848,7 +1906,6 @@
             </a:lvl5pPr>
           </a:lstStyle>
           <a:p>
-            <a:pPr/>
             <a:r>
               <a:t>Body Level One</a:t>
             </a:r>
@@ -1882,7 +1939,9 @@
       <p:sp>
         <p:nvSpPr>
           <p:cNvPr id="62" name="Slide Number"/>
-          <p:cNvSpPr txBox="1"/>
+          <p:cNvSpPr txBox="1">
+            <a:spLocks noGrp="1"/>
+          </p:cNvSpPr>
           <p:nvPr>
             <p:ph type="sldNum" sz="quarter" idx="2"/>
           </p:nvPr>
@@ -1896,8 +1955,10 @@
           <a:bodyPr/>
           <a:lstStyle/>
           <a:p>
-            <a:pPr/>
-            <a:fld id="{86CB4B4D-7CA3-9044-876B-883B54F8677D}" type="slidenum"/>
+            <a:fld id="{86CB4B4D-7CA3-9044-876B-883B54F8677D}" type="slidenum">
+              <a:t>‹#›</a:t>
+            </a:fld>
+            <a:endParaRPr/>
           </a:p>
         </p:txBody>
       </p:sp>
@@ -1906,12 +1967,12 @@
   <p:clrMapOvr>
     <a:masterClrMapping/>
   </p:clrMapOvr>
-  <p:transition xmlns:p14="http://schemas.microsoft.com/office/powerpoint/2010/main" spd="med" advClick="1"/>
+  <p:transition spd="med"/>
 </p:sldLayout>
 </file>
 
 <file path=ppt/slideLayouts/slideLayout7.xml><?xml version="1.0" encoding="utf-8"?>
-<p:sldLayout xmlns:a="http://schemas.openxmlformats.org/drawingml/2006/main" xmlns:r="http://schemas.openxmlformats.org/officeDocument/2006/relationships" xmlns:p="http://schemas.openxmlformats.org/presentationml/2006/main" xmlns:m="http://schemas.openxmlformats.org/officeDocument/2006/math" xmlns:a14="http://schemas.microsoft.com/office/drawing/2010/main" type="tx" showMasterSp="1" showMasterPhAnim="1">
+<p:sldLayout xmlns:a="http://schemas.openxmlformats.org/drawingml/2006/main" xmlns:r="http://schemas.openxmlformats.org/officeDocument/2006/relationships" xmlns:p="http://schemas.openxmlformats.org/presentationml/2006/main" type="tx">
   <p:cSld name="MAIN_POINT">
     <p:spTree>
       <p:nvGrpSpPr>
@@ -1930,7 +1991,9 @@
       <p:sp>
         <p:nvSpPr>
           <p:cNvPr id="69" name="Title Text"/>
-          <p:cNvSpPr txBox="1"/>
+          <p:cNvSpPr txBox="1">
+            <a:spLocks noGrp="1"/>
+          </p:cNvSpPr>
           <p:nvPr>
             <p:ph type="title"/>
           </p:nvPr>
@@ -1952,7 +2015,6 @@
             </a:lvl1pPr>
           </a:lstStyle>
           <a:p>
-            <a:pPr/>
             <a:r>
               <a:t>Title Text</a:t>
             </a:r>
@@ -1962,7 +2024,9 @@
       <p:sp>
         <p:nvSpPr>
           <p:cNvPr id="70" name="Slide Number"/>
-          <p:cNvSpPr txBox="1"/>
+          <p:cNvSpPr txBox="1">
+            <a:spLocks noGrp="1"/>
+          </p:cNvSpPr>
           <p:nvPr>
             <p:ph type="sldNum" sz="quarter" idx="2"/>
           </p:nvPr>
@@ -1976,8 +2040,10 @@
           <a:bodyPr/>
           <a:lstStyle/>
           <a:p>
-            <a:pPr/>
-            <a:fld id="{86CB4B4D-7CA3-9044-876B-883B54F8677D}" type="slidenum"/>
+            <a:fld id="{86CB4B4D-7CA3-9044-876B-883B54F8677D}" type="slidenum">
+              <a:t>‹#›</a:t>
+            </a:fld>
+            <a:endParaRPr/>
           </a:p>
         </p:txBody>
       </p:sp>
@@ -1986,12 +2052,12 @@
   <p:clrMapOvr>
     <a:masterClrMapping/>
   </p:clrMapOvr>
-  <p:transition xmlns:p14="http://schemas.microsoft.com/office/powerpoint/2010/main" spd="med" advClick="1"/>
+  <p:transition spd="med"/>
 </p:sldLayout>
 </file>
 
 <file path=ppt/slideLayouts/slideLayout8.xml><?xml version="1.0" encoding="utf-8"?>
-<p:sldLayout xmlns:a="http://schemas.openxmlformats.org/drawingml/2006/main" xmlns:r="http://schemas.openxmlformats.org/officeDocument/2006/relationships" xmlns:p="http://schemas.openxmlformats.org/presentationml/2006/main" xmlns:m="http://schemas.openxmlformats.org/officeDocument/2006/math" xmlns:a14="http://schemas.microsoft.com/office/drawing/2010/main" type="tx" showMasterSp="0" showMasterPhAnim="1">
+<p:sldLayout xmlns:a="http://schemas.openxmlformats.org/drawingml/2006/main" xmlns:r="http://schemas.openxmlformats.org/officeDocument/2006/relationships" xmlns:p="http://schemas.openxmlformats.org/presentationml/2006/main" showMasterSp="0" type="tx">
   <p:cSld name="SECTION_TITLE_AND_DESCRIPTION">
     <p:spTree>
       <p:nvGrpSpPr>
@@ -2040,6 +2106,7 @@
                 <a:sym typeface="Arial"/>
               </a:defRPr>
             </a:pPr>
+            <a:endParaRPr/>
           </a:p>
         </p:txBody>
       </p:sp>
@@ -2067,14 +2134,16 @@
           <a:bodyPr lIns="45718" tIns="45718" rIns="45718" bIns="45718"/>
           <a:lstStyle/>
           <a:p>
-            <a:pPr/>
+            <a:endParaRPr/>
           </a:p>
         </p:txBody>
       </p:sp>
       <p:sp>
         <p:nvSpPr>
           <p:cNvPr id="79" name="Title Text"/>
-          <p:cNvSpPr txBox="1"/>
+          <p:cNvSpPr txBox="1">
+            <a:spLocks noGrp="1"/>
+          </p:cNvSpPr>
           <p:nvPr>
             <p:ph type="title"/>
           </p:nvPr>
@@ -2100,7 +2169,6 @@
             </a:lvl1pPr>
           </a:lstStyle>
           <a:p>
-            <a:pPr/>
             <a:r>
               <a:t>Title Text</a:t>
             </a:r>
@@ -2110,7 +2178,9 @@
       <p:sp>
         <p:nvSpPr>
           <p:cNvPr id="80" name="Body Level One…"/>
-          <p:cNvSpPr txBox="1"/>
+          <p:cNvSpPr txBox="1">
+            <a:spLocks noGrp="1"/>
+          </p:cNvSpPr>
           <p:nvPr>
             <p:ph type="body" sz="quarter" idx="1"/>
           </p:nvPr>
@@ -2204,7 +2274,6 @@
             </a:lvl5pPr>
           </a:lstStyle>
           <a:p>
-            <a:pPr/>
             <a:r>
               <a:t>Body Level One</a:t>
             </a:r>
@@ -2238,7 +2307,9 @@
       <p:sp>
         <p:nvSpPr>
           <p:cNvPr id="81" name="Google Shape;50;p9"/>
-          <p:cNvSpPr txBox="1"/>
+          <p:cNvSpPr txBox="1">
+            <a:spLocks noGrp="1"/>
+          </p:cNvSpPr>
           <p:nvPr>
             <p:ph type="body" sz="half" idx="21"/>
           </p:nvPr>
@@ -2256,14 +2327,16 @@
           <a:bodyPr anchor="ctr"/>
           <a:lstStyle/>
           <a:p>
-            <a:pPr/>
+            <a:endParaRPr/>
           </a:p>
         </p:txBody>
       </p:sp>
       <p:sp>
         <p:nvSpPr>
           <p:cNvPr id="82" name="Slide Number"/>
-          <p:cNvSpPr txBox="1"/>
+          <p:cNvSpPr txBox="1">
+            <a:spLocks noGrp="1"/>
+          </p:cNvSpPr>
           <p:nvPr>
             <p:ph type="sldNum" sz="quarter" idx="2"/>
           </p:nvPr>
@@ -2285,8 +2358,10 @@
             </a:lvl1pPr>
           </a:lstStyle>
           <a:p>
-            <a:pPr/>
-            <a:fld id="{86CB4B4D-7CA3-9044-876B-883B54F8677D}" type="slidenum"/>
+            <a:fld id="{86CB4B4D-7CA3-9044-876B-883B54F8677D}" type="slidenum">
+              <a:t>‹#›</a:t>
+            </a:fld>
+            <a:endParaRPr/>
           </a:p>
         </p:txBody>
       </p:sp>
@@ -2295,12 +2370,12 @@
   <p:clrMapOvr>
     <a:masterClrMapping/>
   </p:clrMapOvr>
-  <p:transition xmlns:p14="http://schemas.microsoft.com/office/powerpoint/2010/main" spd="med" advClick="1"/>
+  <p:transition spd="med"/>
 </p:sldLayout>
 </file>
 
 <file path=ppt/slideLayouts/slideLayout9.xml><?xml version="1.0" encoding="utf-8"?>
-<p:sldLayout xmlns:a="http://schemas.openxmlformats.org/drawingml/2006/main" xmlns:r="http://schemas.openxmlformats.org/officeDocument/2006/relationships" xmlns:p="http://schemas.openxmlformats.org/presentationml/2006/main" xmlns:m="http://schemas.openxmlformats.org/officeDocument/2006/math" xmlns:a14="http://schemas.microsoft.com/office/drawing/2010/main" type="tx" showMasterSp="0" showMasterPhAnim="1">
+<p:sldLayout xmlns:a="http://schemas.openxmlformats.org/drawingml/2006/main" xmlns:r="http://schemas.openxmlformats.org/officeDocument/2006/relationships" xmlns:p="http://schemas.openxmlformats.org/presentationml/2006/main" showMasterSp="0" type="tx">
   <p:cSld name="CAPTION_ONLY">
     <p:spTree>
       <p:nvGrpSpPr>
@@ -2319,7 +2394,9 @@
       <p:sp>
         <p:nvSpPr>
           <p:cNvPr id="89" name="Body Level One…"/>
-          <p:cNvSpPr txBox="1"/>
+          <p:cNvSpPr txBox="1">
+            <a:spLocks noGrp="1"/>
+          </p:cNvSpPr>
           <p:nvPr>
             <p:ph type="body" sz="quarter" idx="1"/>
           </p:nvPr>
@@ -2409,7 +2486,6 @@
             </a:lvl5pPr>
           </a:lstStyle>
           <a:p>
-            <a:pPr/>
             <a:r>
               <a:t>Body Level One</a:t>
             </a:r>
@@ -2443,7 +2519,9 @@
       <p:sp>
         <p:nvSpPr>
           <p:cNvPr id="90" name="Slide Number"/>
-          <p:cNvSpPr txBox="1"/>
+          <p:cNvSpPr txBox="1">
+            <a:spLocks noGrp="1"/>
+          </p:cNvSpPr>
           <p:nvPr>
             <p:ph type="sldNum" sz="quarter" idx="2"/>
           </p:nvPr>
@@ -2457,8 +2535,10 @@
           <a:bodyPr/>
           <a:lstStyle/>
           <a:p>
-            <a:pPr/>
-            <a:fld id="{86CB4B4D-7CA3-9044-876B-883B54F8677D}" type="slidenum"/>
+            <a:fld id="{86CB4B4D-7CA3-9044-876B-883B54F8677D}" type="slidenum">
+              <a:t>‹#›</a:t>
+            </a:fld>
+            <a:endParaRPr/>
           </a:p>
         </p:txBody>
       </p:sp>
@@ -2467,18 +2547,19 @@
   <p:clrMapOvr>
     <a:masterClrMapping/>
   </p:clrMapOvr>
-  <p:transition xmlns:p14="http://schemas.microsoft.com/office/powerpoint/2010/main" spd="med" advClick="1"/>
+  <p:transition spd="med"/>
 </p:sldLayout>
 </file>
 
 <file path=ppt/slideMasters/slideMaster1.xml><?xml version="1.0" encoding="utf-8"?>
-<p:sldMaster xmlns:a="http://schemas.openxmlformats.org/drawingml/2006/main" xmlns:r="http://schemas.openxmlformats.org/officeDocument/2006/relationships" xmlns:p="http://schemas.openxmlformats.org/presentationml/2006/main" xmlns:m="http://schemas.openxmlformats.org/officeDocument/2006/math" xmlns:a14="http://schemas.microsoft.com/office/drawing/2010/main">
+<p:sldMaster xmlns:a="http://schemas.openxmlformats.org/drawingml/2006/main" xmlns:r="http://schemas.openxmlformats.org/officeDocument/2006/relationships" xmlns:p="http://schemas.openxmlformats.org/presentationml/2006/main">
   <p:cSld>
     <p:bg>
       <p:bgPr>
         <a:solidFill>
           <a:srgbClr val="FFFFFF"/>
         </a:solidFill>
+        <a:effectLst/>
       </p:bgPr>
     </p:bg>
     <p:spTree>
@@ -2528,13 +2609,16 @@
                 <a:sym typeface="Arial"/>
               </a:defRPr>
             </a:pPr>
+            <a:endParaRPr/>
           </a:p>
         </p:txBody>
       </p:sp>
       <p:sp>
         <p:nvSpPr>
           <p:cNvPr id="3" name="Title Text"/>
-          <p:cNvSpPr txBox="1"/>
+          <p:cNvSpPr txBox="1">
+            <a:spLocks noGrp="1"/>
+          </p:cNvSpPr>
           <p:nvPr>
             <p:ph type="title"/>
           </p:nvPr>
@@ -2552,17 +2636,16 @@
           </a:ln>
           <a:extLst>
             <a:ext uri="{C572A759-6A51-4108-AA02-DFA0A04FC94B}">
-              <ma14:wrappingTextBoxFlag xmlns:ma14="http://schemas.microsoft.com/office/mac/drawingml/2011/main" val="1"/>
+              <ma14:wrappingTextBoxFlag xmlns:ma14="http://schemas.microsoft.com/office/mac/drawingml/2011/main" xmlns:a14="http://schemas.microsoft.com/office/drawing/2010/main" xmlns:m="http://schemas.openxmlformats.org/officeDocument/2006/math" xmlns="" val="1"/>
             </a:ext>
           </a:extLst>
         </p:spPr>
         <p:txBody>
           <a:bodyPr lIns="121899" tIns="121899" rIns="121899" bIns="121899" anchor="b">
-            <a:normAutofit fontScale="100000" lnSpcReduction="0"/>
+            <a:normAutofit/>
           </a:bodyPr>
           <a:lstStyle/>
           <a:p>
-            <a:pPr/>
             <a:r>
               <a:t>Title Text</a:t>
             </a:r>
@@ -2572,7 +2655,9 @@
       <p:sp>
         <p:nvSpPr>
           <p:cNvPr id="4" name="Body Level One…"/>
-          <p:cNvSpPr txBox="1"/>
+          <p:cNvSpPr txBox="1">
+            <a:spLocks noGrp="1"/>
+          </p:cNvSpPr>
           <p:nvPr>
             <p:ph type="body" idx="1"/>
           </p:nvPr>
@@ -2590,17 +2675,16 @@
           </a:ln>
           <a:extLst>
             <a:ext uri="{C572A759-6A51-4108-AA02-DFA0A04FC94B}">
-              <ma14:wrappingTextBoxFlag xmlns:ma14="http://schemas.microsoft.com/office/mac/drawingml/2011/main" val="1"/>
+              <ma14:wrappingTextBoxFlag xmlns:ma14="http://schemas.microsoft.com/office/mac/drawingml/2011/main" xmlns:a14="http://schemas.microsoft.com/office/drawing/2010/main" xmlns:m="http://schemas.openxmlformats.org/officeDocument/2006/math" xmlns="" val="1"/>
             </a:ext>
           </a:extLst>
         </p:spPr>
         <p:txBody>
           <a:bodyPr lIns="121899" tIns="121899" rIns="121899" bIns="121899">
-            <a:normAutofit fontScale="100000" lnSpcReduction="0"/>
+            <a:normAutofit/>
           </a:bodyPr>
           <a:lstStyle/>
           <a:p>
-            <a:pPr/>
             <a:r>
               <a:t>Body Level One</a:t>
             </a:r>
@@ -2634,7 +2718,9 @@
       <p:sp>
         <p:nvSpPr>
           <p:cNvPr id="5" name="Slide Number"/>
-          <p:cNvSpPr txBox="1"/>
+          <p:cNvSpPr txBox="1">
+            <a:spLocks noGrp="1"/>
+          </p:cNvSpPr>
           <p:nvPr>
             <p:ph type="sldNum" sz="quarter" idx="2"/>
           </p:nvPr>
@@ -2653,7 +2739,7 @@
         </p:spPr>
         <p:txBody>
           <a:bodyPr wrap="none" lIns="121899" tIns="121899" rIns="121899" bIns="121899" anchor="ctr">
-            <a:normAutofit fontScale="100000" lnSpcReduction="0"/>
+            <a:normAutofit/>
           </a:bodyPr>
           <a:lstStyle>
             <a:lvl1pPr algn="r">
@@ -2666,8 +2752,10 @@
             </a:lvl1pPr>
           </a:lstStyle>
           <a:p>
-            <a:pPr/>
-            <a:fld id="{86CB4B4D-7CA3-9044-876B-883B54F8677D}" type="slidenum"/>
+            <a:fld id="{86CB4B4D-7CA3-9044-876B-883B54F8677D}" type="slidenum">
+              <a:t>‹#›</a:t>
+            </a:fld>
+            <a:endParaRPr/>
           </a:p>
         </p:txBody>
       </p:sp>
@@ -2675,20 +2763,20 @@
   </p:cSld>
   <p:clrMap bg1="lt1" tx1="dk1" bg2="lt2" tx2="dk2" accent1="accent1" accent2="accent2" accent3="accent3" accent4="accent4" accent5="accent5" accent6="accent6" hlink="hlink" folHlink="folHlink"/>
   <p:sldLayoutIdLst>
-    <p:sldLayoutId id="2147483649" r:id="rId2"/>
-    <p:sldLayoutId id="2147483650" r:id="rId3"/>
-    <p:sldLayoutId id="2147483651" r:id="rId4"/>
-    <p:sldLayoutId id="2147483652" r:id="rId5"/>
-    <p:sldLayoutId id="2147483653" r:id="rId6"/>
-    <p:sldLayoutId id="2147483654" r:id="rId7"/>
-    <p:sldLayoutId id="2147483655" r:id="rId8"/>
-    <p:sldLayoutId id="2147483656" r:id="rId9"/>
-    <p:sldLayoutId id="2147483657" r:id="rId10"/>
-    <p:sldLayoutId id="2147483658" r:id="rId11"/>
-    <p:sldLayoutId id="2147483659" r:id="rId12"/>
-    <p:sldLayoutId id="2147483660" r:id="rId13"/>
+    <p:sldLayoutId id="2147483649" r:id="rId1"/>
+    <p:sldLayoutId id="2147483650" r:id="rId2"/>
+    <p:sldLayoutId id="2147483651" r:id="rId3"/>
+    <p:sldLayoutId id="2147483652" r:id="rId4"/>
+    <p:sldLayoutId id="2147483653" r:id="rId5"/>
+    <p:sldLayoutId id="2147483654" r:id="rId6"/>
+    <p:sldLayoutId id="2147483655" r:id="rId7"/>
+    <p:sldLayoutId id="2147483656" r:id="rId8"/>
+    <p:sldLayoutId id="2147483657" r:id="rId9"/>
+    <p:sldLayoutId id="2147483658" r:id="rId10"/>
+    <p:sldLayoutId id="2147483659" r:id="rId11"/>
+    <p:sldLayoutId id="2147483660" r:id="rId12"/>
   </p:sldLayoutIdLst>
-  <p:transition xmlns:p14="http://schemas.microsoft.com/office/powerpoint/2010/main" spd="med" advClick="1"/>
+  <p:transition spd="med"/>
   <p:txStyles>
     <p:titleStyle>
       <a:lvl1pPr marL="0" marR="0" indent="0" algn="l" defTabSz="914400" rtl="0" latinLnBrk="0">
@@ -2706,7 +2794,7 @@
         <a:buFontTx/>
         <a:buNone/>
         <a:tabLst/>
-        <a:defRPr b="0" baseline="0" cap="none" i="0" spc="0" strike="noStrike" sz="5600" u="none">
+        <a:defRPr sz="5600" b="0" i="0" u="none" strike="noStrike" cap="none" spc="0" baseline="0">
           <a:solidFill>
             <a:srgbClr val="000000"/>
           </a:solidFill>
@@ -2732,7 +2820,7 @@
         <a:buFontTx/>
         <a:buNone/>
         <a:tabLst/>
-        <a:defRPr b="0" baseline="0" cap="none" i="0" spc="0" strike="noStrike" sz="5600" u="none">
+        <a:defRPr sz="5600" b="0" i="0" u="none" strike="noStrike" cap="none" spc="0" baseline="0">
           <a:solidFill>
             <a:srgbClr val="000000"/>
           </a:solidFill>
@@ -2758,7 +2846,7 @@
         <a:buFontTx/>
         <a:buNone/>
         <a:tabLst/>
-        <a:defRPr b="0" baseline="0" cap="none" i="0" spc="0" strike="noStrike" sz="5600" u="none">
+        <a:defRPr sz="5600" b="0" i="0" u="none" strike="noStrike" cap="none" spc="0" baseline="0">
           <a:solidFill>
             <a:srgbClr val="000000"/>
           </a:solidFill>
@@ -2784,7 +2872,7 @@
         <a:buFontTx/>
         <a:buNone/>
         <a:tabLst/>
-        <a:defRPr b="0" baseline="0" cap="none" i="0" spc="0" strike="noStrike" sz="5600" u="none">
+        <a:defRPr sz="5600" b="0" i="0" u="none" strike="noStrike" cap="none" spc="0" baseline="0">
           <a:solidFill>
             <a:srgbClr val="000000"/>
           </a:solidFill>
@@ -2810,7 +2898,7 @@
         <a:buFontTx/>
         <a:buNone/>
         <a:tabLst/>
-        <a:defRPr b="0" baseline="0" cap="none" i="0" spc="0" strike="noStrike" sz="5600" u="none">
+        <a:defRPr sz="5600" b="0" i="0" u="none" strike="noStrike" cap="none" spc="0" baseline="0">
           <a:solidFill>
             <a:srgbClr val="000000"/>
           </a:solidFill>
@@ -2836,7 +2924,7 @@
         <a:buFontTx/>
         <a:buNone/>
         <a:tabLst/>
-        <a:defRPr b="0" baseline="0" cap="none" i="0" spc="0" strike="noStrike" sz="5600" u="none">
+        <a:defRPr sz="5600" b="0" i="0" u="none" strike="noStrike" cap="none" spc="0" baseline="0">
           <a:solidFill>
             <a:srgbClr val="000000"/>
           </a:solidFill>
@@ -2862,7 +2950,7 @@
         <a:buFontTx/>
         <a:buNone/>
         <a:tabLst/>
-        <a:defRPr b="0" baseline="0" cap="none" i="0" spc="0" strike="noStrike" sz="5600" u="none">
+        <a:defRPr sz="5600" b="0" i="0" u="none" strike="noStrike" cap="none" spc="0" baseline="0">
           <a:solidFill>
             <a:srgbClr val="000000"/>
           </a:solidFill>
@@ -2888,7 +2976,7 @@
         <a:buFontTx/>
         <a:buNone/>
         <a:tabLst/>
-        <a:defRPr b="0" baseline="0" cap="none" i="0" spc="0" strike="noStrike" sz="5600" u="none">
+        <a:defRPr sz="5600" b="0" i="0" u="none" strike="noStrike" cap="none" spc="0" baseline="0">
           <a:solidFill>
             <a:srgbClr val="000000"/>
           </a:solidFill>
@@ -2914,7 +3002,7 @@
         <a:buFontTx/>
         <a:buNone/>
         <a:tabLst/>
-        <a:defRPr b="0" baseline="0" cap="none" i="0" spc="0" strike="noStrike" sz="5600" u="none">
+        <a:defRPr sz="5600" b="0" i="0" u="none" strike="noStrike" cap="none" spc="0" baseline="0">
           <a:solidFill>
             <a:srgbClr val="000000"/>
           </a:solidFill>
@@ -2944,7 +3032,7 @@
         <a:buFont typeface="Helvetica"/>
         <a:buChar char="●"/>
         <a:tabLst/>
-        <a:defRPr b="0" baseline="0" cap="none" i="0" spc="0" strike="noStrike" sz="2400" u="none">
+        <a:defRPr sz="2400" b="0" i="0" u="none" strike="noStrike" cap="none" spc="0" baseline="0">
           <a:solidFill>
             <a:srgbClr val="000000"/>
           </a:solidFill>
@@ -2972,7 +3060,7 @@
         <a:buFont typeface="Helvetica"/>
         <a:buChar char="○"/>
         <a:tabLst/>
-        <a:defRPr b="0" baseline="0" cap="none" i="0" spc="0" strike="noStrike" sz="2400" u="none">
+        <a:defRPr sz="2400" b="0" i="0" u="none" strike="noStrike" cap="none" spc="0" baseline="0">
           <a:solidFill>
             <a:srgbClr val="000000"/>
           </a:solidFill>
@@ -3000,7 +3088,7 @@
         <a:buFont typeface="Helvetica"/>
         <a:buChar char="■"/>
         <a:tabLst/>
-        <a:defRPr b="0" baseline="0" cap="none" i="0" spc="0" strike="noStrike" sz="2400" u="none">
+        <a:defRPr sz="2400" b="0" i="0" u="none" strike="noStrike" cap="none" spc="0" baseline="0">
           <a:solidFill>
             <a:srgbClr val="000000"/>
           </a:solidFill>
@@ -3028,7 +3116,7 @@
         <a:buFont typeface="Helvetica"/>
         <a:buChar char="●"/>
         <a:tabLst/>
-        <a:defRPr b="0" baseline="0" cap="none" i="0" spc="0" strike="noStrike" sz="2400" u="none">
+        <a:defRPr sz="2400" b="0" i="0" u="none" strike="noStrike" cap="none" spc="0" baseline="0">
           <a:solidFill>
             <a:srgbClr val="000000"/>
           </a:solidFill>
@@ -3056,7 +3144,7 @@
         <a:buFont typeface="Helvetica"/>
         <a:buChar char="○"/>
         <a:tabLst/>
-        <a:defRPr b="0" baseline="0" cap="none" i="0" spc="0" strike="noStrike" sz="2400" u="none">
+        <a:defRPr sz="2400" b="0" i="0" u="none" strike="noStrike" cap="none" spc="0" baseline="0">
           <a:solidFill>
             <a:srgbClr val="000000"/>
           </a:solidFill>
@@ -3084,7 +3172,7 @@
         <a:buFont typeface="Helvetica"/>
         <a:buChar char="■"/>
         <a:tabLst/>
-        <a:defRPr b="0" baseline="0" cap="none" i="0" spc="0" strike="noStrike" sz="2400" u="none">
+        <a:defRPr sz="2400" b="0" i="0" u="none" strike="noStrike" cap="none" spc="0" baseline="0">
           <a:solidFill>
             <a:srgbClr val="000000"/>
           </a:solidFill>
@@ -3112,7 +3200,7 @@
         <a:buFont typeface="Helvetica"/>
         <a:buChar char="●"/>
         <a:tabLst/>
-        <a:defRPr b="0" baseline="0" cap="none" i="0" spc="0" strike="noStrike" sz="2400" u="none">
+        <a:defRPr sz="2400" b="0" i="0" u="none" strike="noStrike" cap="none" spc="0" baseline="0">
           <a:solidFill>
             <a:srgbClr val="000000"/>
           </a:solidFill>
@@ -3140,7 +3228,7 @@
         <a:buFont typeface="Helvetica"/>
         <a:buChar char="○"/>
         <a:tabLst/>
-        <a:defRPr b="0" baseline="0" cap="none" i="0" spc="0" strike="noStrike" sz="2400" u="none">
+        <a:defRPr sz="2400" b="0" i="0" u="none" strike="noStrike" cap="none" spc="0" baseline="0">
           <a:solidFill>
             <a:srgbClr val="000000"/>
           </a:solidFill>
@@ -3168,7 +3256,7 @@
         <a:buFont typeface="Helvetica"/>
         <a:buChar char="■"/>
         <a:tabLst/>
-        <a:defRPr b="0" baseline="0" cap="none" i="0" spc="0" strike="noStrike" sz="2400" u="none">
+        <a:defRPr sz="2400" b="0" i="0" u="none" strike="noStrike" cap="none" spc="0" baseline="0">
           <a:solidFill>
             <a:srgbClr val="000000"/>
           </a:solidFill>
@@ -3196,7 +3284,7 @@
         <a:buFontTx/>
         <a:buNone/>
         <a:tabLst/>
-        <a:defRPr b="0" baseline="0" cap="none" i="0" spc="0" strike="noStrike" sz="1300" u="none">
+        <a:defRPr sz="1300" b="0" i="0" u="none" strike="noStrike" cap="none" spc="0" baseline="0">
           <a:solidFill>
             <a:schemeClr val="tx1"/>
           </a:solidFill>
@@ -3222,7 +3310,7 @@
         <a:buFontTx/>
         <a:buNone/>
         <a:tabLst/>
-        <a:defRPr b="0" baseline="0" cap="none" i="0" spc="0" strike="noStrike" sz="1300" u="none">
+        <a:defRPr sz="1300" b="0" i="0" u="none" strike="noStrike" cap="none" spc="0" baseline="0">
           <a:solidFill>
             <a:schemeClr val="tx1"/>
           </a:solidFill>
@@ -3248,7 +3336,7 @@
         <a:buFontTx/>
         <a:buNone/>
         <a:tabLst/>
-        <a:defRPr b="0" baseline="0" cap="none" i="0" spc="0" strike="noStrike" sz="1300" u="none">
+        <a:defRPr sz="1300" b="0" i="0" u="none" strike="noStrike" cap="none" spc="0" baseline="0">
           <a:solidFill>
             <a:schemeClr val="tx1"/>
           </a:solidFill>
@@ -3274,7 +3362,7 @@
         <a:buFontTx/>
         <a:buNone/>
         <a:tabLst/>
-        <a:defRPr b="0" baseline="0" cap="none" i="0" spc="0" strike="noStrike" sz="1300" u="none">
+        <a:defRPr sz="1300" b="0" i="0" u="none" strike="noStrike" cap="none" spc="0" baseline="0">
           <a:solidFill>
             <a:schemeClr val="tx1"/>
           </a:solidFill>
@@ -3300,7 +3388,7 @@
         <a:buFontTx/>
         <a:buNone/>
         <a:tabLst/>
-        <a:defRPr b="0" baseline="0" cap="none" i="0" spc="0" strike="noStrike" sz="1300" u="none">
+        <a:defRPr sz="1300" b="0" i="0" u="none" strike="noStrike" cap="none" spc="0" baseline="0">
           <a:solidFill>
             <a:schemeClr val="tx1"/>
           </a:solidFill>
@@ -3326,7 +3414,7 @@
         <a:buFontTx/>
         <a:buNone/>
         <a:tabLst/>
-        <a:defRPr b="0" baseline="0" cap="none" i="0" spc="0" strike="noStrike" sz="1300" u="none">
+        <a:defRPr sz="1300" b="0" i="0" u="none" strike="noStrike" cap="none" spc="0" baseline="0">
           <a:solidFill>
             <a:schemeClr val="tx1"/>
           </a:solidFill>
@@ -3352,7 +3440,7 @@
         <a:buFontTx/>
         <a:buNone/>
         <a:tabLst/>
-        <a:defRPr b="0" baseline="0" cap="none" i="0" spc="0" strike="noStrike" sz="1300" u="none">
+        <a:defRPr sz="1300" b="0" i="0" u="none" strike="noStrike" cap="none" spc="0" baseline="0">
           <a:solidFill>
             <a:schemeClr val="tx1"/>
           </a:solidFill>
@@ -3378,7 +3466,7 @@
         <a:buFontTx/>
         <a:buNone/>
         <a:tabLst/>
-        <a:defRPr b="0" baseline="0" cap="none" i="0" spc="0" strike="noStrike" sz="1300" u="none">
+        <a:defRPr sz="1300" b="0" i="0" u="none" strike="noStrike" cap="none" spc="0" baseline="0">
           <a:solidFill>
             <a:schemeClr val="tx1"/>
           </a:solidFill>
@@ -3404,7 +3492,7 @@
         <a:buFontTx/>
         <a:buNone/>
         <a:tabLst/>
-        <a:defRPr b="0" baseline="0" cap="none" i="0" spc="0" strike="noStrike" sz="1300" u="none">
+        <a:defRPr sz="1300" b="0" i="0" u="none" strike="noStrike" cap="none" spc="0" baseline="0">
           <a:solidFill>
             <a:schemeClr val="tx1"/>
           </a:solidFill>
@@ -3421,17 +3509,18 @@
 </file>
 
 <file path=ppt/slides/slide1.xml><?xml version="1.0" encoding="utf-8"?>
-<p:sld xmlns:a="http://schemas.openxmlformats.org/drawingml/2006/main" xmlns:r="http://schemas.openxmlformats.org/officeDocument/2006/relationships" xmlns:p="http://schemas.openxmlformats.org/presentationml/2006/main" xmlns:m="http://schemas.openxmlformats.org/officeDocument/2006/math" xmlns:a14="http://schemas.microsoft.com/office/drawing/2010/main" showMasterSp="1" showMasterPhAnim="1">
+<p:sld xmlns:a="http://schemas.openxmlformats.org/drawingml/2006/main" xmlns:r="http://schemas.openxmlformats.org/officeDocument/2006/relationships" xmlns:p="http://schemas.openxmlformats.org/presentationml/2006/main">
   <p:cSld>
     <p:bg>
       <p:bgPr>
         <a:blipFill rotWithShape="1">
           <a:blip r:embed="rId2"/>
-          <a:srcRect l="0" t="0" r="0" b="0"/>
+          <a:srcRect/>
           <a:stretch>
             <a:fillRect/>
           </a:stretch>
         </a:blipFill>
+        <a:effectLst/>
       </p:bgPr>
     </p:bg>
     <p:spTree>
@@ -3457,9 +3546,7 @@
           <p:nvPr/>
         </p:nvPicPr>
         <p:blipFill>
-          <a:blip r:embed="rId3">
-            <a:extLst/>
-          </a:blip>
+          <a:blip r:embed="rId3"/>
           <a:stretch>
             <a:fillRect/>
           </a:stretch>
@@ -3480,7 +3567,9 @@
       <p:sp>
         <p:nvSpPr>
           <p:cNvPr id="125" name="Google Shape;73;p14"/>
-          <p:cNvSpPr txBox="1"/>
+          <p:cNvSpPr txBox="1">
+            <a:spLocks noGrp="1"/>
+          </p:cNvSpPr>
           <p:nvPr>
             <p:ph type="ctrTitle"/>
           </p:nvPr>
@@ -3505,7 +3594,7 @@
               <a:t>Group</a:t>
             </a:r>
             <a:r>
-              <a:rPr b="1" sz="3800">
+              <a:rPr sz="3800" b="1">
                 <a:latin typeface="Objective"/>
                 <a:ea typeface="Objective"/>
                 <a:cs typeface="Objective"/>
@@ -3522,7 +3611,9 @@
       <p:sp>
         <p:nvSpPr>
           <p:cNvPr id="126" name="Google Shape;74;p14"/>
-          <p:cNvSpPr txBox="1"/>
+          <p:cNvSpPr txBox="1">
+            <a:spLocks noGrp="1"/>
+          </p:cNvSpPr>
           <p:nvPr>
             <p:ph type="subTitle" sz="quarter" idx="1"/>
           </p:nvPr>
@@ -3578,22 +3669,23 @@
   <p:clrMapOvr>
     <a:masterClrMapping/>
   </p:clrMapOvr>
-  <p:transition xmlns:p14="http://schemas.microsoft.com/office/powerpoint/2010/main" spd="med" advClick="1"/>
+  <p:transition spd="med"/>
 </p:sld>
 </file>
 
 <file path=ppt/slides/slide10.xml><?xml version="1.0" encoding="utf-8"?>
-<p:sld xmlns:a="http://schemas.openxmlformats.org/drawingml/2006/main" xmlns:r="http://schemas.openxmlformats.org/officeDocument/2006/relationships" xmlns:p="http://schemas.openxmlformats.org/presentationml/2006/main" xmlns:m="http://schemas.openxmlformats.org/officeDocument/2006/math" xmlns:a14="http://schemas.microsoft.com/office/drawing/2010/main" showMasterSp="1" showMasterPhAnim="1">
+<p:sld xmlns:a="http://schemas.openxmlformats.org/drawingml/2006/main" xmlns:r="http://schemas.openxmlformats.org/officeDocument/2006/relationships" xmlns:p="http://schemas.openxmlformats.org/presentationml/2006/main">
   <p:cSld>
     <p:bg>
       <p:bgPr>
         <a:blipFill rotWithShape="1">
           <a:blip r:embed="rId2"/>
-          <a:srcRect l="0" t="0" r="0" b="0"/>
+          <a:srcRect/>
           <a:stretch>
             <a:fillRect/>
           </a:stretch>
         </a:blipFill>
+        <a:effectLst/>
       </p:bgPr>
     </p:bg>
     <p:spTree>
@@ -3613,7 +3705,9 @@
       <p:sp>
         <p:nvSpPr>
           <p:cNvPr id="221" name="Google Shape;213;p23"/>
-          <p:cNvSpPr txBox="1"/>
+          <p:cNvSpPr txBox="1">
+            <a:spLocks noGrp="1"/>
+          </p:cNvSpPr>
           <p:nvPr>
             <p:ph type="title"/>
           </p:nvPr>
@@ -3631,7 +3725,7 @@
           <a:bodyPr anchor="ctr"/>
           <a:lstStyle>
             <a:lvl1pPr>
-              <a:defRPr b="1" sz="4500">
+              <a:defRPr sz="4500" b="1">
                 <a:latin typeface="Objective"/>
                 <a:ea typeface="Objective"/>
                 <a:cs typeface="Objective"/>
@@ -3640,7 +3734,6 @@
             </a:lvl1pPr>
           </a:lstStyle>
           <a:p>
-            <a:pPr/>
             <a:r>
               <a:t>Data Collection and Preprocessing</a:t>
             </a:r>
@@ -3650,7 +3743,9 @@
       <p:sp>
         <p:nvSpPr>
           <p:cNvPr id="222" name="Google Shape;214;p23"/>
-          <p:cNvSpPr txBox="1"/>
+          <p:cNvSpPr txBox="1">
+            <a:spLocks noGrp="1"/>
+          </p:cNvSpPr>
           <p:nvPr>
             <p:ph type="body" sz="half" idx="1"/>
           </p:nvPr>
@@ -3673,7 +3768,7 @@
                 <a:spcPts val="0"/>
               </a:spcBef>
               <a:buSzPts val="2200"/>
-              <a:defRPr b="1" sz="2200">
+              <a:defRPr sz="2200" b="1">
                 <a:latin typeface="Objective"/>
                 <a:ea typeface="Objective"/>
                 <a:cs typeface="Objective"/>
@@ -3685,12 +3780,12 @@
             </a:r>
           </a:p>
           <a:p>
-            <a:pPr lvl="1" marL="361004" indent="-195782" defTabSz="859536">
+            <a:pPr marL="361004" lvl="1" indent="-195782" defTabSz="859536">
               <a:spcBef>
                 <a:spcPts val="300"/>
               </a:spcBef>
               <a:buSzPts val="2200"/>
-              <a:defRPr b="1" sz="2200">
+              <a:defRPr sz="2200" b="1">
                 <a:latin typeface="Objective"/>
                 <a:ea typeface="Objective"/>
                 <a:cs typeface="Objective"/>
@@ -3706,12 +3801,12 @@
             </a:r>
           </a:p>
           <a:p>
-            <a:pPr lvl="1" marL="361004" indent="-195782" defTabSz="859536">
+            <a:pPr marL="361004" lvl="1" indent="-195782" defTabSz="859536">
               <a:spcBef>
                 <a:spcPts val="500"/>
               </a:spcBef>
               <a:buSzPts val="2200"/>
-              <a:defRPr b="1" sz="2200">
+              <a:defRPr sz="2200" b="1">
                 <a:latin typeface="Objective"/>
                 <a:ea typeface="Objective"/>
                 <a:cs typeface="Objective"/>
@@ -3727,12 +3822,12 @@
             </a:r>
           </a:p>
           <a:p>
-            <a:pPr lvl="1" marL="361004" indent="-195782" defTabSz="859536">
+            <a:pPr marL="361004" lvl="1" indent="-195782" defTabSz="859536">
               <a:spcBef>
                 <a:spcPts val="500"/>
               </a:spcBef>
               <a:buSzPts val="2200"/>
-              <a:defRPr b="1" sz="2200">
+              <a:defRPr sz="2200" b="1">
                 <a:latin typeface="Objective"/>
                 <a:ea typeface="Objective"/>
                 <a:cs typeface="Objective"/>
@@ -3761,6 +3856,7 @@
                 <a:sym typeface="Objective"/>
               </a:defRPr>
             </a:pPr>
+            <a:endParaRPr b="0"/>
           </a:p>
           <a:p>
             <a:pPr marL="85952" indent="-143254" defTabSz="859536">
@@ -3768,7 +3864,7 @@
                 <a:spcPts val="1300"/>
               </a:spcBef>
               <a:buSzPts val="2200"/>
-              <a:defRPr b="1" sz="2200">
+              <a:defRPr sz="2200" b="1">
                 <a:latin typeface="Objective"/>
                 <a:ea typeface="Objective"/>
                 <a:cs typeface="Objective"/>
@@ -3780,12 +3876,12 @@
             </a:r>
           </a:p>
           <a:p>
-            <a:pPr lvl="1" marL="361004" indent="-195782" defTabSz="859536">
+            <a:pPr marL="361004" lvl="1" indent="-195782" defTabSz="859536">
               <a:spcBef>
                 <a:spcPts val="300"/>
               </a:spcBef>
               <a:buSzPts val="2200"/>
-              <a:defRPr b="1" sz="2200">
+              <a:defRPr sz="2200" b="1">
                 <a:latin typeface="Objective"/>
                 <a:ea typeface="Objective"/>
                 <a:cs typeface="Objective"/>
@@ -3801,12 +3897,12 @@
             </a:r>
           </a:p>
           <a:p>
-            <a:pPr lvl="1" marL="361004" indent="-195782" defTabSz="859536">
+            <a:pPr marL="361004" lvl="1" indent="-195782" defTabSz="859536">
               <a:spcBef>
                 <a:spcPts val="500"/>
               </a:spcBef>
               <a:buSzPts val="2200"/>
-              <a:defRPr b="1" sz="2200">
+              <a:defRPr sz="2200" b="1">
                 <a:latin typeface="Objective"/>
                 <a:ea typeface="Objective"/>
                 <a:cs typeface="Objective"/>
@@ -3822,12 +3918,12 @@
             </a:r>
           </a:p>
           <a:p>
-            <a:pPr lvl="1" marL="361004" indent="-195782" defTabSz="859536">
+            <a:pPr marL="361004" lvl="1" indent="-195782" defTabSz="859536">
               <a:spcBef>
                 <a:spcPts val="500"/>
               </a:spcBef>
               <a:buSzPts val="2200"/>
-              <a:defRPr b="1" sz="2200">
+              <a:defRPr sz="2200" b="1">
                 <a:latin typeface="Objective"/>
                 <a:ea typeface="Objective"/>
                 <a:cs typeface="Objective"/>
@@ -3849,22 +3945,23 @@
   <p:clrMapOvr>
     <a:masterClrMapping/>
   </p:clrMapOvr>
-  <p:transition xmlns:p14="http://schemas.microsoft.com/office/powerpoint/2010/main" spd="med" advClick="1"/>
+  <p:transition spd="med"/>
 </p:sld>
 </file>
 
 <file path=ppt/slides/slide11.xml><?xml version="1.0" encoding="utf-8"?>
-<p:sld xmlns:a="http://schemas.openxmlformats.org/drawingml/2006/main" xmlns:r="http://schemas.openxmlformats.org/officeDocument/2006/relationships" xmlns:p="http://schemas.openxmlformats.org/presentationml/2006/main" xmlns:m="http://schemas.openxmlformats.org/officeDocument/2006/math" xmlns:a14="http://schemas.microsoft.com/office/drawing/2010/main" showMasterSp="1" showMasterPhAnim="1">
+<p:sld xmlns:a="http://schemas.openxmlformats.org/drawingml/2006/main" xmlns:r="http://schemas.openxmlformats.org/officeDocument/2006/relationships" xmlns:p="http://schemas.openxmlformats.org/presentationml/2006/main">
   <p:cSld>
     <p:bg>
       <p:bgPr>
         <a:blipFill rotWithShape="1">
           <a:blip r:embed="rId2"/>
-          <a:srcRect l="0" t="0" r="0" b="0"/>
+          <a:srcRect/>
           <a:stretch>
             <a:fillRect/>
           </a:stretch>
         </a:blipFill>
+        <a:effectLst/>
       </p:bgPr>
     </p:bg>
     <p:spTree>
@@ -3884,7 +3981,9 @@
       <p:sp>
         <p:nvSpPr>
           <p:cNvPr id="224" name="Google Shape;219;p24"/>
-          <p:cNvSpPr txBox="1"/>
+          <p:cNvSpPr txBox="1">
+            <a:spLocks noGrp="1"/>
+          </p:cNvSpPr>
           <p:nvPr>
             <p:ph type="title"/>
           </p:nvPr>
@@ -3902,7 +4001,7 @@
           <a:bodyPr anchor="ctr"/>
           <a:lstStyle>
             <a:lvl1pPr>
-              <a:defRPr b="1" sz="4500">
+              <a:defRPr sz="4500" b="1">
                 <a:latin typeface="Objective"/>
                 <a:ea typeface="Objective"/>
                 <a:cs typeface="Objective"/>
@@ -3911,7 +4010,6 @@
             </a:lvl1pPr>
           </a:lstStyle>
           <a:p>
-            <a:pPr/>
             <a:r>
               <a:t>Model Evaluated</a:t>
             </a:r>
@@ -3926,21 +4024,57 @@
         </p:nvGraphicFramePr>
         <p:xfrm>
           <a:off x="500452" y="1991267"/>
-          <a:ext cx="10515601" cy="3813251"/>
+          <a:ext cx="10515600" cy="4409320"/>
         </p:xfrm>
-        <a:graphic xmlns:a="http://schemas.openxmlformats.org/drawingml/2006/main">
+        <a:graphic>
           <a:graphicData uri="http://schemas.openxmlformats.org/drawingml/2006/table">
             <a:tbl>
-              <a:tblPr firstCol="0" firstRow="1" lastCol="0" lastRow="0" bandCol="0" bandRow="1" rtl="0">
+              <a:tblPr firstRow="1" bandRow="1">
                 <a:tableStyleId>{4C3C2611-4C71-4FC5-86AE-919BDF0F9419}</a:tableStyleId>
               </a:tblPr>
               <a:tblGrid>
-                <a:gridCol w="1149325"/>
-                <a:gridCol w="2109675"/>
-                <a:gridCol w="1538000"/>
-                <a:gridCol w="1670400"/>
-                <a:gridCol w="2024100"/>
-                <a:gridCol w="2024100"/>
+                <a:gridCol w="1149325">
+                  <a:extLst>
+                    <a:ext uri="{9D8B030D-6E8A-4147-A177-3AD203B41FA5}">
+                      <a16:colId xmlns:a16="http://schemas.microsoft.com/office/drawing/2014/main" val="20000"/>
+                    </a:ext>
+                  </a:extLst>
+                </a:gridCol>
+                <a:gridCol w="2109675">
+                  <a:extLst>
+                    <a:ext uri="{9D8B030D-6E8A-4147-A177-3AD203B41FA5}">
+                      <a16:colId xmlns:a16="http://schemas.microsoft.com/office/drawing/2014/main" val="20001"/>
+                    </a:ext>
+                  </a:extLst>
+                </a:gridCol>
+                <a:gridCol w="1538000">
+                  <a:extLst>
+                    <a:ext uri="{9D8B030D-6E8A-4147-A177-3AD203B41FA5}">
+                      <a16:colId xmlns:a16="http://schemas.microsoft.com/office/drawing/2014/main" val="20002"/>
+                    </a:ext>
+                  </a:extLst>
+                </a:gridCol>
+                <a:gridCol w="1670400">
+                  <a:extLst>
+                    <a:ext uri="{9D8B030D-6E8A-4147-A177-3AD203B41FA5}">
+                      <a16:colId xmlns:a16="http://schemas.microsoft.com/office/drawing/2014/main" val="20003"/>
+                    </a:ext>
+                  </a:extLst>
+                </a:gridCol>
+                <a:gridCol w="2024100">
+                  <a:extLst>
+                    <a:ext uri="{9D8B030D-6E8A-4147-A177-3AD203B41FA5}">
+                      <a16:colId xmlns:a16="http://schemas.microsoft.com/office/drawing/2014/main" val="20004"/>
+                    </a:ext>
+                  </a:extLst>
+                </a:gridCol>
+                <a:gridCol w="2024100">
+                  <a:extLst>
+                    <a:ext uri="{9D8B030D-6E8A-4147-A177-3AD203B41FA5}">
+                      <a16:colId xmlns:a16="http://schemas.microsoft.com/office/drawing/2014/main" val="20005"/>
+                    </a:ext>
+                  </a:extLst>
+                </a:gridCol>
               </a:tblGrid>
               <a:tr h="1108750">
                 <a:tc>
@@ -3949,21 +4083,21 @@
                     <a:lstStyle/>
                     <a:p>
                       <a:pPr algn="l">
-                        <a:defRPr b="0" sz="1800">
+                        <a:defRPr sz="1800" b="0">
                           <a:solidFill>
                             <a:srgbClr val="000000"/>
                           </a:solidFill>
                         </a:defRPr>
                       </a:pPr>
                       <a:r>
-                        <a:rPr b="1" sz="2400">
+                        <a:rPr sz="2400" b="1">
                           <a:sym typeface="Arial"/>
                         </a:rPr>
                         <a:t>LLM</a:t>
                       </a:r>
                     </a:p>
                   </a:txBody>
-                  <a:tcPr marL="67475" marR="67475" marT="67475" marB="67475" anchor="ctr" anchorCtr="0" horzOverflow="overflow">
+                  <a:tcPr marL="67475" marR="67475" marT="67475" marB="67475" anchor="ctr" horzOverflow="overflow">
                     <a:lnL w="12700">
                       <a:solidFill>
                         <a:schemeClr val="accent3"/>
@@ -3997,21 +4131,21 @@
                     <a:lstStyle/>
                     <a:p>
                       <a:pPr algn="l">
-                        <a:defRPr b="0" sz="1800">
+                        <a:defRPr sz="1800" b="0">
                           <a:solidFill>
                             <a:srgbClr val="000000"/>
                           </a:solidFill>
                         </a:defRPr>
                       </a:pPr>
                       <a:r>
-                        <a:rPr b="1" sz="2400">
+                        <a:rPr sz="2400" b="1">
                           <a:sym typeface="Arial"/>
                         </a:rPr>
                         <a:t>Framework</a:t>
                       </a:r>
                     </a:p>
                   </a:txBody>
-                  <a:tcPr marL="67475" marR="67475" marT="67475" marB="67475" anchor="ctr" anchorCtr="0" horzOverflow="overflow">
+                  <a:tcPr marL="67475" marR="67475" marT="67475" marB="67475" anchor="ctr" horzOverflow="overflow">
                     <a:lnL w="12700">
                       <a:solidFill>
                         <a:schemeClr val="accent3"/>
@@ -4045,21 +4179,21 @@
                     <a:lstStyle/>
                     <a:p>
                       <a:pPr algn="l">
-                        <a:defRPr b="0" sz="1800">
+                        <a:defRPr sz="1800" b="0">
                           <a:solidFill>
                             <a:srgbClr val="000000"/>
                           </a:solidFill>
                         </a:defRPr>
                       </a:pPr>
                       <a:r>
-                        <a:rPr b="1" sz="2400">
+                        <a:rPr sz="2400" b="1">
                           <a:sym typeface="Arial"/>
                         </a:rPr>
                         <a:t>Model Type</a:t>
                       </a:r>
                     </a:p>
                   </a:txBody>
-                  <a:tcPr marL="67475" marR="67475" marT="67475" marB="67475" anchor="ctr" anchorCtr="0" horzOverflow="overflow">
+                  <a:tcPr marL="67475" marR="67475" marT="67475" marB="67475" anchor="ctr" horzOverflow="overflow">
                     <a:lnL w="12700">
                       <a:solidFill>
                         <a:schemeClr val="accent3"/>
@@ -4093,21 +4227,21 @@
                     <a:lstStyle/>
                     <a:p>
                       <a:pPr algn="l">
-                        <a:defRPr b="0" sz="1800">
+                        <a:defRPr sz="1800" b="0">
                           <a:solidFill>
                             <a:srgbClr val="000000"/>
                           </a:solidFill>
                         </a:defRPr>
                       </a:pPr>
                       <a:r>
-                        <a:rPr b="1" sz="2400">
+                        <a:rPr sz="2400" b="1">
                           <a:sym typeface="Arial"/>
                         </a:rPr>
                         <a:t>Training Steps</a:t>
                       </a:r>
                     </a:p>
                   </a:txBody>
-                  <a:tcPr marL="67475" marR="67475" marT="67475" marB="67475" anchor="ctr" anchorCtr="0" horzOverflow="overflow">
+                  <a:tcPr marL="67475" marR="67475" marT="67475" marB="67475" anchor="ctr" horzOverflow="overflow">
                     <a:lnL w="12700">
                       <a:solidFill>
                         <a:schemeClr val="accent3"/>
@@ -4141,21 +4275,21 @@
                     <a:lstStyle/>
                     <a:p>
                       <a:pPr algn="l">
-                        <a:defRPr b="0" sz="1800">
+                        <a:defRPr sz="1800" b="0">
                           <a:solidFill>
                             <a:srgbClr val="000000"/>
                           </a:solidFill>
                         </a:defRPr>
                       </a:pPr>
                       <a:r>
-                        <a:rPr b="1" sz="2400">
+                        <a:rPr sz="2400" b="1">
                           <a:sym typeface="Arial"/>
                         </a:rPr>
                         <a:t>Evaluation Method</a:t>
                       </a:r>
                     </a:p>
                   </a:txBody>
-                  <a:tcPr marL="67475" marR="67475" marT="67475" marB="67475" anchor="ctr" anchorCtr="0" horzOverflow="overflow">
+                  <a:tcPr marL="67475" marR="67475" marT="67475" marB="67475" anchor="ctr" horzOverflow="overflow">
                     <a:lnL w="12700">
                       <a:solidFill>
                         <a:schemeClr val="accent3"/>
@@ -4189,21 +4323,21 @@
                     <a:lstStyle/>
                     <a:p>
                       <a:pPr algn="l">
-                        <a:defRPr b="0" sz="1800">
+                        <a:defRPr sz="1800" b="0">
                           <a:solidFill>
                             <a:srgbClr val="000000"/>
                           </a:solidFill>
                         </a:defRPr>
                       </a:pPr>
                       <a:r>
-                        <a:rPr b="1" sz="2400">
+                        <a:rPr sz="2400" b="1">
                           <a:sym typeface="Arial"/>
                         </a:rPr>
                         <a:t>Training Parameter</a:t>
                       </a:r>
                     </a:p>
                   </a:txBody>
-                  <a:tcPr marL="67475" marR="67475" marT="67475" marB="67475" anchor="ctr" anchorCtr="0" horzOverflow="overflow">
+                  <a:tcPr marL="67475" marR="67475" marT="67475" marB="67475" anchor="ctr" horzOverflow="overflow">
                     <a:lnL w="12700">
                       <a:solidFill>
                         <a:schemeClr val="accent3"/>
@@ -4231,6 +4365,11 @@
                     </a:solidFill>
                   </a:tcPr>
                 </a:tc>
+                <a:extLst>
+                  <a:ext uri="{0D108BD9-81ED-4DB2-BD59-A6C34878D82A}">
+                    <a16:rowId xmlns:a16="http://schemas.microsoft.com/office/drawing/2014/main" val="10000"/>
+                  </a:ext>
+                </a:extLst>
               </a:tr>
               <a:tr h="844775">
                 <a:tc>
@@ -4249,7 +4388,7 @@
                       </a:r>
                     </a:p>
                   </a:txBody>
-                  <a:tcPr marL="67475" marR="67475" marT="67475" marB="67475" anchor="ctr" anchorCtr="0" horzOverflow="overflow">
+                  <a:tcPr marL="67475" marR="67475" marT="67475" marB="67475" anchor="ctr" horzOverflow="overflow">
                     <a:lnL w="12700">
                       <a:solidFill>
                         <a:schemeClr val="accent3"/>
@@ -4293,7 +4432,7 @@
                       </a:r>
                     </a:p>
                   </a:txBody>
-                  <a:tcPr marL="67475" marR="67475" marT="67475" marB="67475" anchor="ctr" anchorCtr="0" horzOverflow="overflow">
+                  <a:tcPr marL="67475" marR="67475" marT="67475" marB="67475" anchor="ctr" horzOverflow="overflow">
                     <a:lnL w="12700">
                       <a:solidFill>
                         <a:schemeClr val="accent3"/>
@@ -4337,7 +4476,7 @@
                       </a:r>
                     </a:p>
                   </a:txBody>
-                  <a:tcPr marL="67475" marR="67475" marT="67475" marB="67475" anchor="ctr" anchorCtr="0" horzOverflow="overflow">
+                  <a:tcPr marL="67475" marR="67475" marT="67475" marB="67475" anchor="ctr" horzOverflow="overflow">
                     <a:lnL w="12700">
                       <a:solidFill>
                         <a:schemeClr val="accent3"/>
@@ -4381,7 +4520,7 @@
                       </a:r>
                     </a:p>
                   </a:txBody>
-                  <a:tcPr marL="67475" marR="67475" marT="67475" marB="67475" anchor="ctr" anchorCtr="0" horzOverflow="overflow">
+                  <a:tcPr marL="67475" marR="67475" marT="67475" marB="67475" anchor="ctr" horzOverflow="overflow">
                     <a:lnL w="12700">
                       <a:solidFill>
                         <a:schemeClr val="accent3"/>
@@ -4425,7 +4564,7 @@
                       </a:r>
                     </a:p>
                   </a:txBody>
-                  <a:tcPr marL="67475" marR="67475" marT="67475" marB="67475" anchor="ctr" anchorCtr="0" horzOverflow="overflow">
+                  <a:tcPr marL="67475" marR="67475" marT="67475" marB="67475" anchor="ctr" horzOverflow="overflow">
                     <a:lnL w="12700">
                       <a:solidFill>
                         <a:schemeClr val="accent3"/>
@@ -4463,9 +4602,10 @@
                           <a:sym typeface="Arial"/>
                         </a:defRPr>
                       </a:pPr>
+                      <a:endParaRPr/>
                     </a:p>
                   </a:txBody>
-                  <a:tcPr marL="67475" marR="67475" marT="67475" marB="67475" anchor="ctr" anchorCtr="0" horzOverflow="overflow">
+                  <a:tcPr marL="67475" marR="67475" marT="67475" marB="67475" anchor="ctr" horzOverflow="overflow">
                     <a:lnL w="12700">
                       <a:solidFill>
                         <a:schemeClr val="accent3"/>
@@ -4493,6 +4633,11 @@
                     </a:solidFill>
                   </a:tcPr>
                 </a:tc>
+                <a:extLst>
+                  <a:ext uri="{0D108BD9-81ED-4DB2-BD59-A6C34878D82A}">
+                    <a16:rowId xmlns:a16="http://schemas.microsoft.com/office/drawing/2014/main" val="10001"/>
+                  </a:ext>
+                </a:extLst>
               </a:tr>
               <a:tr h="844775">
                 <a:tc>
@@ -4511,7 +4656,7 @@
                       </a:r>
                     </a:p>
                   </a:txBody>
-                  <a:tcPr marL="67475" marR="67475" marT="67475" marB="67475" anchor="ctr" anchorCtr="0" horzOverflow="overflow">
+                  <a:tcPr marL="67475" marR="67475" marT="67475" marB="67475" anchor="ctr" horzOverflow="overflow">
                     <a:lnL w="12700">
                       <a:solidFill>
                         <a:schemeClr val="accent3"/>
@@ -4555,7 +4700,7 @@
                       </a:r>
                     </a:p>
                   </a:txBody>
-                  <a:tcPr marL="67475" marR="67475" marT="67475" marB="67475" anchor="ctr" anchorCtr="0" horzOverflow="overflow">
+                  <a:tcPr marL="67475" marR="67475" marT="67475" marB="67475" anchor="ctr" horzOverflow="overflow">
                     <a:lnL w="12700">
                       <a:solidFill>
                         <a:schemeClr val="accent3"/>
@@ -4599,7 +4744,7 @@
                       </a:r>
                     </a:p>
                   </a:txBody>
-                  <a:tcPr marL="67475" marR="67475" marT="67475" marB="67475" anchor="ctr" anchorCtr="0" horzOverflow="overflow">
+                  <a:tcPr marL="67475" marR="67475" marT="67475" marB="67475" anchor="ctr" horzOverflow="overflow">
                     <a:lnL w="12700">
                       <a:solidFill>
                         <a:schemeClr val="accent3"/>
@@ -4643,7 +4788,7 @@
                       </a:r>
                     </a:p>
                   </a:txBody>
-                  <a:tcPr marL="67475" marR="67475" marT="67475" marB="67475" anchor="ctr" anchorCtr="0" horzOverflow="overflow">
+                  <a:tcPr marL="67475" marR="67475" marT="67475" marB="67475" anchor="ctr" horzOverflow="overflow">
                     <a:lnL w="12700">
                       <a:solidFill>
                         <a:schemeClr val="accent3"/>
@@ -4687,7 +4832,7 @@
                       </a:r>
                     </a:p>
                   </a:txBody>
-                  <a:tcPr marL="67475" marR="67475" marT="67475" marB="67475" anchor="ctr" anchorCtr="0" horzOverflow="overflow">
+                  <a:tcPr marL="67475" marR="67475" marT="67475" marB="67475" anchor="ctr" horzOverflow="overflow">
                     <a:lnL w="12700">
                       <a:solidFill>
                         <a:schemeClr val="accent3"/>
@@ -4725,9 +4870,10 @@
                           <a:sym typeface="Arial"/>
                         </a:defRPr>
                       </a:pPr>
+                      <a:endParaRPr/>
                     </a:p>
                   </a:txBody>
-                  <a:tcPr marL="67475" marR="67475" marT="67475" marB="67475" anchor="ctr" anchorCtr="0" horzOverflow="overflow">
+                  <a:tcPr marL="67475" marR="67475" marT="67475" marB="67475" anchor="ctr" horzOverflow="overflow">
                     <a:lnL w="12700">
                       <a:solidFill>
                         <a:schemeClr val="accent3"/>
@@ -4755,6 +4901,11 @@
                     </a:solidFill>
                   </a:tcPr>
                 </a:tc>
+                <a:extLst>
+                  <a:ext uri="{0D108BD9-81ED-4DB2-BD59-A6C34878D82A}">
+                    <a16:rowId xmlns:a16="http://schemas.microsoft.com/office/drawing/2014/main" val="10002"/>
+                  </a:ext>
+                </a:extLst>
               </a:tr>
               <a:tr h="507474">
                 <a:tc>
@@ -4776,7 +4927,7 @@
                       </a:r>
                     </a:p>
                   </a:txBody>
-                  <a:tcPr marL="67475" marR="67475" marT="67475" marB="67475" anchor="ctr" anchorCtr="0" horzOverflow="overflow">
+                  <a:tcPr marL="67475" marR="67475" marT="67475" marB="67475" anchor="ctr" horzOverflow="overflow">
                     <a:lnL w="12700">
                       <a:solidFill>
                         <a:schemeClr val="accent3"/>
@@ -4820,7 +4971,7 @@
                       </a:r>
                     </a:p>
                   </a:txBody>
-                  <a:tcPr marL="67475" marR="67475" marT="67475" marB="67475" anchor="ctr" anchorCtr="0" horzOverflow="overflow">
+                  <a:tcPr marL="67475" marR="67475" marT="67475" marB="67475" anchor="ctr" horzOverflow="overflow">
                     <a:lnL w="12700">
                       <a:solidFill>
                         <a:schemeClr val="accent3"/>
@@ -4864,7 +5015,7 @@
                       </a:r>
                     </a:p>
                   </a:txBody>
-                  <a:tcPr marL="67475" marR="67475" marT="67475" marB="67475" anchor="ctr" anchorCtr="0" horzOverflow="overflow">
+                  <a:tcPr marL="67475" marR="67475" marT="67475" marB="67475" anchor="ctr" horzOverflow="overflow">
                     <a:lnL w="12700">
                       <a:solidFill>
                         <a:schemeClr val="accent3"/>
@@ -4908,7 +5059,7 @@
                       </a:r>
                     </a:p>
                   </a:txBody>
-                  <a:tcPr marL="67475" marR="67475" marT="67475" marB="67475" anchor="ctr" anchorCtr="0" horzOverflow="overflow">
+                  <a:tcPr marL="67475" marR="67475" marT="67475" marB="67475" anchor="ctr" horzOverflow="overflow">
                     <a:lnL w="12700">
                       <a:solidFill>
                         <a:schemeClr val="accent3"/>
@@ -4952,7 +5103,7 @@
                       </a:r>
                     </a:p>
                   </a:txBody>
-                  <a:tcPr marL="67475" marR="67475" marT="67475" marB="67475" anchor="ctr" anchorCtr="0" horzOverflow="overflow">
+                  <a:tcPr marL="67475" marR="67475" marT="67475" marB="67475" anchor="ctr" horzOverflow="overflow">
                     <a:lnL w="12700">
                       <a:solidFill>
                         <a:schemeClr val="accent3"/>
@@ -4990,9 +5141,10 @@
                           <a:sym typeface="Arial"/>
                         </a:defRPr>
                       </a:pPr>
+                      <a:endParaRPr/>
                     </a:p>
                   </a:txBody>
-                  <a:tcPr marL="67475" marR="67475" marT="67475" marB="67475" anchor="ctr" anchorCtr="0" horzOverflow="overflow">
+                  <a:tcPr marL="67475" marR="67475" marT="67475" marB="67475" anchor="ctr" horzOverflow="overflow">
                     <a:lnL w="12700">
                       <a:solidFill>
                         <a:schemeClr val="accent3"/>
@@ -5020,6 +5172,11 @@
                     </a:solidFill>
                   </a:tcPr>
                 </a:tc>
+                <a:extLst>
+                  <a:ext uri="{0D108BD9-81ED-4DB2-BD59-A6C34878D82A}">
+                    <a16:rowId xmlns:a16="http://schemas.microsoft.com/office/drawing/2014/main" val="10003"/>
+                  </a:ext>
+                </a:extLst>
               </a:tr>
               <a:tr h="507474">
                 <a:tc>
@@ -5038,7 +5195,7 @@
                       </a:r>
                     </a:p>
                   </a:txBody>
-                  <a:tcPr marL="67475" marR="67475" marT="67475" marB="67475" anchor="ctr" anchorCtr="0" horzOverflow="overflow">
+                  <a:tcPr marL="67475" marR="67475" marT="67475" marB="67475" anchor="ctr" horzOverflow="overflow">
                     <a:lnL w="12700">
                       <a:solidFill>
                         <a:schemeClr val="accent3"/>
@@ -5082,7 +5239,7 @@
                       </a:r>
                     </a:p>
                   </a:txBody>
-                  <a:tcPr marL="67475" marR="67475" marT="67475" marB="67475" anchor="ctr" anchorCtr="0" horzOverflow="overflow">
+                  <a:tcPr marL="67475" marR="67475" marT="67475" marB="67475" anchor="ctr" horzOverflow="overflow">
                     <a:lnL w="12700">
                       <a:solidFill>
                         <a:schemeClr val="accent3"/>
@@ -5126,7 +5283,7 @@
                       </a:r>
                     </a:p>
                   </a:txBody>
-                  <a:tcPr marL="67475" marR="67475" marT="67475" marB="67475" anchor="ctr" anchorCtr="0" horzOverflow="overflow">
+                  <a:tcPr marL="67475" marR="67475" marT="67475" marB="67475" anchor="ctr" horzOverflow="overflow">
                     <a:lnL w="12700">
                       <a:solidFill>
                         <a:schemeClr val="accent3"/>
@@ -5170,7 +5327,7 @@
                       </a:r>
                     </a:p>
                   </a:txBody>
-                  <a:tcPr marL="67475" marR="67475" marT="67475" marB="67475" anchor="ctr" anchorCtr="0" horzOverflow="overflow">
+                  <a:tcPr marL="67475" marR="67475" marT="67475" marB="67475" anchor="ctr" horzOverflow="overflow">
                     <a:lnL w="12700">
                       <a:solidFill>
                         <a:schemeClr val="accent3"/>
@@ -5214,7 +5371,7 @@
                       </a:r>
                     </a:p>
                   </a:txBody>
-                  <a:tcPr marL="67475" marR="67475" marT="67475" marB="67475" anchor="ctr" anchorCtr="0" horzOverflow="overflow">
+                  <a:tcPr marL="67475" marR="67475" marT="67475" marB="67475" anchor="ctr" horzOverflow="overflow">
                     <a:lnL w="12700">
                       <a:solidFill>
                         <a:schemeClr val="accent3"/>
@@ -5252,9 +5409,10 @@
                           <a:sym typeface="Arial"/>
                         </a:defRPr>
                       </a:pPr>
+                      <a:endParaRPr/>
                     </a:p>
                   </a:txBody>
-                  <a:tcPr marL="67475" marR="67475" marT="67475" marB="67475" anchor="ctr" anchorCtr="0" horzOverflow="overflow">
+                  <a:tcPr marL="67475" marR="67475" marT="67475" marB="67475" anchor="ctr" horzOverflow="overflow">
                     <a:lnL w="12700">
                       <a:solidFill>
                         <a:schemeClr val="accent3"/>
@@ -5282,6 +5440,11 @@
                     </a:solidFill>
                   </a:tcPr>
                 </a:tc>
+                <a:extLst>
+                  <a:ext uri="{0D108BD9-81ED-4DB2-BD59-A6C34878D82A}">
+                    <a16:rowId xmlns:a16="http://schemas.microsoft.com/office/drawing/2014/main" val="10004"/>
+                  </a:ext>
+                </a:extLst>
               </a:tr>
             </a:tbl>
           </a:graphicData>
@@ -5292,22 +5455,23 @@
   <p:clrMapOvr>
     <a:masterClrMapping/>
   </p:clrMapOvr>
-  <p:transition xmlns:p14="http://schemas.microsoft.com/office/powerpoint/2010/main" spd="med" advClick="1"/>
+  <p:transition spd="med"/>
 </p:sld>
 </file>
 
 <file path=ppt/slides/slide12.xml><?xml version="1.0" encoding="utf-8"?>
-<p:sld xmlns:a="http://schemas.openxmlformats.org/drawingml/2006/main" xmlns:r="http://schemas.openxmlformats.org/officeDocument/2006/relationships" xmlns:p="http://schemas.openxmlformats.org/presentationml/2006/main" xmlns:m="http://schemas.openxmlformats.org/officeDocument/2006/math" xmlns:a14="http://schemas.microsoft.com/office/drawing/2010/main" showMasterSp="1" showMasterPhAnim="1">
+<p:sld xmlns:a="http://schemas.openxmlformats.org/drawingml/2006/main" xmlns:r="http://schemas.openxmlformats.org/officeDocument/2006/relationships" xmlns:p="http://schemas.openxmlformats.org/presentationml/2006/main">
   <p:cSld>
     <p:bg>
       <p:bgPr>
         <a:blipFill rotWithShape="1">
           <a:blip r:embed="rId2"/>
-          <a:srcRect l="0" t="0" r="0" b="0"/>
+          <a:srcRect/>
           <a:stretch>
             <a:fillRect/>
           </a:stretch>
         </a:blipFill>
+        <a:effectLst/>
       </p:bgPr>
     </p:bg>
     <p:spTree>
@@ -5327,7 +5491,9 @@
       <p:sp>
         <p:nvSpPr>
           <p:cNvPr id="227" name="Google Shape;226;p25"/>
-          <p:cNvSpPr txBox="1"/>
+          <p:cNvSpPr txBox="1">
+            <a:spLocks noGrp="1"/>
+          </p:cNvSpPr>
           <p:nvPr>
             <p:ph type="title"/>
           </p:nvPr>
@@ -5345,7 +5511,7 @@
           <a:bodyPr anchor="ctr"/>
           <a:lstStyle>
             <a:lvl1pPr>
-              <a:defRPr b="1" sz="4500">
+              <a:defRPr sz="4500" b="1">
                 <a:latin typeface="Objective"/>
                 <a:ea typeface="Objective"/>
                 <a:cs typeface="Objective"/>
@@ -5354,7 +5520,6 @@
             </a:lvl1pPr>
           </a:lstStyle>
           <a:p>
-            <a:pPr/>
             <a:r>
               <a:t>Inference Results</a:t>
             </a:r>
@@ -5414,6 +5579,7 @@
                   <a:sym typeface="Arial"/>
                 </a:defRPr>
               </a:pPr>
+              <a:endParaRPr/>
             </a:p>
           </p:txBody>
         </p:sp>
@@ -5433,7 +5599,7 @@
             </a:prstGeom>
             <a:blipFill rotWithShape="1">
               <a:blip r:embed="rId3"/>
-              <a:srcRect l="0" t="0" r="0" b="0"/>
+              <a:srcRect/>
               <a:stretch>
                 <a:fillRect/>
               </a:stretch>
@@ -5458,6 +5624,7 @@
                   <a:sym typeface="Arial"/>
                 </a:defRPr>
               </a:pPr>
+              <a:endParaRPr/>
             </a:p>
           </p:txBody>
         </p:sp>
@@ -5483,7 +5650,7 @@
             <a:effectLst/>
             <a:extLst>
               <a:ext uri="{C572A759-6A51-4108-AA02-DFA0A04FC94B}">
-                <ma14:wrappingTextBoxFlag xmlns:ma14="http://schemas.microsoft.com/office/mac/drawingml/2011/main" val="1"/>
+                <ma14:wrappingTextBoxFlag xmlns:ma14="http://schemas.microsoft.com/office/mac/drawingml/2011/main" xmlns:a14="http://schemas.microsoft.com/office/drawing/2010/main" xmlns:m="http://schemas.openxmlformats.org/officeDocument/2006/math" xmlns="" val="1"/>
               </a:ext>
             </a:extLst>
           </p:spPr>
@@ -5493,7 +5660,7 @@
             </a:bodyPr>
             <a:lstStyle>
               <a:lvl1pPr>
-                <a:defRPr b="1" sz="1900">
+                <a:defRPr sz="1900" b="1">
                   <a:latin typeface="Calibri"/>
                   <a:ea typeface="Calibri"/>
                   <a:cs typeface="Calibri"/>
@@ -5502,7 +5669,6 @@
               </a:lvl1pPr>
             </a:lstStyle>
             <a:p>
-              <a:pPr/>
               <a:r>
                 <a:t>Question</a:t>
               </a:r>
@@ -5531,7 +5697,7 @@
             <a:effectLst/>
             <a:extLst>
               <a:ext uri="{C572A759-6A51-4108-AA02-DFA0A04FC94B}">
-                <ma14:wrappingTextBoxFlag xmlns:ma14="http://schemas.microsoft.com/office/mac/drawingml/2011/main" val="1"/>
+                <ma14:wrappingTextBoxFlag xmlns:ma14="http://schemas.microsoft.com/office/mac/drawingml/2011/main" xmlns:a14="http://schemas.microsoft.com/office/drawing/2010/main" xmlns:m="http://schemas.openxmlformats.org/officeDocument/2006/math" xmlns="" val="1"/>
               </a:ext>
             </a:extLst>
           </p:spPr>
@@ -5550,7 +5716,6 @@
               </a:lvl1pPr>
             </a:lstStyle>
             <a:p>
-              <a:pPr/>
               <a:r>
                 <a:t>What is a linear classifier?</a:t>
               </a:r>
@@ -5596,6 +5761,7 @@
                   <a:sym typeface="Arial"/>
                 </a:defRPr>
               </a:pPr>
+              <a:endParaRPr/>
             </a:p>
           </p:txBody>
         </p:sp>
@@ -5615,7 +5781,7 @@
             </a:prstGeom>
             <a:blipFill rotWithShape="1">
               <a:blip r:embed="rId4"/>
-              <a:srcRect l="0" t="0" r="0" b="0"/>
+              <a:srcRect/>
               <a:stretch>
                 <a:fillRect/>
               </a:stretch>
@@ -5640,6 +5806,7 @@
                   <a:sym typeface="Arial"/>
                 </a:defRPr>
               </a:pPr>
+              <a:endParaRPr/>
             </a:p>
           </p:txBody>
         </p:sp>
@@ -5665,7 +5832,7 @@
             <a:effectLst/>
             <a:extLst>
               <a:ext uri="{C572A759-6A51-4108-AA02-DFA0A04FC94B}">
-                <ma14:wrappingTextBoxFlag xmlns:ma14="http://schemas.microsoft.com/office/mac/drawingml/2011/main" val="1"/>
+                <ma14:wrappingTextBoxFlag xmlns:ma14="http://schemas.microsoft.com/office/mac/drawingml/2011/main" xmlns:a14="http://schemas.microsoft.com/office/drawing/2010/main" xmlns:m="http://schemas.openxmlformats.org/officeDocument/2006/math" xmlns="" val="1"/>
               </a:ext>
             </a:extLst>
           </p:spPr>
@@ -5675,7 +5842,7 @@
             </a:bodyPr>
             <a:lstStyle>
               <a:lvl1pPr>
-                <a:defRPr b="1" sz="1900">
+                <a:defRPr sz="1900" b="1">
                   <a:latin typeface="Calibri"/>
                   <a:ea typeface="Calibri"/>
                   <a:cs typeface="Calibri"/>
@@ -5684,7 +5851,6 @@
               </a:lvl1pPr>
             </a:lstStyle>
             <a:p>
-              <a:pPr/>
               <a:r>
                 <a:t>Target:</a:t>
               </a:r>
@@ -5713,7 +5879,7 @@
             <a:effectLst/>
             <a:extLst>
               <a:ext uri="{C572A759-6A51-4108-AA02-DFA0A04FC94B}">
-                <ma14:wrappingTextBoxFlag xmlns:ma14="http://schemas.microsoft.com/office/mac/drawingml/2011/main" val="1"/>
+                <ma14:wrappingTextBoxFlag xmlns:ma14="http://schemas.microsoft.com/office/mac/drawingml/2011/main" xmlns:a14="http://schemas.microsoft.com/office/drawing/2010/main" xmlns:m="http://schemas.openxmlformats.org/officeDocument/2006/math" xmlns="" val="1"/>
               </a:ext>
             </a:extLst>
           </p:spPr>
@@ -5732,7 +5898,6 @@
               </a:lvl1pPr>
             </a:lstStyle>
             <a:p>
-              <a:pPr/>
               <a:r>
                 <a:t>A linear classifier is a classification algorithm that makes its predictions based on a linear predictor function combining a set of weights with the feature vector.</a:t>
               </a:r>
@@ -5778,6 +5943,7 @@
                   <a:sym typeface="Arial"/>
                 </a:defRPr>
               </a:pPr>
+              <a:endParaRPr/>
             </a:p>
           </p:txBody>
         </p:sp>
@@ -5797,7 +5963,7 @@
             </a:prstGeom>
             <a:blipFill rotWithShape="1">
               <a:blip r:embed="rId5"/>
-              <a:srcRect l="0" t="0" r="0" b="0"/>
+              <a:srcRect/>
               <a:stretch>
                 <a:fillRect/>
               </a:stretch>
@@ -5822,6 +5988,7 @@
                   <a:sym typeface="Arial"/>
                 </a:defRPr>
               </a:pPr>
+              <a:endParaRPr/>
             </a:p>
           </p:txBody>
         </p:sp>
@@ -5847,7 +6014,7 @@
             <a:effectLst/>
             <a:extLst>
               <a:ext uri="{C572A759-6A51-4108-AA02-DFA0A04FC94B}">
-                <ma14:wrappingTextBoxFlag xmlns:ma14="http://schemas.microsoft.com/office/mac/drawingml/2011/main" val="1"/>
+                <ma14:wrappingTextBoxFlag xmlns:ma14="http://schemas.microsoft.com/office/mac/drawingml/2011/main" xmlns:a14="http://schemas.microsoft.com/office/drawing/2010/main" xmlns:m="http://schemas.openxmlformats.org/officeDocument/2006/math" xmlns="" val="1"/>
               </a:ext>
             </a:extLst>
           </p:spPr>
@@ -5857,7 +6024,7 @@
             </a:bodyPr>
             <a:lstStyle>
               <a:lvl1pPr>
-                <a:defRPr b="1" sz="1900">
+                <a:defRPr sz="1900" b="1">
                   <a:latin typeface="Calibri"/>
                   <a:ea typeface="Calibri"/>
                   <a:cs typeface="Calibri"/>
@@ -5866,7 +6033,6 @@
               </a:lvl1pPr>
             </a:lstStyle>
             <a:p>
-              <a:pPr/>
               <a:r>
                 <a:t>GPT2 Model Output:</a:t>
               </a:r>
@@ -5895,7 +6061,7 @@
             <a:effectLst/>
             <a:extLst>
               <a:ext uri="{C572A759-6A51-4108-AA02-DFA0A04FC94B}">
-                <ma14:wrappingTextBoxFlag xmlns:ma14="http://schemas.microsoft.com/office/mac/drawingml/2011/main" val="1"/>
+                <ma14:wrappingTextBoxFlag xmlns:ma14="http://schemas.microsoft.com/office/mac/drawingml/2011/main" xmlns:a14="http://schemas.microsoft.com/office/drawing/2010/main" xmlns:m="http://schemas.openxmlformats.org/officeDocument/2006/math" xmlns="" val="1"/>
               </a:ext>
             </a:extLst>
           </p:spPr>
@@ -5914,7 +6080,6 @@
               </a:lvl1pPr>
             </a:lstStyle>
             <a:p>
-              <a:pPr/>
               <a:r>
                 <a:t>Linear classifiers are a way to represent a set of values in a linear way. They are used to represent a set of values in a linear way.</a:t>
               </a:r>
@@ -5960,6 +6125,7 @@
                   <a:sym typeface="Arial"/>
                 </a:defRPr>
               </a:pPr>
+              <a:endParaRPr/>
             </a:p>
           </p:txBody>
         </p:sp>
@@ -5979,7 +6145,7 @@
             </a:prstGeom>
             <a:blipFill rotWithShape="1">
               <a:blip r:embed="rId6"/>
-              <a:srcRect l="0" t="0" r="0" b="0"/>
+              <a:srcRect/>
               <a:stretch>
                 <a:fillRect/>
               </a:stretch>
@@ -6004,6 +6170,7 @@
                   <a:sym typeface="Arial"/>
                 </a:defRPr>
               </a:pPr>
+              <a:endParaRPr/>
             </a:p>
           </p:txBody>
         </p:sp>
@@ -6029,7 +6196,7 @@
             <a:effectLst/>
             <a:extLst>
               <a:ext uri="{C572A759-6A51-4108-AA02-DFA0A04FC94B}">
-                <ma14:wrappingTextBoxFlag xmlns:ma14="http://schemas.microsoft.com/office/mac/drawingml/2011/main" val="1"/>
+                <ma14:wrappingTextBoxFlag xmlns:ma14="http://schemas.microsoft.com/office/mac/drawingml/2011/main" xmlns:a14="http://schemas.microsoft.com/office/drawing/2010/main" xmlns:m="http://schemas.openxmlformats.org/officeDocument/2006/math" xmlns="" val="1"/>
               </a:ext>
             </a:extLst>
           </p:spPr>
@@ -6039,7 +6206,7 @@
             </a:bodyPr>
             <a:lstStyle>
               <a:lvl1pPr>
-                <a:defRPr b="1" sz="1900">
+                <a:defRPr sz="1900" b="1">
                   <a:latin typeface="Calibri"/>
                   <a:ea typeface="Calibri"/>
                   <a:cs typeface="Calibri"/>
@@ -6048,7 +6215,6 @@
               </a:lvl1pPr>
             </a:lstStyle>
             <a:p>
-              <a:pPr/>
               <a:r>
                 <a:t>Bart Model Output:</a:t>
               </a:r>
@@ -6077,7 +6243,7 @@
             <a:effectLst/>
             <a:extLst>
               <a:ext uri="{C572A759-6A51-4108-AA02-DFA0A04FC94B}">
-                <ma14:wrappingTextBoxFlag xmlns:ma14="http://schemas.microsoft.com/office/mac/drawingml/2011/main" val="1"/>
+                <ma14:wrappingTextBoxFlag xmlns:ma14="http://schemas.microsoft.com/office/mac/drawingml/2011/main" xmlns:a14="http://schemas.microsoft.com/office/drawing/2010/main" xmlns:m="http://schemas.openxmlformats.org/officeDocument/2006/math" xmlns="" val="1"/>
               </a:ext>
             </a:extLst>
           </p:spPr>
@@ -6096,7 +6262,6 @@
               </a:lvl1pPr>
             </a:lstStyle>
             <a:p>
-              <a:pPr/>
               <a:r>
                 <a:t>A linear classifier is a model used to classify data points along a line.</a:t>
               </a:r>
@@ -6142,6 +6307,7 @@
                   <a:sym typeface="Arial"/>
                 </a:defRPr>
               </a:pPr>
+              <a:endParaRPr/>
             </a:p>
           </p:txBody>
         </p:sp>
@@ -6161,7 +6327,7 @@
             </a:prstGeom>
             <a:blipFill rotWithShape="1">
               <a:blip r:embed="rId7"/>
-              <a:srcRect l="0" t="0" r="0" b="0"/>
+              <a:srcRect/>
               <a:stretch>
                 <a:fillRect/>
               </a:stretch>
@@ -6186,6 +6352,7 @@
                   <a:sym typeface="Arial"/>
                 </a:defRPr>
               </a:pPr>
+              <a:endParaRPr/>
             </a:p>
           </p:txBody>
         </p:sp>
@@ -6211,7 +6378,7 @@
             <a:effectLst/>
             <a:extLst>
               <a:ext uri="{C572A759-6A51-4108-AA02-DFA0A04FC94B}">
-                <ma14:wrappingTextBoxFlag xmlns:ma14="http://schemas.microsoft.com/office/mac/drawingml/2011/main" val="1"/>
+                <ma14:wrappingTextBoxFlag xmlns:ma14="http://schemas.microsoft.com/office/mac/drawingml/2011/main" xmlns:a14="http://schemas.microsoft.com/office/drawing/2010/main" xmlns:m="http://schemas.openxmlformats.org/officeDocument/2006/math" xmlns="" val="1"/>
               </a:ext>
             </a:extLst>
           </p:spPr>
@@ -6221,7 +6388,7 @@
             </a:bodyPr>
             <a:lstStyle>
               <a:lvl1pPr>
-                <a:defRPr b="1" sz="1900">
+                <a:defRPr sz="1900" b="1">
                   <a:latin typeface="Calibri"/>
                   <a:ea typeface="Calibri"/>
                   <a:cs typeface="Calibri"/>
@@ -6230,7 +6397,6 @@
               </a:lvl1pPr>
             </a:lstStyle>
             <a:p>
-              <a:pPr/>
               <a:r>
                 <a:t>Mistral Model Output:</a:t>
               </a:r>
@@ -6259,7 +6425,7 @@
             <a:effectLst/>
             <a:extLst>
               <a:ext uri="{C572A759-6A51-4108-AA02-DFA0A04FC94B}">
-                <ma14:wrappingTextBoxFlag xmlns:ma14="http://schemas.microsoft.com/office/mac/drawingml/2011/main" val="1"/>
+                <ma14:wrappingTextBoxFlag xmlns:ma14="http://schemas.microsoft.com/office/mac/drawingml/2011/main" xmlns:a14="http://schemas.microsoft.com/office/drawing/2010/main" xmlns:m="http://schemas.openxmlformats.org/officeDocument/2006/math" xmlns="" val="1"/>
               </a:ext>
             </a:extLst>
           </p:spPr>
@@ -6278,7 +6444,6 @@
               </a:lvl1pPr>
             </a:lstStyle>
             <a:p>
-              <a:pPr/>
               <a:r>
                 <a:t>'A linear classifier is a machine learning algorithm that predicts class labels by assigning weights to features. It uses the weighted sum of feature values as input for classification</a:t>
               </a:r>
@@ -6324,6 +6489,7 @@
                   <a:sym typeface="Arial"/>
                 </a:defRPr>
               </a:pPr>
+              <a:endParaRPr/>
             </a:p>
           </p:txBody>
         </p:sp>
@@ -6343,7 +6509,7 @@
             </a:prstGeom>
             <a:blipFill rotWithShape="1">
               <a:blip r:embed="rId8"/>
-              <a:srcRect l="0" t="0" r="0" b="0"/>
+              <a:srcRect/>
               <a:stretch>
                 <a:fillRect/>
               </a:stretch>
@@ -6368,6 +6534,7 @@
                   <a:sym typeface="Arial"/>
                 </a:defRPr>
               </a:pPr>
+              <a:endParaRPr/>
             </a:p>
           </p:txBody>
         </p:sp>
@@ -6393,7 +6560,7 @@
             <a:effectLst/>
             <a:extLst>
               <a:ext uri="{C572A759-6A51-4108-AA02-DFA0A04FC94B}">
-                <ma14:wrappingTextBoxFlag xmlns:ma14="http://schemas.microsoft.com/office/mac/drawingml/2011/main" val="1"/>
+                <ma14:wrappingTextBoxFlag xmlns:ma14="http://schemas.microsoft.com/office/mac/drawingml/2011/main" xmlns:a14="http://schemas.microsoft.com/office/drawing/2010/main" xmlns:m="http://schemas.openxmlformats.org/officeDocument/2006/math" xmlns="" val="1"/>
               </a:ext>
             </a:extLst>
           </p:spPr>
@@ -6403,7 +6570,7 @@
             </a:bodyPr>
             <a:lstStyle>
               <a:lvl1pPr>
-                <a:defRPr b="1" sz="1900">
+                <a:defRPr sz="1900" b="1">
                   <a:latin typeface="Calibri"/>
                   <a:ea typeface="Calibri"/>
                   <a:cs typeface="Calibri"/>
@@ -6412,7 +6579,6 @@
               </a:lvl1pPr>
             </a:lstStyle>
             <a:p>
-              <a:pPr/>
               <a:r>
                 <a:t>Llama3.1 Model Output:</a:t>
               </a:r>
@@ -6441,7 +6607,7 @@
             <a:effectLst/>
             <a:extLst>
               <a:ext uri="{C572A759-6A51-4108-AA02-DFA0A04FC94B}">
-                <ma14:wrappingTextBoxFlag xmlns:ma14="http://schemas.microsoft.com/office/mac/drawingml/2011/main" val="1"/>
+                <ma14:wrappingTextBoxFlag xmlns:ma14="http://schemas.microsoft.com/office/mac/drawingml/2011/main" xmlns:a14="http://schemas.microsoft.com/office/drawing/2010/main" xmlns:m="http://schemas.openxmlformats.org/officeDocument/2006/math" xmlns="" val="1"/>
               </a:ext>
             </a:extLst>
           </p:spPr>
@@ -6460,7 +6626,6 @@
               </a:lvl1pPr>
             </a:lstStyle>
             <a:p>
-              <a:pPr/>
               <a:r>
                 <a:t>['A linear classifier is a machine learning algorithm that predicts class labels by assigning weights to features. It uses the weighted sum of feature values as input for classification.', 'Linear classifiers are models used in machine learning to classify data points into different classes based on their feature values.']</a:t>
               </a:r>
@@ -6473,22 +6638,23 @@
   <p:clrMapOvr>
     <a:masterClrMapping/>
   </p:clrMapOvr>
-  <p:transition xmlns:p14="http://schemas.microsoft.com/office/powerpoint/2010/main" spd="med" advClick="1"/>
+  <p:transition spd="med"/>
 </p:sld>
 </file>
 
 <file path=ppt/slides/slide13.xml><?xml version="1.0" encoding="utf-8"?>
-<p:sld xmlns:a="http://schemas.openxmlformats.org/drawingml/2006/main" xmlns:r="http://schemas.openxmlformats.org/officeDocument/2006/relationships" xmlns:p="http://schemas.openxmlformats.org/presentationml/2006/main" xmlns:m="http://schemas.openxmlformats.org/officeDocument/2006/math" xmlns:a14="http://schemas.microsoft.com/office/drawing/2010/main" showMasterSp="1" showMasterPhAnim="1">
+<p:sld xmlns:a="http://schemas.openxmlformats.org/drawingml/2006/main" xmlns:r="http://schemas.openxmlformats.org/officeDocument/2006/relationships" xmlns:p="http://schemas.openxmlformats.org/presentationml/2006/main">
   <p:cSld>
     <p:bg>
       <p:bgPr>
         <a:blipFill rotWithShape="1">
           <a:blip r:embed="rId2"/>
-          <a:srcRect l="0" t="0" r="0" b="0"/>
+          <a:srcRect/>
           <a:stretch>
             <a:fillRect/>
           </a:stretch>
         </a:blipFill>
+        <a:effectLst/>
       </p:bgPr>
     </p:bg>
     <p:spTree>
@@ -6508,7 +6674,9 @@
       <p:sp>
         <p:nvSpPr>
           <p:cNvPr id="254" name="Google Shape;268;p26"/>
-          <p:cNvSpPr txBox="1"/>
+          <p:cNvSpPr txBox="1">
+            <a:spLocks noGrp="1"/>
+          </p:cNvSpPr>
           <p:nvPr>
             <p:ph type="title"/>
           </p:nvPr>
@@ -6527,7 +6695,7 @@
           <a:lstStyle/>
           <a:p>
             <a:pPr>
-              <a:defRPr b="1" sz="4500">
+              <a:defRPr sz="4500" b="1">
                 <a:latin typeface="Objective"/>
                 <a:ea typeface="Objective"/>
                 <a:cs typeface="Objective"/>
@@ -6538,7 +6706,7 @@
               <a:t>Result</a:t>
             </a:r>
             <a:r>
-              <a:rPr b="0" sz="2400"/>
+              <a:rPr sz="2400" b="0"/>
               <a:t> </a:t>
             </a:r>
             <a:r>
@@ -6555,20 +6723,50 @@
         </p:nvGraphicFramePr>
         <p:xfrm>
           <a:off x="959040" y="2112578"/>
-          <a:ext cx="10297852" cy="4192752"/>
+          <a:ext cx="10297850" cy="4192750"/>
         </p:xfrm>
-        <a:graphic xmlns:a="http://schemas.openxmlformats.org/drawingml/2006/main">
+        <a:graphic>
           <a:graphicData uri="http://schemas.openxmlformats.org/drawingml/2006/table">
             <a:tbl>
-              <a:tblPr firstCol="0" firstRow="1" lastCol="0" lastRow="0" bandCol="0" bandRow="1" rtl="0">
+              <a:tblPr firstRow="1" bandRow="1">
                 <a:tableStyleId>{4C3C2611-4C71-4FC5-86AE-919BDF0F9419}</a:tableStyleId>
               </a:tblPr>
               <a:tblGrid>
-                <a:gridCol w="1846950"/>
-                <a:gridCol w="1935875"/>
-                <a:gridCol w="1935875"/>
-                <a:gridCol w="1935875"/>
-                <a:gridCol w="2643275"/>
+                <a:gridCol w="1846950">
+                  <a:extLst>
+                    <a:ext uri="{9D8B030D-6E8A-4147-A177-3AD203B41FA5}">
+                      <a16:colId xmlns:a16="http://schemas.microsoft.com/office/drawing/2014/main" val="20000"/>
+                    </a:ext>
+                  </a:extLst>
+                </a:gridCol>
+                <a:gridCol w="1935875">
+                  <a:extLst>
+                    <a:ext uri="{9D8B030D-6E8A-4147-A177-3AD203B41FA5}">
+                      <a16:colId xmlns:a16="http://schemas.microsoft.com/office/drawing/2014/main" val="20001"/>
+                    </a:ext>
+                  </a:extLst>
+                </a:gridCol>
+                <a:gridCol w="1935875">
+                  <a:extLst>
+                    <a:ext uri="{9D8B030D-6E8A-4147-A177-3AD203B41FA5}">
+                      <a16:colId xmlns:a16="http://schemas.microsoft.com/office/drawing/2014/main" val="20002"/>
+                    </a:ext>
+                  </a:extLst>
+                </a:gridCol>
+                <a:gridCol w="1935875">
+                  <a:extLst>
+                    <a:ext uri="{9D8B030D-6E8A-4147-A177-3AD203B41FA5}">
+                      <a16:colId xmlns:a16="http://schemas.microsoft.com/office/drawing/2014/main" val="20003"/>
+                    </a:ext>
+                  </a:extLst>
+                </a:gridCol>
+                <a:gridCol w="2643275">
+                  <a:extLst>
+                    <a:ext uri="{9D8B030D-6E8A-4147-A177-3AD203B41FA5}">
+                      <a16:colId xmlns:a16="http://schemas.microsoft.com/office/drawing/2014/main" val="20004"/>
+                    </a:ext>
+                  </a:extLst>
+                </a:gridCol>
               </a:tblGrid>
               <a:tr h="838550">
                 <a:tc>
@@ -6577,7 +6775,7 @@
                     <a:lstStyle/>
                     <a:p>
                       <a:pPr algn="l">
-                        <a:defRPr b="0" sz="1800">
+                        <a:defRPr sz="1800" b="0">
                           <a:solidFill>
                             <a:srgbClr val="000000"/>
                           </a:solidFill>
@@ -6594,7 +6792,7 @@
                       </a:r>
                     </a:p>
                   </a:txBody>
-                  <a:tcPr marL="177150" marR="177150" marT="177150" marB="177150" anchor="ctr" anchorCtr="0" horzOverflow="overflow">
+                  <a:tcPr marL="177150" marR="177150" marT="177150" marB="177150" anchor="ctr" horzOverflow="overflow">
                     <a:lnT>
                       <a:solidFill>
                         <a:srgbClr val="000000">
@@ -6620,7 +6818,7 @@
                     <a:lstStyle/>
                     <a:p>
                       <a:pPr algn="l">
-                        <a:defRPr b="0" sz="1800">
+                        <a:defRPr sz="1800" b="0">
                           <a:solidFill>
                             <a:srgbClr val="000000"/>
                           </a:solidFill>
@@ -6637,7 +6835,7 @@
                       </a:r>
                     </a:p>
                   </a:txBody>
-                  <a:tcPr marL="177150" marR="177150" marT="177150" marB="177150" anchor="ctr" anchorCtr="0" horzOverflow="overflow">
+                  <a:tcPr marL="177150" marR="177150" marT="177150" marB="177150" anchor="ctr" horzOverflow="overflow">
                     <a:lnT>
                       <a:solidFill>
                         <a:srgbClr val="000000">
@@ -6663,7 +6861,7 @@
                     <a:lstStyle/>
                     <a:p>
                       <a:pPr algn="l">
-                        <a:defRPr b="0" sz="1800">
+                        <a:defRPr sz="1800" b="0">
                           <a:solidFill>
                             <a:srgbClr val="000000"/>
                           </a:solidFill>
@@ -6680,7 +6878,7 @@
                       </a:r>
                     </a:p>
                   </a:txBody>
-                  <a:tcPr marL="177150" marR="177150" marT="177150" marB="177150" anchor="ctr" anchorCtr="0" horzOverflow="overflow">
+                  <a:tcPr marL="177150" marR="177150" marT="177150" marB="177150" anchor="ctr" horzOverflow="overflow">
                     <a:lnT>
                       <a:solidFill>
                         <a:srgbClr val="000000">
@@ -6706,14 +6904,14 @@
                     <a:lstStyle/>
                     <a:p>
                       <a:pPr algn="l">
-                        <a:defRPr b="0" sz="1800">
+                        <a:defRPr sz="1800" b="0">
                           <a:solidFill>
                             <a:srgbClr val="000000"/>
                           </a:solidFill>
                         </a:defRPr>
                       </a:pPr>
                       <a:r>
-                        <a:rPr b="1" sz="2700">
+                        <a:rPr sz="2700" b="1">
                           <a:solidFill>
                             <a:srgbClr val="FFFFFF"/>
                           </a:solidFill>
@@ -6723,7 +6921,7 @@
                       </a:r>
                     </a:p>
                   </a:txBody>
-                  <a:tcPr marL="177150" marR="177150" marT="177150" marB="177150" anchor="ctr" anchorCtr="0" horzOverflow="overflow">
+                  <a:tcPr marL="177150" marR="177150" marT="177150" marB="177150" anchor="ctr" horzOverflow="overflow">
                     <a:lnT>
                       <a:solidFill>
                         <a:srgbClr val="000000">
@@ -6749,7 +6947,7 @@
                     <a:lstStyle/>
                     <a:p>
                       <a:pPr algn="l">
-                        <a:defRPr b="0" sz="1800">
+                        <a:defRPr sz="1800" b="0">
                           <a:solidFill>
                             <a:srgbClr val="000000"/>
                           </a:solidFill>
@@ -6766,7 +6964,7 @@
                       </a:r>
                     </a:p>
                   </a:txBody>
-                  <a:tcPr marL="177150" marR="177150" marT="177150" marB="177150" anchor="ctr" anchorCtr="0" horzOverflow="overflow">
+                  <a:tcPr marL="177150" marR="177150" marT="177150" marB="177150" anchor="ctr" horzOverflow="overflow">
                     <a:lnT>
                       <a:solidFill>
                         <a:srgbClr val="000000">
@@ -6786,6 +6984,11 @@
                     </a:solidFill>
                   </a:tcPr>
                 </a:tc>
+                <a:extLst>
+                  <a:ext uri="{0D108BD9-81ED-4DB2-BD59-A6C34878D82A}">
+                    <a16:rowId xmlns:a16="http://schemas.microsoft.com/office/drawing/2014/main" val="10000"/>
+                  </a:ext>
+                </a:extLst>
               </a:tr>
               <a:tr h="838550">
                 <a:tc>
@@ -6804,7 +7007,7 @@
                       </a:r>
                     </a:p>
                   </a:txBody>
-                  <a:tcPr marL="177150" marR="177150" marT="177150" marB="177150" anchor="ctr" anchorCtr="0" horzOverflow="overflow">
+                  <a:tcPr marL="177150" marR="177150" marT="177150" marB="177150" anchor="ctr" horzOverflow="overflow">
                     <a:lnR>
                       <a:solidFill>
                         <a:srgbClr val="3F3F3F"/>
@@ -6847,7 +7050,7 @@
                       </a:r>
                     </a:p>
                   </a:txBody>
-                  <a:tcPr marL="177150" marR="177150" marT="177150" marB="177150" anchor="ctr" anchorCtr="0" horzOverflow="overflow">
+                  <a:tcPr marL="177150" marR="177150" marT="177150" marB="177150" anchor="ctr" horzOverflow="overflow">
                     <a:lnL>
                       <a:solidFill>
                         <a:srgbClr val="3F3F3F"/>
@@ -6895,7 +7098,7 @@
                       </a:r>
                     </a:p>
                   </a:txBody>
-                  <a:tcPr marL="177150" marR="177150" marT="177150" marB="177150" anchor="ctr" anchorCtr="0" horzOverflow="overflow">
+                  <a:tcPr marL="177150" marR="177150" marT="177150" marB="177150" anchor="ctr" horzOverflow="overflow">
                     <a:lnL>
                       <a:solidFill>
                         <a:srgbClr val="3F3F3F"/>
@@ -6936,14 +7139,14 @@
                         <a:defRPr sz="1800"/>
                       </a:pPr>
                       <a:r>
-                        <a:rPr b="1" sz="2700">
+                        <a:rPr sz="2700" b="1">
                           <a:sym typeface="Arial"/>
                         </a:rPr>
                         <a:t>0.31</a:t>
                       </a:r>
                     </a:p>
                   </a:txBody>
-                  <a:tcPr marL="177150" marR="177150" marT="177150" marB="177150" anchor="ctr" anchorCtr="0" horzOverflow="overflow">
+                  <a:tcPr marL="177150" marR="177150" marT="177150" marB="177150" anchor="ctr" horzOverflow="overflow">
                     <a:lnL>
                       <a:solidFill>
                         <a:srgbClr val="3F3F3F"/>
@@ -6991,7 +7194,7 @@
                       </a:r>
                     </a:p>
                   </a:txBody>
-                  <a:tcPr marL="177150" marR="177150" marT="177150" marB="177150" anchor="ctr" anchorCtr="0" horzOverflow="overflow">
+                  <a:tcPr marL="177150" marR="177150" marT="177150" marB="177150" anchor="ctr" horzOverflow="overflow">
                     <a:lnL>
                       <a:solidFill>
                         <a:srgbClr val="3F3F3F"/>
@@ -7018,6 +7221,11 @@
                     </a:solidFill>
                   </a:tcPr>
                 </a:tc>
+                <a:extLst>
+                  <a:ext uri="{0D108BD9-81ED-4DB2-BD59-A6C34878D82A}">
+                    <a16:rowId xmlns:a16="http://schemas.microsoft.com/office/drawing/2014/main" val="10001"/>
+                  </a:ext>
+                </a:extLst>
               </a:tr>
               <a:tr h="838550">
                 <a:tc>
@@ -7036,7 +7244,7 @@
                       </a:r>
                     </a:p>
                   </a:txBody>
-                  <a:tcPr marL="177150" marR="177150" marT="177150" marB="177150" anchor="ctr" anchorCtr="0" horzOverflow="overflow">
+                  <a:tcPr marL="177150" marR="177150" marT="177150" marB="177150" anchor="ctr" horzOverflow="overflow">
                     <a:lnT>
                       <a:solidFill>
                         <a:srgbClr val="000000">
@@ -7072,7 +7280,7 @@
                       </a:r>
                     </a:p>
                   </a:txBody>
-                  <a:tcPr marL="177150" marR="177150" marT="177150" marB="177150" anchor="ctr" anchorCtr="0" horzOverflow="overflow">
+                  <a:tcPr marL="177150" marR="177150" marT="177150" marB="177150" anchor="ctr" horzOverflow="overflow">
                     <a:lnT>
                       <a:solidFill>
                         <a:srgbClr val="000000">
@@ -7108,7 +7316,7 @@
                       </a:r>
                     </a:p>
                   </a:txBody>
-                  <a:tcPr marL="177150" marR="177150" marT="177150" marB="177150" anchor="ctr" anchorCtr="0" horzOverflow="overflow">
+                  <a:tcPr marL="177150" marR="177150" marT="177150" marB="177150" anchor="ctr" horzOverflow="overflow">
                     <a:lnT>
                       <a:solidFill>
                         <a:srgbClr val="000000">
@@ -7137,14 +7345,14 @@
                         <a:defRPr sz="1800"/>
                       </a:pPr>
                       <a:r>
-                        <a:rPr b="1" sz="2700">
+                        <a:rPr sz="2700" b="1">
                           <a:sym typeface="Arial"/>
                         </a:rPr>
                         <a:t>0.39</a:t>
                       </a:r>
                     </a:p>
                   </a:txBody>
-                  <a:tcPr marL="177150" marR="177150" marT="177150" marB="177150" anchor="ctr" anchorCtr="0" horzOverflow="overflow">
+                  <a:tcPr marL="177150" marR="177150" marT="177150" marB="177150" anchor="ctr" horzOverflow="overflow">
                     <a:lnT>
                       <a:solidFill>
                         <a:srgbClr val="000000">
@@ -7180,7 +7388,7 @@
                       </a:r>
                     </a:p>
                   </a:txBody>
-                  <a:tcPr marL="177150" marR="177150" marT="177150" marB="177150" anchor="ctr" anchorCtr="0" horzOverflow="overflow">
+                  <a:tcPr marL="177150" marR="177150" marT="177150" marB="177150" anchor="ctr" horzOverflow="overflow">
                     <a:lnT>
                       <a:solidFill>
                         <a:srgbClr val="000000">
@@ -7200,6 +7408,11 @@
                     </a:solidFill>
                   </a:tcPr>
                 </a:tc>
+                <a:extLst>
+                  <a:ext uri="{0D108BD9-81ED-4DB2-BD59-A6C34878D82A}">
+                    <a16:rowId xmlns:a16="http://schemas.microsoft.com/office/drawing/2014/main" val="10002"/>
+                  </a:ext>
+                </a:extLst>
               </a:tr>
               <a:tr h="838550">
                 <a:tc>
@@ -7218,7 +7431,7 @@
                       </a:r>
                     </a:p>
                   </a:txBody>
-                  <a:tcPr marL="177150" marR="177150" marT="177150" marB="177150" anchor="ctr" anchorCtr="0" horzOverflow="overflow">
+                  <a:tcPr marL="177150" marR="177150" marT="177150" marB="177150" anchor="ctr" horzOverflow="overflow">
                     <a:lnR>
                       <a:solidFill>
                         <a:srgbClr val="3F3F3F"/>
@@ -7261,7 +7474,7 @@
                       </a:r>
                     </a:p>
                   </a:txBody>
-                  <a:tcPr marL="177150" marR="177150" marT="177150" marB="177150" anchor="ctr" anchorCtr="0" horzOverflow="overflow">
+                  <a:tcPr marL="177150" marR="177150" marT="177150" marB="177150" anchor="ctr" horzOverflow="overflow">
                     <a:lnL>
                       <a:solidFill>
                         <a:srgbClr val="3F3F3F"/>
@@ -7309,7 +7522,7 @@
                       </a:r>
                     </a:p>
                   </a:txBody>
-                  <a:tcPr marL="177150" marR="177150" marT="177150" marB="177150" anchor="ctr" anchorCtr="0" horzOverflow="overflow">
+                  <a:tcPr marL="177150" marR="177150" marT="177150" marB="177150" anchor="ctr" horzOverflow="overflow">
                     <a:lnL>
                       <a:solidFill>
                         <a:srgbClr val="3F3F3F"/>
@@ -7350,14 +7563,14 @@
                         <a:defRPr sz="1800"/>
                       </a:pPr>
                       <a:r>
-                        <a:rPr b="1" sz="2700">
+                        <a:rPr sz="2700" b="1">
                           <a:sym typeface="Arial"/>
                         </a:rPr>
                         <a:t>0.22</a:t>
                       </a:r>
                     </a:p>
                   </a:txBody>
-                  <a:tcPr marL="177150" marR="177150" marT="177150" marB="177150" anchor="ctr" anchorCtr="0" horzOverflow="overflow">
+                  <a:tcPr marL="177150" marR="177150" marT="177150" marB="177150" anchor="ctr" horzOverflow="overflow">
                     <a:lnL>
                       <a:solidFill>
                         <a:srgbClr val="3F3F3F"/>
@@ -7405,7 +7618,7 @@
                       </a:r>
                     </a:p>
                   </a:txBody>
-                  <a:tcPr marL="177150" marR="177150" marT="177150" marB="177150" anchor="ctr" anchorCtr="0" horzOverflow="overflow">
+                  <a:tcPr marL="177150" marR="177150" marT="177150" marB="177150" anchor="ctr" horzOverflow="overflow">
                     <a:lnL>
                       <a:solidFill>
                         <a:srgbClr val="3F3F3F"/>
@@ -7432,6 +7645,11 @@
                     </a:solidFill>
                   </a:tcPr>
                 </a:tc>
+                <a:extLst>
+                  <a:ext uri="{0D108BD9-81ED-4DB2-BD59-A6C34878D82A}">
+                    <a16:rowId xmlns:a16="http://schemas.microsoft.com/office/drawing/2014/main" val="10003"/>
+                  </a:ext>
+                </a:extLst>
               </a:tr>
               <a:tr h="838550">
                 <a:tc>
@@ -7450,7 +7668,7 @@
                       </a:r>
                     </a:p>
                   </a:txBody>
-                  <a:tcPr marL="177150" marR="177150" marT="177150" marB="177150" anchor="ctr" anchorCtr="0" horzOverflow="overflow">
+                  <a:tcPr marL="177150" marR="177150" marT="177150" marB="177150" anchor="ctr" horzOverflow="overflow">
                     <a:lnT>
                       <a:solidFill>
                         <a:srgbClr val="000000">
@@ -7486,7 +7704,7 @@
                       </a:r>
                     </a:p>
                   </a:txBody>
-                  <a:tcPr marL="177150" marR="177150" marT="177150" marB="177150" anchor="ctr" anchorCtr="0" horzOverflow="overflow">
+                  <a:tcPr marL="177150" marR="177150" marT="177150" marB="177150" anchor="ctr" horzOverflow="overflow">
                     <a:lnT>
                       <a:solidFill>
                         <a:srgbClr val="000000">
@@ -7522,7 +7740,7 @@
                       </a:r>
                     </a:p>
                   </a:txBody>
-                  <a:tcPr marL="177150" marR="177150" marT="177150" marB="177150" anchor="ctr" anchorCtr="0" horzOverflow="overflow">
+                  <a:tcPr marL="177150" marR="177150" marT="177150" marB="177150" anchor="ctr" horzOverflow="overflow">
                     <a:lnT>
                       <a:solidFill>
                         <a:srgbClr val="000000">
@@ -7551,14 +7769,14 @@
                         <a:defRPr sz="1800"/>
                       </a:pPr>
                       <a:r>
-                        <a:rPr b="1" sz="2700">
+                        <a:rPr sz="2700" b="1">
                           <a:sym typeface="Arial"/>
                         </a:rPr>
                         <a:t>0.21</a:t>
                       </a:r>
                     </a:p>
                   </a:txBody>
-                  <a:tcPr marL="177150" marR="177150" marT="177150" marB="177150" anchor="ctr" anchorCtr="0" horzOverflow="overflow">
+                  <a:tcPr marL="177150" marR="177150" marT="177150" marB="177150" anchor="ctr" horzOverflow="overflow">
                     <a:lnT>
                       <a:solidFill>
                         <a:srgbClr val="000000">
@@ -7594,7 +7812,7 @@
                       </a:r>
                     </a:p>
                   </a:txBody>
-                  <a:tcPr marL="177150" marR="177150" marT="177150" marB="177150" anchor="ctr" anchorCtr="0" horzOverflow="overflow">
+                  <a:tcPr marL="177150" marR="177150" marT="177150" marB="177150" anchor="ctr" horzOverflow="overflow">
                     <a:lnT>
                       <a:solidFill>
                         <a:srgbClr val="000000">
@@ -7614,6 +7832,11 @@
                     </a:solidFill>
                   </a:tcPr>
                 </a:tc>
+                <a:extLst>
+                  <a:ext uri="{0D108BD9-81ED-4DB2-BD59-A6C34878D82A}">
+                    <a16:rowId xmlns:a16="http://schemas.microsoft.com/office/drawing/2014/main" val="10004"/>
+                  </a:ext>
+                </a:extLst>
               </a:tr>
             </a:tbl>
           </a:graphicData>
@@ -7624,22 +7847,23 @@
   <p:clrMapOvr>
     <a:masterClrMapping/>
   </p:clrMapOvr>
-  <p:transition xmlns:p14="http://schemas.microsoft.com/office/powerpoint/2010/main" spd="med" advClick="1"/>
+  <p:transition spd="med"/>
 </p:sld>
 </file>
 
 <file path=ppt/slides/slide14.xml><?xml version="1.0" encoding="utf-8"?>
-<p:sld xmlns:a="http://schemas.openxmlformats.org/drawingml/2006/main" xmlns:r="http://schemas.openxmlformats.org/officeDocument/2006/relationships" xmlns:p="http://schemas.openxmlformats.org/presentationml/2006/main" xmlns:m="http://schemas.openxmlformats.org/officeDocument/2006/math" xmlns:a14="http://schemas.microsoft.com/office/drawing/2010/main" showMasterSp="1" showMasterPhAnim="1">
+<p:sld xmlns:a="http://schemas.openxmlformats.org/drawingml/2006/main" xmlns:r="http://schemas.openxmlformats.org/officeDocument/2006/relationships" xmlns:p="http://schemas.openxmlformats.org/presentationml/2006/main">
   <p:cSld>
     <p:bg>
       <p:bgPr>
         <a:blipFill rotWithShape="1">
           <a:blip r:embed="rId2"/>
-          <a:srcRect l="0" t="0" r="0" b="0"/>
+          <a:srcRect/>
           <a:stretch>
             <a:fillRect/>
           </a:stretch>
         </a:blipFill>
+        <a:effectLst/>
       </p:bgPr>
     </p:bg>
     <p:spTree>
@@ -7659,7 +7883,9 @@
       <p:sp>
         <p:nvSpPr>
           <p:cNvPr id="257" name="Google Shape;274;p27"/>
-          <p:cNvSpPr txBox="1"/>
+          <p:cNvSpPr txBox="1">
+            <a:spLocks noGrp="1"/>
+          </p:cNvSpPr>
           <p:nvPr>
             <p:ph type="title"/>
           </p:nvPr>
@@ -7677,7 +7903,7 @@
           <a:bodyPr/>
           <a:lstStyle>
             <a:lvl1pPr>
-              <a:defRPr b="1" sz="4500">
+              <a:defRPr sz="4500" b="1">
                 <a:latin typeface="Objective"/>
                 <a:ea typeface="Objective"/>
                 <a:cs typeface="Objective"/>
@@ -7686,7 +7912,6 @@
             </a:lvl1pPr>
           </a:lstStyle>
           <a:p>
-            <a:pPr/>
             <a:r>
               <a:t>Observations</a:t>
             </a:r>
@@ -7747,6 +7972,7 @@
                   <a:sym typeface="Arial"/>
                 </a:defRPr>
               </a:pPr>
+              <a:endParaRPr/>
             </a:p>
           </p:txBody>
         </p:sp>
@@ -7772,7 +7998,7 @@
             <a:effectLst/>
             <a:extLst>
               <a:ext uri="{C572A759-6A51-4108-AA02-DFA0A04FC94B}">
-                <ma14:wrappingTextBoxFlag xmlns:ma14="http://schemas.microsoft.com/office/mac/drawingml/2011/main" val="1"/>
+                <ma14:wrappingTextBoxFlag xmlns:ma14="http://schemas.microsoft.com/office/mac/drawingml/2011/main" xmlns:a14="http://schemas.microsoft.com/office/drawing/2010/main" xmlns:m="http://schemas.openxmlformats.org/officeDocument/2006/math" xmlns="" val="1"/>
               </a:ext>
             </a:extLst>
           </p:spPr>
@@ -7785,7 +8011,7 @@
                 <a:lnSpc>
                   <a:spcPct val="90000"/>
                 </a:lnSpc>
-                <a:defRPr b="1" sz="1700">
+                <a:defRPr sz="1700" b="1">
                   <a:solidFill>
                     <a:srgbClr val="FFFFFF"/>
                   </a:solidFill>
@@ -7797,7 +8023,6 @@
               </a:lvl1pPr>
             </a:lstStyle>
             <a:p>
-              <a:pPr/>
               <a:r>
                 <a:t>Model Training:</a:t>
               </a:r>
@@ -7848,6 +8073,7 @@
                   <a:sym typeface="Arial"/>
                 </a:defRPr>
               </a:pPr>
+              <a:endParaRPr/>
             </a:p>
           </p:txBody>
         </p:sp>
@@ -7873,7 +8099,7 @@
             <a:effectLst/>
             <a:extLst>
               <a:ext uri="{C572A759-6A51-4108-AA02-DFA0A04FC94B}">
-                <ma14:wrappingTextBoxFlag xmlns:ma14="http://schemas.microsoft.com/office/mac/drawingml/2011/main" val="1"/>
+                <ma14:wrappingTextBoxFlag xmlns:ma14="http://schemas.microsoft.com/office/mac/drawingml/2011/main" xmlns:a14="http://schemas.microsoft.com/office/drawing/2010/main" xmlns:m="http://schemas.openxmlformats.org/officeDocument/2006/math" xmlns="" val="1"/>
               </a:ext>
             </a:extLst>
           </p:spPr>
@@ -7883,7 +8109,7 @@
             </a:bodyPr>
             <a:lstStyle/>
             <a:p>
-              <a:pPr lvl="1" marL="171450" indent="-171450">
+              <a:pPr marL="171450" lvl="1" indent="-171450">
                 <a:lnSpc>
                   <a:spcPct val="90000"/>
                 </a:lnSpc>
@@ -7905,7 +8131,7 @@
               </a:r>
             </a:p>
             <a:p>
-              <a:pPr lvl="1" marL="171450" indent="-171450">
+              <a:pPr marL="171450" lvl="1" indent="-171450">
                 <a:lnSpc>
                   <a:spcPct val="90000"/>
                 </a:lnSpc>
@@ -7930,7 +8156,7 @@
               </a:r>
             </a:p>
             <a:p>
-              <a:pPr lvl="1" marL="171450" indent="-171450">
+              <a:pPr marL="171450" lvl="1" indent="-171450">
                 <a:lnSpc>
                   <a:spcPct val="90000"/>
                 </a:lnSpc>
@@ -7955,7 +8181,7 @@
               </a:r>
             </a:p>
             <a:p>
-              <a:pPr lvl="1" marL="171450" indent="-171450">
+              <a:pPr marL="171450" lvl="1" indent="-171450">
                 <a:lnSpc>
                   <a:spcPct val="90000"/>
                 </a:lnSpc>
@@ -8021,6 +8247,7 @@
                   <a:sym typeface="Arial"/>
                 </a:defRPr>
               </a:pPr>
+              <a:endParaRPr/>
             </a:p>
           </p:txBody>
         </p:sp>
@@ -8046,7 +8273,7 @@
             <a:effectLst/>
             <a:extLst>
               <a:ext uri="{C572A759-6A51-4108-AA02-DFA0A04FC94B}">
-                <ma14:wrappingTextBoxFlag xmlns:ma14="http://schemas.microsoft.com/office/mac/drawingml/2011/main" val="1"/>
+                <ma14:wrappingTextBoxFlag xmlns:ma14="http://schemas.microsoft.com/office/mac/drawingml/2011/main" xmlns:a14="http://schemas.microsoft.com/office/drawing/2010/main" xmlns:m="http://schemas.openxmlformats.org/officeDocument/2006/math" xmlns="" val="1"/>
               </a:ext>
             </a:extLst>
           </p:spPr>
@@ -8059,7 +8286,7 @@
                 <a:lnSpc>
                   <a:spcPct val="90000"/>
                 </a:lnSpc>
-                <a:defRPr b="1" sz="1700">
+                <a:defRPr sz="1700" b="1">
                   <a:solidFill>
                     <a:srgbClr val="FFFFFF"/>
                   </a:solidFill>
@@ -8071,7 +8298,6 @@
               </a:lvl1pPr>
             </a:lstStyle>
             <a:p>
-              <a:pPr/>
               <a:r>
                 <a:t>Question Answer :</a:t>
               </a:r>
@@ -8122,6 +8348,7 @@
                   <a:sym typeface="Arial"/>
                 </a:defRPr>
               </a:pPr>
+              <a:endParaRPr/>
             </a:p>
           </p:txBody>
         </p:sp>
@@ -8147,7 +8374,7 @@
             <a:effectLst/>
             <a:extLst>
               <a:ext uri="{C572A759-6A51-4108-AA02-DFA0A04FC94B}">
-                <ma14:wrappingTextBoxFlag xmlns:ma14="http://schemas.microsoft.com/office/mac/drawingml/2011/main" val="1"/>
+                <ma14:wrappingTextBoxFlag xmlns:ma14="http://schemas.microsoft.com/office/mac/drawingml/2011/main" xmlns:a14="http://schemas.microsoft.com/office/drawing/2010/main" xmlns:m="http://schemas.openxmlformats.org/officeDocument/2006/math" xmlns="" val="1"/>
               </a:ext>
             </a:extLst>
           </p:spPr>
@@ -8157,7 +8384,7 @@
             </a:bodyPr>
             <a:lstStyle/>
             <a:p>
-              <a:pPr lvl="1" marL="171450" indent="-171450">
+              <a:pPr marL="171450" lvl="1" indent="-171450">
                 <a:lnSpc>
                   <a:spcPct val="90000"/>
                 </a:lnSpc>
@@ -8179,7 +8406,7 @@
               </a:r>
             </a:p>
             <a:p>
-              <a:pPr lvl="1" marL="171450" indent="-171450">
+              <a:pPr marL="171450" lvl="1" indent="-171450">
                 <a:lnSpc>
                   <a:spcPct val="90000"/>
                 </a:lnSpc>
@@ -8245,6 +8472,7 @@
                   <a:sym typeface="Arial"/>
                 </a:defRPr>
               </a:pPr>
+              <a:endParaRPr/>
             </a:p>
           </p:txBody>
         </p:sp>
@@ -8270,7 +8498,7 @@
             <a:effectLst/>
             <a:extLst>
               <a:ext uri="{C572A759-6A51-4108-AA02-DFA0A04FC94B}">
-                <ma14:wrappingTextBoxFlag xmlns:ma14="http://schemas.microsoft.com/office/mac/drawingml/2011/main" val="1"/>
+                <ma14:wrappingTextBoxFlag xmlns:ma14="http://schemas.microsoft.com/office/mac/drawingml/2011/main" xmlns:a14="http://schemas.microsoft.com/office/drawing/2010/main" xmlns:m="http://schemas.openxmlformats.org/officeDocument/2006/math" xmlns="" val="1"/>
               </a:ext>
             </a:extLst>
           </p:spPr>
@@ -8283,7 +8511,7 @@
                 <a:lnSpc>
                   <a:spcPct val="90000"/>
                 </a:lnSpc>
-                <a:defRPr b="1" sz="1700">
+                <a:defRPr sz="1700" b="1">
                   <a:solidFill>
                     <a:srgbClr val="FFFFFF"/>
                   </a:solidFill>
@@ -8295,7 +8523,6 @@
               </a:lvl1pPr>
             </a:lstStyle>
             <a:p>
-              <a:pPr/>
               <a:r>
                 <a:t>Model Performance and Comparison:</a:t>
               </a:r>
@@ -8346,6 +8573,7 @@
                   <a:sym typeface="Arial"/>
                 </a:defRPr>
               </a:pPr>
+              <a:endParaRPr/>
             </a:p>
           </p:txBody>
         </p:sp>
@@ -8371,7 +8599,7 @@
             <a:effectLst/>
             <a:extLst>
               <a:ext uri="{C572A759-6A51-4108-AA02-DFA0A04FC94B}">
-                <ma14:wrappingTextBoxFlag xmlns:ma14="http://schemas.microsoft.com/office/mac/drawingml/2011/main" val="1"/>
+                <ma14:wrappingTextBoxFlag xmlns:ma14="http://schemas.microsoft.com/office/mac/drawingml/2011/main" xmlns:a14="http://schemas.microsoft.com/office/drawing/2010/main" xmlns:m="http://schemas.openxmlformats.org/officeDocument/2006/math" xmlns="" val="1"/>
               </a:ext>
             </a:extLst>
           </p:spPr>
@@ -8381,7 +8609,7 @@
             </a:bodyPr>
             <a:lstStyle/>
             <a:p>
-              <a:pPr lvl="1" marL="171450" indent="-171450">
+              <a:pPr marL="171450" lvl="1" indent="-171450">
                 <a:lnSpc>
                   <a:spcPct val="90000"/>
                 </a:lnSpc>
@@ -8403,7 +8631,7 @@
               </a:r>
             </a:p>
             <a:p>
-              <a:pPr lvl="1" marL="171450" indent="-171450">
+              <a:pPr marL="171450" lvl="1" indent="-171450">
                 <a:lnSpc>
                   <a:spcPct val="90000"/>
                 </a:lnSpc>
@@ -8428,7 +8656,7 @@
               </a:r>
             </a:p>
             <a:p>
-              <a:pPr lvl="1" marL="171450" indent="-171450">
+              <a:pPr marL="171450" lvl="1" indent="-171450">
                 <a:lnSpc>
                   <a:spcPct val="90000"/>
                 </a:lnSpc>
@@ -8460,22 +8688,23 @@
   <p:clrMapOvr>
     <a:masterClrMapping/>
   </p:clrMapOvr>
-  <p:transition xmlns:p14="http://schemas.microsoft.com/office/powerpoint/2010/main" spd="med" advClick="1"/>
+  <p:transition spd="med"/>
 </p:sld>
 </file>
 
 <file path=ppt/slides/slide15.xml><?xml version="1.0" encoding="utf-8"?>
-<p:sld xmlns:a="http://schemas.openxmlformats.org/drawingml/2006/main" xmlns:r="http://schemas.openxmlformats.org/officeDocument/2006/relationships" xmlns:p="http://schemas.openxmlformats.org/presentationml/2006/main" xmlns:m="http://schemas.openxmlformats.org/officeDocument/2006/math" xmlns:a14="http://schemas.microsoft.com/office/drawing/2010/main" showMasterSp="1" showMasterPhAnim="1">
+<p:sld xmlns:a="http://schemas.openxmlformats.org/drawingml/2006/main" xmlns:r="http://schemas.openxmlformats.org/officeDocument/2006/relationships" xmlns:p="http://schemas.openxmlformats.org/presentationml/2006/main">
   <p:cSld>
     <p:bg>
       <p:bgPr>
         <a:blipFill rotWithShape="1">
           <a:blip r:embed="rId2"/>
-          <a:srcRect l="0" t="0" r="0" b="0"/>
+          <a:srcRect/>
           <a:stretch>
             <a:fillRect/>
           </a:stretch>
         </a:blipFill>
+        <a:effectLst/>
       </p:bgPr>
     </p:bg>
     <p:spTree>
@@ -8495,7 +8724,9 @@
       <p:sp>
         <p:nvSpPr>
           <p:cNvPr id="272" name="Google Shape;292;p28"/>
-          <p:cNvSpPr txBox="1"/>
+          <p:cNvSpPr txBox="1">
+            <a:spLocks noGrp="1"/>
+          </p:cNvSpPr>
           <p:nvPr>
             <p:ph type="title"/>
           </p:nvPr>
@@ -8513,7 +8744,7 @@
           <a:bodyPr/>
           <a:lstStyle>
             <a:lvl1pPr>
-              <a:defRPr b="1" sz="4500">
+              <a:defRPr sz="4500" b="1">
                 <a:latin typeface="Objective"/>
                 <a:ea typeface="Objective"/>
                 <a:cs typeface="Objective"/>
@@ -8522,7 +8753,6 @@
             </a:lvl1pPr>
           </a:lstStyle>
           <a:p>
-            <a:pPr/>
             <a:r>
               <a:t>Demo</a:t>
             </a:r>
@@ -8532,7 +8762,9 @@
       <p:sp>
         <p:nvSpPr>
           <p:cNvPr id="273" name="Google Shape;293;p28"/>
-          <p:cNvSpPr txBox="1"/>
+          <p:cNvSpPr txBox="1">
+            <a:spLocks noGrp="1"/>
+          </p:cNvSpPr>
           <p:nvPr>
             <p:ph type="body" sz="half" idx="1"/>
           </p:nvPr>
@@ -8547,7 +8779,9 @@
           </a:prstGeom>
         </p:spPr>
         <p:txBody>
-          <a:bodyPr/>
+          <a:bodyPr>
+            <a:normAutofit/>
+          </a:bodyPr>
           <a:lstStyle/>
           <a:p>
             <a:pPr marL="0" indent="91438">
@@ -8566,6 +8800,7 @@
                 <a:sym typeface="Objective"/>
               </a:defRPr>
             </a:pPr>
+            <a:endParaRPr dirty="0"/>
           </a:p>
           <a:p>
             <a:pPr marL="91438" indent="-152400">
@@ -8583,7 +8818,12 @@
               </a:defRPr>
             </a:pPr>
             <a:r>
-              <a:t>Gradio App: </a:t>
+              <a:rPr dirty="0" err="1"/>
+              <a:t>Gradio</a:t>
+            </a:r>
+            <a:r>
+              <a:rPr dirty="0"/>
+              <a:t> App: </a:t>
             </a:r>
           </a:p>
           <a:p>
@@ -8612,37 +8852,63 @@
               </a:defRPr>
             </a:pPr>
             <a:r>
-              <a:rPr>
+              <a:rPr lang="en-US" b="0" i="0" u="sng" dirty="0" err="1">
+                <a:effectLst/>
+                <a:highlight>
+                  <a:srgbClr val="FFFFFF"/>
+                </a:highlight>
+                <a:latin typeface="-apple-system"/>
+                <a:hlinkClick r:id="rId3"/>
+              </a:rPr>
+              <a:t>anukvma</a:t>
+            </a:r>
+            <a:r>
+              <a:rPr lang="en-US" b="0" i="0" u="sng" dirty="0">
+                <a:effectLst/>
+                <a:highlight>
+                  <a:srgbClr val="FFFFFF"/>
+                </a:highlight>
+                <a:latin typeface="-apple-system"/>
+                <a:hlinkClick r:id="rId3"/>
+              </a:rPr>
+              <a:t>/</a:t>
+            </a:r>
+            <a:r>
+              <a:rPr lang="en-US" b="0" i="0" u="sng" dirty="0" err="1">
+                <a:effectLst/>
+                <a:highlight>
+                  <a:srgbClr val="FFFFFF"/>
+                </a:highlight>
+                <a:latin typeface="-apple-system"/>
+                <a:hlinkClick r:id="rId3"/>
+              </a:rPr>
+              <a:t>Question_Answer</a:t>
+            </a:r>
+            <a:br>
+              <a:rPr lang="en-US" dirty="0"/>
+            </a:br>
+            <a:r>
+              <a:rPr lang="en-US" b="0" i="0" u="sng" dirty="0">
+                <a:effectLst/>
+                <a:highlight>
+                  <a:srgbClr val="FFFFFF"/>
+                </a:highlight>
+                <a:latin typeface="-apple-system"/>
+                <a:hlinkClick r:id="rId4"/>
+              </a:rPr>
+              <a:t>https://huggingface.co/spaces/GSridhar1982/QA_Llama31_FineTuned</a:t>
+            </a:r>
+            <a:endParaRPr dirty="0">
+              <a:solidFill>
+                <a:srgbClr val="0000FF"/>
+              </a:solidFill>
+              <a:uFill>
                 <a:solidFill>
                   <a:srgbClr val="0000FF"/>
                 </a:solidFill>
-                <a:uFill>
-                  <a:solidFill>
-                    <a:srgbClr val="0000FF"/>
-                  </a:solidFill>
-                </a:uFill>
-                <a:hlinkClick r:id="rId3" invalidUrl="" action="" tgtFrame="" tooltip="" history="1" highlightClick="0" endSnd="0"/>
-              </a:rPr>
-              <a:t>https://huggingface.co/spaces/GSridhar1982/EmailSubjectGenerationDemo</a:t>
-            </a:r>
-          </a:p>
-          <a:p>
-            <a:pPr marL="0" indent="0">
-              <a:lnSpc>
-                <a:spcPct val="70000"/>
-              </a:lnSpc>
-              <a:spcBef>
-                <a:spcPts val="1400"/>
-              </a:spcBef>
-              <a:buSzTx/>
-              <a:buNone/>
-              <a:defRPr>
-                <a:latin typeface="Objective"/>
-                <a:ea typeface="Objective"/>
-                <a:cs typeface="Objective"/>
-                <a:sym typeface="Objective"/>
-              </a:defRPr>
-            </a:pPr>
+              </a:uFill>
+              <a:hlinkClick r:id="rId5"/>
+            </a:endParaRPr>
           </a:p>
           <a:p>
             <a:pPr marL="91438" indent="-152400">
@@ -8660,6 +8926,7 @@
               </a:defRPr>
             </a:pPr>
             <a:r>
+              <a:rPr dirty="0"/>
               <a:t>FAST API: </a:t>
             </a:r>
           </a:p>
@@ -8689,49 +8956,58 @@
               </a:defRPr>
             </a:pPr>
             <a:r>
-              <a:rPr>
+              <a:rPr lang="en-US" b="0" i="0" u="sng" dirty="0">
+                <a:effectLst/>
+                <a:highlight>
+                  <a:srgbClr val="FFFFFF"/>
+                </a:highlight>
+                <a:latin typeface="-apple-system"/>
+                <a:hlinkClick r:id="rId6"/>
+              </a:rPr>
+              <a:t>hugging face space</a:t>
+            </a:r>
+            <a:endParaRPr dirty="0">
+              <a:solidFill>
+                <a:srgbClr val="0000FF"/>
+              </a:solidFill>
+              <a:uFill>
                 <a:solidFill>
                   <a:srgbClr val="0000FF"/>
                 </a:solidFill>
-                <a:uFill>
-                  <a:solidFill>
-                    <a:srgbClr val="0000FF"/>
-                  </a:solidFill>
-                </a:uFill>
-                <a:hlinkClick r:id="rId4" invalidUrl="" action="" tgtFrame="" tooltip="" history="1" highlightClick="0" endSnd="0"/>
-              </a:rPr>
-              <a:t>https://anukvma-emailsubjectapi.hf.space/</a:t>
-            </a:r>
+              </a:uFill>
+              <a:hlinkClick r:id="rId7"/>
+            </a:endParaRPr>
           </a:p>
         </p:txBody>
       </p:sp>
       <p:pic>
         <p:nvPicPr>
-          <p:cNvPr id="274" name="Google Shape;294;p28" descr="Google Shape;294;p28"/>
+          <p:cNvPr id="3" name="Picture 2">
+            <a:extLst>
+              <a:ext uri="{FF2B5EF4-FFF2-40B4-BE49-F238E27FC236}">
+                <a16:creationId xmlns:a16="http://schemas.microsoft.com/office/drawing/2014/main" id="{F76CB193-E414-5512-4911-8E6E993D4435}"/>
+              </a:ext>
+            </a:extLst>
+          </p:cNvPr>
           <p:cNvPicPr>
             <a:picLocks noChangeAspect="1"/>
           </p:cNvPicPr>
           <p:nvPr/>
         </p:nvPicPr>
         <p:blipFill>
-          <a:blip r:embed="rId5">
-            <a:extLst/>
-          </a:blip>
+          <a:blip r:embed="rId8"/>
           <a:stretch>
             <a:fillRect/>
           </a:stretch>
         </p:blipFill>
         <p:spPr>
           <a:xfrm>
-            <a:off x="6001587" y="2212849"/>
-            <a:ext cx="5556430" cy="3977641"/>
+            <a:off x="5551372" y="2121410"/>
+            <a:ext cx="6508548" cy="2367904"/>
           </a:xfrm>
           <a:prstGeom prst="rect">
             <a:avLst/>
           </a:prstGeom>
-          <a:ln w="12700">
-            <a:miter lim="400000"/>
-          </a:ln>
         </p:spPr>
       </p:pic>
     </p:spTree>
@@ -8739,22 +9015,23 @@
   <p:clrMapOvr>
     <a:masterClrMapping/>
   </p:clrMapOvr>
-  <p:transition xmlns:p14="http://schemas.microsoft.com/office/powerpoint/2010/main" spd="med" advClick="1"/>
+  <p:transition spd="med"/>
 </p:sld>
 </file>
 
 <file path=ppt/slides/slide2.xml><?xml version="1.0" encoding="utf-8"?>
-<p:sld xmlns:a="http://schemas.openxmlformats.org/drawingml/2006/main" xmlns:r="http://schemas.openxmlformats.org/officeDocument/2006/relationships" xmlns:p="http://schemas.openxmlformats.org/presentationml/2006/main" xmlns:m="http://schemas.openxmlformats.org/officeDocument/2006/math" xmlns:a14="http://schemas.microsoft.com/office/drawing/2010/main" showMasterSp="1" showMasterPhAnim="1">
+<p:sld xmlns:a="http://schemas.openxmlformats.org/drawingml/2006/main" xmlns:r="http://schemas.openxmlformats.org/officeDocument/2006/relationships" xmlns:p="http://schemas.openxmlformats.org/presentationml/2006/main">
   <p:cSld>
     <p:bg>
       <p:bgPr>
         <a:blipFill rotWithShape="1">
           <a:blip r:embed="rId2"/>
-          <a:srcRect l="0" t="0" r="0" b="0"/>
+          <a:srcRect/>
           <a:stretch>
             <a:fillRect/>
           </a:stretch>
         </a:blipFill>
+        <a:effectLst/>
       </p:bgPr>
     </p:bg>
     <p:spTree>
@@ -8774,7 +9051,9 @@
       <p:sp>
         <p:nvSpPr>
           <p:cNvPr id="128" name="Google Shape;79;p15"/>
-          <p:cNvSpPr txBox="1"/>
+          <p:cNvSpPr txBox="1">
+            <a:spLocks noGrp="1"/>
+          </p:cNvSpPr>
           <p:nvPr>
             <p:ph type="title"/>
           </p:nvPr>
@@ -8798,7 +9077,6 @@
             </a:lvl1pPr>
           </a:lstStyle>
           <a:p>
-            <a:pPr/>
             <a:r>
               <a:t>Objective</a:t>
             </a:r>
@@ -8856,6 +9134,7 @@
                   <a:sym typeface="Arial"/>
                 </a:defRPr>
               </a:pPr>
+              <a:endParaRPr/>
             </a:p>
           </p:txBody>
         </p:sp>
@@ -8875,7 +9154,7 @@
             </a:prstGeom>
             <a:blipFill rotWithShape="1">
               <a:blip r:embed="rId3"/>
-              <a:srcRect l="0" t="0" r="0" b="0"/>
+              <a:srcRect/>
               <a:stretch>
                 <a:fillRect/>
               </a:stretch>
@@ -8903,6 +9182,7 @@
                   <a:sym typeface="Arial"/>
                 </a:defRPr>
               </a:pPr>
+              <a:endParaRPr/>
             </a:p>
           </p:txBody>
         </p:sp>
@@ -8928,7 +9208,7 @@
             <a:effectLst/>
             <a:extLst>
               <a:ext uri="{C572A759-6A51-4108-AA02-DFA0A04FC94B}">
-                <ma14:wrappingTextBoxFlag xmlns:ma14="http://schemas.microsoft.com/office/mac/drawingml/2011/main" val="1"/>
+                <ma14:wrappingTextBoxFlag xmlns:ma14="http://schemas.microsoft.com/office/mac/drawingml/2011/main" xmlns:a14="http://schemas.microsoft.com/office/drawing/2010/main" xmlns:m="http://schemas.openxmlformats.org/officeDocument/2006/math" xmlns="" val="1"/>
               </a:ext>
             </a:extLst>
           </p:spPr>
@@ -8947,7 +9227,6 @@
               </a:lvl1pPr>
             </a:lstStyle>
             <a:p>
-              <a:pPr/>
               <a:r>
                 <a:t>Generate a succinct subject line from the body of an email.</a:t>
               </a:r>
@@ -8991,6 +9270,7 @@
                   <a:sym typeface="Arial"/>
                 </a:defRPr>
               </a:pPr>
+              <a:endParaRPr/>
             </a:p>
           </p:txBody>
         </p:sp>
@@ -9010,7 +9290,7 @@
             </a:prstGeom>
             <a:blipFill rotWithShape="1">
               <a:blip r:embed="rId4"/>
-              <a:srcRect l="0" t="0" r="0" b="0"/>
+              <a:srcRect/>
               <a:stretch>
                 <a:fillRect/>
               </a:stretch>
@@ -9038,6 +9318,7 @@
                   <a:sym typeface="Arial"/>
                 </a:defRPr>
               </a:pPr>
+              <a:endParaRPr/>
             </a:p>
           </p:txBody>
         </p:sp>
@@ -9063,7 +9344,7 @@
             <a:effectLst/>
             <a:extLst>
               <a:ext uri="{C572A759-6A51-4108-AA02-DFA0A04FC94B}">
-                <ma14:wrappingTextBoxFlag xmlns:ma14="http://schemas.microsoft.com/office/mac/drawingml/2011/main" val="1"/>
+                <ma14:wrappingTextBoxFlag xmlns:ma14="http://schemas.microsoft.com/office/mac/drawingml/2011/main" xmlns:a14="http://schemas.microsoft.com/office/drawing/2010/main" xmlns:m="http://schemas.openxmlformats.org/officeDocument/2006/math" xmlns="" val="1"/>
               </a:ext>
             </a:extLst>
           </p:spPr>
@@ -9082,7 +9363,6 @@
               </a:lvl1pPr>
             </a:lstStyle>
             <a:p>
-              <a:pPr/>
               <a:r>
                 <a:t>To explore the use of Generative AI Language Models (LLMs) for generating compelling email subject lines.</a:t>
               </a:r>
@@ -9126,6 +9406,7 @@
                   <a:sym typeface="Arial"/>
                 </a:defRPr>
               </a:pPr>
+              <a:endParaRPr/>
             </a:p>
           </p:txBody>
         </p:sp>
@@ -9145,7 +9426,7 @@
             </a:prstGeom>
             <a:blipFill rotWithShape="1">
               <a:blip r:embed="rId5"/>
-              <a:srcRect l="0" t="0" r="0" b="0"/>
+              <a:srcRect/>
               <a:stretch>
                 <a:fillRect/>
               </a:stretch>
@@ -9173,6 +9454,7 @@
                   <a:sym typeface="Arial"/>
                 </a:defRPr>
               </a:pPr>
+              <a:endParaRPr/>
             </a:p>
           </p:txBody>
         </p:sp>
@@ -9198,7 +9480,7 @@
             <a:effectLst/>
             <a:extLst>
               <a:ext uri="{C572A759-6A51-4108-AA02-DFA0A04FC94B}">
-                <ma14:wrappingTextBoxFlag xmlns:ma14="http://schemas.microsoft.com/office/mac/drawingml/2011/main" val="1"/>
+                <ma14:wrappingTextBoxFlag xmlns:ma14="http://schemas.microsoft.com/office/mac/drawingml/2011/main" xmlns:a14="http://schemas.microsoft.com/office/drawing/2010/main" xmlns:m="http://schemas.openxmlformats.org/officeDocument/2006/math" xmlns="" val="1"/>
               </a:ext>
             </a:extLst>
           </p:spPr>
@@ -9217,7 +9499,6 @@
               </a:lvl1pPr>
             </a:lstStyle>
             <a:p>
-              <a:pPr/>
               <a:r>
                 <a:t>To evaluate the effectiveness of different LLMs in creating subject lines that improve open rates.</a:t>
               </a:r>
@@ -9261,6 +9542,7 @@
                   <a:sym typeface="Arial"/>
                 </a:defRPr>
               </a:pPr>
+              <a:endParaRPr/>
             </a:p>
           </p:txBody>
         </p:sp>
@@ -9280,7 +9562,7 @@
             </a:prstGeom>
             <a:blipFill rotWithShape="1">
               <a:blip r:embed="rId6"/>
-              <a:srcRect l="0" t="0" r="0" b="0"/>
+              <a:srcRect/>
               <a:stretch>
                 <a:fillRect/>
               </a:stretch>
@@ -9308,6 +9590,7 @@
                   <a:sym typeface="Arial"/>
                 </a:defRPr>
               </a:pPr>
+              <a:endParaRPr/>
             </a:p>
           </p:txBody>
         </p:sp>
@@ -9333,7 +9616,7 @@
             <a:effectLst/>
             <a:extLst>
               <a:ext uri="{C572A759-6A51-4108-AA02-DFA0A04FC94B}">
-                <ma14:wrappingTextBoxFlag xmlns:ma14="http://schemas.microsoft.com/office/mac/drawingml/2011/main" val="1"/>
+                <ma14:wrappingTextBoxFlag xmlns:ma14="http://schemas.microsoft.com/office/mac/drawingml/2011/main" xmlns:a14="http://schemas.microsoft.com/office/drawing/2010/main" xmlns:m="http://schemas.openxmlformats.org/officeDocument/2006/math" xmlns="" val="1"/>
               </a:ext>
             </a:extLst>
           </p:spPr>
@@ -9352,7 +9635,6 @@
               </a:lvl1pPr>
             </a:lstStyle>
             <a:p>
-              <a:pPr/>
               <a:r>
                 <a:t>To discuss the deployment process and challenges faced during implementation.</a:t>
               </a:r>
@@ -9365,22 +9647,23 @@
   <p:clrMapOvr>
     <a:masterClrMapping/>
   </p:clrMapOvr>
-  <p:transition xmlns:p14="http://schemas.microsoft.com/office/powerpoint/2010/main" spd="med" advClick="1"/>
+  <p:transition spd="med"/>
 </p:sld>
 </file>
 
 <file path=ppt/slides/slide3.xml><?xml version="1.0" encoding="utf-8"?>
-<p:sld xmlns:a="http://schemas.openxmlformats.org/drawingml/2006/main" xmlns:r="http://schemas.openxmlformats.org/officeDocument/2006/relationships" xmlns:p="http://schemas.openxmlformats.org/presentationml/2006/main" xmlns:m="http://schemas.openxmlformats.org/officeDocument/2006/math" xmlns:a14="http://schemas.microsoft.com/office/drawing/2010/main" showMasterSp="1" showMasterPhAnim="1">
+<p:sld xmlns:a="http://schemas.openxmlformats.org/drawingml/2006/main" xmlns:r="http://schemas.openxmlformats.org/officeDocument/2006/relationships" xmlns:p="http://schemas.openxmlformats.org/presentationml/2006/main">
   <p:cSld>
     <p:bg>
       <p:bgPr>
         <a:blipFill rotWithShape="1">
           <a:blip r:embed="rId2"/>
-          <a:srcRect l="0" t="0" r="0" b="0"/>
+          <a:srcRect/>
           <a:stretch>
             <a:fillRect/>
           </a:stretch>
         </a:blipFill>
+        <a:effectLst/>
       </p:bgPr>
     </p:bg>
     <p:spTree>
@@ -9400,7 +9683,9 @@
       <p:sp>
         <p:nvSpPr>
           <p:cNvPr id="143" name="Google Shape;101;p16"/>
-          <p:cNvSpPr txBox="1"/>
+          <p:cNvSpPr txBox="1">
+            <a:spLocks noGrp="1"/>
+          </p:cNvSpPr>
           <p:nvPr>
             <p:ph type="title"/>
           </p:nvPr>
@@ -9419,7 +9704,7 @@
           <a:lstStyle/>
           <a:p>
             <a:pPr>
-              <a:defRPr b="1" sz="4500">
+              <a:defRPr sz="4500" b="1">
                 <a:latin typeface="Objective"/>
                 <a:ea typeface="Objective"/>
                 <a:cs typeface="Objective"/>
@@ -9430,7 +9715,7 @@
               <a:t>Model</a:t>
             </a:r>
             <a:r>
-              <a:rPr b="0" sz="2400"/>
+              <a:rPr sz="2400" b="0"/>
               <a:t> </a:t>
             </a:r>
             <a:r>
@@ -9447,20 +9732,50 @@
         </p:nvGraphicFramePr>
         <p:xfrm>
           <a:off x="644055" y="2189089"/>
-          <a:ext cx="10927851" cy="4039776"/>
+          <a:ext cx="10927849" cy="4039773"/>
         </p:xfrm>
-        <a:graphic xmlns:a="http://schemas.openxmlformats.org/drawingml/2006/main">
+        <a:graphic>
           <a:graphicData uri="http://schemas.openxmlformats.org/drawingml/2006/table">
             <a:tbl>
-              <a:tblPr firstCol="0" firstRow="1" lastCol="0" lastRow="0" bandCol="0" bandRow="0" rtl="0">
+              <a:tblPr firstRow="1">
                 <a:tableStyleId>{4C3C2611-4C71-4FC5-86AE-919BDF0F9419}</a:tableStyleId>
               </a:tblPr>
               <a:tblGrid>
-                <a:gridCol w="1479100"/>
-                <a:gridCol w="2714975"/>
-                <a:gridCol w="1979274"/>
-                <a:gridCol w="2149650"/>
-                <a:gridCol w="2604850"/>
+                <a:gridCol w="1479100">
+                  <a:extLst>
+                    <a:ext uri="{9D8B030D-6E8A-4147-A177-3AD203B41FA5}">
+                      <a16:colId xmlns:a16="http://schemas.microsoft.com/office/drawing/2014/main" val="20000"/>
+                    </a:ext>
+                  </a:extLst>
+                </a:gridCol>
+                <a:gridCol w="2714975">
+                  <a:extLst>
+                    <a:ext uri="{9D8B030D-6E8A-4147-A177-3AD203B41FA5}">
+                      <a16:colId xmlns:a16="http://schemas.microsoft.com/office/drawing/2014/main" val="20001"/>
+                    </a:ext>
+                  </a:extLst>
+                </a:gridCol>
+                <a:gridCol w="1979274">
+                  <a:extLst>
+                    <a:ext uri="{9D8B030D-6E8A-4147-A177-3AD203B41FA5}">
+                      <a16:colId xmlns:a16="http://schemas.microsoft.com/office/drawing/2014/main" val="20002"/>
+                    </a:ext>
+                  </a:extLst>
+                </a:gridCol>
+                <a:gridCol w="2149650">
+                  <a:extLst>
+                    <a:ext uri="{9D8B030D-6E8A-4147-A177-3AD203B41FA5}">
+                      <a16:colId xmlns:a16="http://schemas.microsoft.com/office/drawing/2014/main" val="20003"/>
+                    </a:ext>
+                  </a:extLst>
+                </a:gridCol>
+                <a:gridCol w="2604850">
+                  <a:extLst>
+                    <a:ext uri="{9D8B030D-6E8A-4147-A177-3AD203B41FA5}">
+                      <a16:colId xmlns:a16="http://schemas.microsoft.com/office/drawing/2014/main" val="20004"/>
+                    </a:ext>
+                  </a:extLst>
+                </a:gridCol>
               </a:tblGrid>
               <a:tr h="1181075">
                 <a:tc>
@@ -9469,14 +9784,14 @@
                     <a:lstStyle/>
                     <a:p>
                       <a:pPr algn="l">
-                        <a:defRPr b="0" sz="1800">
+                        <a:defRPr sz="1800" b="0">
                           <a:solidFill>
                             <a:srgbClr val="000000"/>
                           </a:solidFill>
                         </a:defRPr>
                       </a:pPr>
                       <a:r>
-                        <a:rPr b="1" sz="3200">
+                        <a:rPr sz="3200" b="1">
                           <a:solidFill>
                             <a:srgbClr val="FFFFFF"/>
                           </a:solidFill>
@@ -9486,7 +9801,7 @@
                       </a:r>
                     </a:p>
                   </a:txBody>
-                  <a:tcPr marL="70125" marR="70125" marT="70125" marB="70125" anchor="ctr" anchorCtr="0" horzOverflow="overflow">
+                  <a:tcPr marL="70125" marR="70125" marT="70125" marB="70125" anchor="ctr" horzOverflow="overflow">
                     <a:lnL>
                       <a:solidFill>
                         <a:schemeClr val="accent1"/>
@@ -9513,14 +9828,14 @@
                     <a:lstStyle/>
                     <a:p>
                       <a:pPr algn="l">
-                        <a:defRPr b="0" sz="1800">
+                        <a:defRPr sz="1800" b="0">
                           <a:solidFill>
                             <a:srgbClr val="000000"/>
                           </a:solidFill>
                         </a:defRPr>
                       </a:pPr>
                       <a:r>
-                        <a:rPr b="1" sz="3200">
+                        <a:rPr sz="3200" b="1">
                           <a:solidFill>
                             <a:srgbClr val="FFFFFF"/>
                           </a:solidFill>
@@ -9530,7 +9845,7 @@
                       </a:r>
                     </a:p>
                   </a:txBody>
-                  <a:tcPr marL="70125" marR="70125" marT="70125" marB="70125" anchor="ctr" anchorCtr="0" horzOverflow="overflow">
+                  <a:tcPr marL="70125" marR="70125" marT="70125" marB="70125" anchor="ctr" horzOverflow="overflow">
                     <a:lnT>
                       <a:solidFill>
                         <a:schemeClr val="accent1"/>
@@ -9552,14 +9867,14 @@
                     <a:lstStyle/>
                     <a:p>
                       <a:pPr algn="l">
-                        <a:defRPr b="0" sz="1800">
+                        <a:defRPr sz="1800" b="0">
                           <a:solidFill>
                             <a:srgbClr val="000000"/>
                           </a:solidFill>
                         </a:defRPr>
                       </a:pPr>
                       <a:r>
-                        <a:rPr b="1" sz="3200">
+                        <a:rPr sz="3200" b="1">
                           <a:solidFill>
                             <a:srgbClr val="FFFFFF"/>
                           </a:solidFill>
@@ -9569,7 +9884,7 @@
                       </a:r>
                     </a:p>
                   </a:txBody>
-                  <a:tcPr marL="70125" marR="70125" marT="70125" marB="70125" anchor="ctr" anchorCtr="0" horzOverflow="overflow">
+                  <a:tcPr marL="70125" marR="70125" marT="70125" marB="70125" anchor="ctr" horzOverflow="overflow">
                     <a:lnT>
                       <a:solidFill>
                         <a:schemeClr val="accent1"/>
@@ -9591,14 +9906,14 @@
                     <a:lstStyle/>
                     <a:p>
                       <a:pPr algn="l">
-                        <a:defRPr b="0" sz="1800">
+                        <a:defRPr sz="1800" b="0">
                           <a:solidFill>
                             <a:srgbClr val="000000"/>
                           </a:solidFill>
                         </a:defRPr>
                       </a:pPr>
                       <a:r>
-                        <a:rPr b="1" sz="3200">
+                        <a:rPr sz="3200" b="1">
                           <a:solidFill>
                             <a:srgbClr val="FFFFFF"/>
                           </a:solidFill>
@@ -9608,7 +9923,7 @@
                       </a:r>
                     </a:p>
                   </a:txBody>
-                  <a:tcPr marL="70125" marR="70125" marT="70125" marB="70125" anchor="ctr" anchorCtr="0" horzOverflow="overflow">
+                  <a:tcPr marL="70125" marR="70125" marT="70125" marB="70125" anchor="ctr" horzOverflow="overflow">
                     <a:lnT>
                       <a:solidFill>
                         <a:schemeClr val="accent1"/>
@@ -9630,14 +9945,14 @@
                     <a:lstStyle/>
                     <a:p>
                       <a:pPr algn="l">
-                        <a:defRPr b="0" sz="1800">
+                        <a:defRPr sz="1800" b="0">
                           <a:solidFill>
                             <a:srgbClr val="000000"/>
                           </a:solidFill>
                         </a:defRPr>
                       </a:pPr>
                       <a:r>
-                        <a:rPr b="1" sz="3200">
+                        <a:rPr sz="3200" b="1">
                           <a:solidFill>
                             <a:srgbClr val="FFFFFF"/>
                           </a:solidFill>
@@ -9647,7 +9962,7 @@
                       </a:r>
                     </a:p>
                   </a:txBody>
-                  <a:tcPr marL="70125" marR="70125" marT="70125" marB="70125" anchor="ctr" anchorCtr="0" horzOverflow="overflow">
+                  <a:tcPr marL="70125" marR="70125" marT="70125" marB="70125" anchor="ctr" horzOverflow="overflow">
                     <a:lnR>
                       <a:solidFill>
                         <a:schemeClr val="accent1"/>
@@ -9668,6 +9983,11 @@
                     </a:solidFill>
                   </a:tcPr>
                 </a:tc>
+                <a:extLst>
+                  <a:ext uri="{0D108BD9-81ED-4DB2-BD59-A6C34878D82A}">
+                    <a16:rowId xmlns:a16="http://schemas.microsoft.com/office/drawing/2014/main" val="10000"/>
+                  </a:ext>
+                </a:extLst>
               </a:tr>
               <a:tr h="886499">
                 <a:tc>
@@ -9686,7 +10006,7 @@
                       </a:r>
                     </a:p>
                   </a:txBody>
-                  <a:tcPr marL="70125" marR="70125" marT="70125" marB="70125" anchor="ctr" anchorCtr="0" horzOverflow="overflow">
+                  <a:tcPr marL="70125" marR="70125" marT="70125" marB="70125" anchor="ctr" horzOverflow="overflow">
                     <a:lnL>
                       <a:solidFill>
                         <a:schemeClr val="accent1"/>
@@ -9725,7 +10045,7 @@
                       </a:r>
                     </a:p>
                   </a:txBody>
-                  <a:tcPr marL="70125" marR="70125" marT="70125" marB="70125" anchor="ctr" anchorCtr="0" horzOverflow="overflow">
+                  <a:tcPr marL="70125" marR="70125" marT="70125" marB="70125" anchor="ctr" horzOverflow="overflow">
                     <a:lnT>
                       <a:solidFill>
                         <a:schemeClr val="accent1"/>
@@ -9759,7 +10079,7 @@
                       </a:r>
                     </a:p>
                   </a:txBody>
-                  <a:tcPr marL="70125" marR="70125" marT="70125" marB="70125" anchor="ctr" anchorCtr="0" horzOverflow="overflow">
+                  <a:tcPr marL="70125" marR="70125" marT="70125" marB="70125" anchor="ctr" horzOverflow="overflow">
                     <a:lnT>
                       <a:solidFill>
                         <a:schemeClr val="accent1"/>
@@ -9793,7 +10113,7 @@
                       </a:r>
                     </a:p>
                   </a:txBody>
-                  <a:tcPr marL="70125" marR="70125" marT="70125" marB="70125" anchor="ctr" anchorCtr="0" horzOverflow="overflow">
+                  <a:tcPr marL="70125" marR="70125" marT="70125" marB="70125" anchor="ctr" horzOverflow="overflow">
                     <a:lnT>
                       <a:solidFill>
                         <a:schemeClr val="accent1"/>
@@ -9827,7 +10147,7 @@
                       </a:r>
                     </a:p>
                   </a:txBody>
-                  <a:tcPr marL="70125" marR="70125" marT="70125" marB="70125" anchor="ctr" anchorCtr="0" horzOverflow="overflow">
+                  <a:tcPr marL="70125" marR="70125" marT="70125" marB="70125" anchor="ctr" horzOverflow="overflow">
                     <a:lnR>
                       <a:solidFill>
                         <a:schemeClr val="accent1"/>
@@ -9850,6 +10170,11 @@
                     </a:solidFill>
                   </a:tcPr>
                 </a:tc>
+                <a:extLst>
+                  <a:ext uri="{0D108BD9-81ED-4DB2-BD59-A6C34878D82A}">
+                    <a16:rowId xmlns:a16="http://schemas.microsoft.com/office/drawing/2014/main" val="10001"/>
+                  </a:ext>
+                </a:extLst>
               </a:tr>
               <a:tr h="886499">
                 <a:tc>
@@ -9868,7 +10193,7 @@
                       </a:r>
                     </a:p>
                   </a:txBody>
-                  <a:tcPr marL="70125" marR="70125" marT="70125" marB="70125" anchor="ctr" anchorCtr="0" horzOverflow="overflow">
+                  <a:tcPr marL="70125" marR="70125" marT="70125" marB="70125" anchor="ctr" horzOverflow="overflow">
                     <a:lnL>
                       <a:solidFill>
                         <a:schemeClr val="accent1"/>
@@ -9907,7 +10232,7 @@
                       </a:r>
                     </a:p>
                   </a:txBody>
-                  <a:tcPr marL="70125" marR="70125" marT="70125" marB="70125" anchor="ctr" anchorCtr="0" horzOverflow="overflow">
+                  <a:tcPr marL="70125" marR="70125" marT="70125" marB="70125" anchor="ctr" horzOverflow="overflow">
                     <a:lnT>
                       <a:solidFill>
                         <a:schemeClr val="accent1"/>
@@ -9941,7 +10266,7 @@
                       </a:r>
                     </a:p>
                   </a:txBody>
-                  <a:tcPr marL="70125" marR="70125" marT="70125" marB="70125" anchor="ctr" anchorCtr="0" horzOverflow="overflow">
+                  <a:tcPr marL="70125" marR="70125" marT="70125" marB="70125" anchor="ctr" horzOverflow="overflow">
                     <a:lnT>
                       <a:solidFill>
                         <a:schemeClr val="accent1"/>
@@ -9975,7 +10300,7 @@
                       </a:r>
                     </a:p>
                   </a:txBody>
-                  <a:tcPr marL="70125" marR="70125" marT="70125" marB="70125" anchor="ctr" anchorCtr="0" horzOverflow="overflow">
+                  <a:tcPr marL="70125" marR="70125" marT="70125" marB="70125" anchor="ctr" horzOverflow="overflow">
                     <a:lnT>
                       <a:solidFill>
                         <a:schemeClr val="accent1"/>
@@ -10009,7 +10334,7 @@
                       </a:r>
                     </a:p>
                   </a:txBody>
-                  <a:tcPr marL="70125" marR="70125" marT="70125" marB="70125" anchor="ctr" anchorCtr="0" horzOverflow="overflow">
+                  <a:tcPr marL="70125" marR="70125" marT="70125" marB="70125" anchor="ctr" horzOverflow="overflow">
                     <a:lnR>
                       <a:solidFill>
                         <a:schemeClr val="accent1"/>
@@ -10032,6 +10357,11 @@
                     </a:solidFill>
                   </a:tcPr>
                 </a:tc>
+                <a:extLst>
+                  <a:ext uri="{0D108BD9-81ED-4DB2-BD59-A6C34878D82A}">
+                    <a16:rowId xmlns:a16="http://schemas.microsoft.com/office/drawing/2014/main" val="10002"/>
+                  </a:ext>
+                </a:extLst>
               </a:tr>
               <a:tr h="542850">
                 <a:tc>
@@ -10050,7 +10380,7 @@
                       </a:r>
                     </a:p>
                   </a:txBody>
-                  <a:tcPr marL="70125" marR="70125" marT="70125" marB="70125" anchor="ctr" anchorCtr="0" horzOverflow="overflow">
+                  <a:tcPr marL="70125" marR="70125" marT="70125" marB="70125" anchor="ctr" horzOverflow="overflow">
                     <a:lnL>
                       <a:solidFill>
                         <a:schemeClr val="accent1"/>
@@ -10089,7 +10419,7 @@
                       </a:r>
                     </a:p>
                   </a:txBody>
-                  <a:tcPr marL="70125" marR="70125" marT="70125" marB="70125" anchor="ctr" anchorCtr="0" horzOverflow="overflow">
+                  <a:tcPr marL="70125" marR="70125" marT="70125" marB="70125" anchor="ctr" horzOverflow="overflow">
                     <a:lnT>
                       <a:solidFill>
                         <a:schemeClr val="accent1"/>
@@ -10123,7 +10453,7 @@
                       </a:r>
                     </a:p>
                   </a:txBody>
-                  <a:tcPr marL="70125" marR="70125" marT="70125" marB="70125" anchor="ctr" anchorCtr="0" horzOverflow="overflow">
+                  <a:tcPr marL="70125" marR="70125" marT="70125" marB="70125" anchor="ctr" horzOverflow="overflow">
                     <a:lnT>
                       <a:solidFill>
                         <a:schemeClr val="accent1"/>
@@ -10157,7 +10487,7 @@
                       </a:r>
                     </a:p>
                   </a:txBody>
-                  <a:tcPr marL="70125" marR="70125" marT="70125" marB="70125" anchor="ctr" anchorCtr="0" horzOverflow="overflow">
+                  <a:tcPr marL="70125" marR="70125" marT="70125" marB="70125" anchor="ctr" horzOverflow="overflow">
                     <a:lnT>
                       <a:solidFill>
                         <a:schemeClr val="accent1"/>
@@ -10191,7 +10521,7 @@
                       </a:r>
                     </a:p>
                   </a:txBody>
-                  <a:tcPr marL="70125" marR="70125" marT="70125" marB="70125" anchor="ctr" anchorCtr="0" horzOverflow="overflow">
+                  <a:tcPr marL="70125" marR="70125" marT="70125" marB="70125" anchor="ctr" horzOverflow="overflow">
                     <a:lnR>
                       <a:solidFill>
                         <a:schemeClr val="accent1"/>
@@ -10214,6 +10544,11 @@
                     </a:solidFill>
                   </a:tcPr>
                 </a:tc>
+                <a:extLst>
+                  <a:ext uri="{0D108BD9-81ED-4DB2-BD59-A6C34878D82A}">
+                    <a16:rowId xmlns:a16="http://schemas.microsoft.com/office/drawing/2014/main" val="10003"/>
+                  </a:ext>
+                </a:extLst>
               </a:tr>
               <a:tr h="542850">
                 <a:tc>
@@ -10232,7 +10567,7 @@
                       </a:r>
                     </a:p>
                   </a:txBody>
-                  <a:tcPr marL="70125" marR="70125" marT="70125" marB="70125" anchor="ctr" anchorCtr="0" horzOverflow="overflow">
+                  <a:tcPr marL="70125" marR="70125" marT="70125" marB="70125" anchor="ctr" horzOverflow="overflow">
                     <a:lnL>
                       <a:solidFill>
                         <a:schemeClr val="accent1"/>
@@ -10271,7 +10606,7 @@
                       </a:r>
                     </a:p>
                   </a:txBody>
-                  <a:tcPr marL="70125" marR="70125" marT="70125" marB="70125" anchor="ctr" anchorCtr="0" horzOverflow="overflow">
+                  <a:tcPr marL="70125" marR="70125" marT="70125" marB="70125" anchor="ctr" horzOverflow="overflow">
                     <a:lnT>
                       <a:solidFill>
                         <a:schemeClr val="accent1"/>
@@ -10305,7 +10640,7 @@
                       </a:r>
                     </a:p>
                   </a:txBody>
-                  <a:tcPr marL="70125" marR="70125" marT="70125" marB="70125" anchor="ctr" anchorCtr="0" horzOverflow="overflow">
+                  <a:tcPr marL="70125" marR="70125" marT="70125" marB="70125" anchor="ctr" horzOverflow="overflow">
                     <a:lnT>
                       <a:solidFill>
                         <a:schemeClr val="accent1"/>
@@ -10339,7 +10674,7 @@
                       </a:r>
                     </a:p>
                   </a:txBody>
-                  <a:tcPr marL="70125" marR="70125" marT="70125" marB="70125" anchor="ctr" anchorCtr="0" horzOverflow="overflow">
+                  <a:tcPr marL="70125" marR="70125" marT="70125" marB="70125" anchor="ctr" horzOverflow="overflow">
                     <a:lnT>
                       <a:solidFill>
                         <a:schemeClr val="accent1"/>
@@ -10373,7 +10708,7 @@
                       </a:r>
                     </a:p>
                   </a:txBody>
-                  <a:tcPr marL="70125" marR="70125" marT="70125" marB="70125" anchor="ctr" anchorCtr="0" horzOverflow="overflow">
+                  <a:tcPr marL="70125" marR="70125" marT="70125" marB="70125" anchor="ctr" horzOverflow="overflow">
                     <a:lnR>
                       <a:solidFill>
                         <a:schemeClr val="accent1"/>
@@ -10396,6 +10731,11 @@
                     </a:solidFill>
                   </a:tcPr>
                 </a:tc>
+                <a:extLst>
+                  <a:ext uri="{0D108BD9-81ED-4DB2-BD59-A6C34878D82A}">
+                    <a16:rowId xmlns:a16="http://schemas.microsoft.com/office/drawing/2014/main" val="10004"/>
+                  </a:ext>
+                </a:extLst>
               </a:tr>
             </a:tbl>
           </a:graphicData>
@@ -10406,22 +10746,23 @@
   <p:clrMapOvr>
     <a:masterClrMapping/>
   </p:clrMapOvr>
-  <p:transition xmlns:p14="http://schemas.microsoft.com/office/powerpoint/2010/main" spd="med" advClick="1"/>
+  <p:transition spd="med"/>
 </p:sld>
 </file>
 
 <file path=ppt/slides/slide4.xml><?xml version="1.0" encoding="utf-8"?>
-<p:sld xmlns:a="http://schemas.openxmlformats.org/drawingml/2006/main" xmlns:r="http://schemas.openxmlformats.org/officeDocument/2006/relationships" xmlns:p="http://schemas.openxmlformats.org/presentationml/2006/main" xmlns:m="http://schemas.openxmlformats.org/officeDocument/2006/math" xmlns:a14="http://schemas.microsoft.com/office/drawing/2010/main" showMasterSp="1" showMasterPhAnim="1">
+<p:sld xmlns:a="http://schemas.openxmlformats.org/drawingml/2006/main" xmlns:r="http://schemas.openxmlformats.org/officeDocument/2006/relationships" xmlns:p="http://schemas.openxmlformats.org/presentationml/2006/main">
   <p:cSld>
     <p:bg>
       <p:bgPr>
         <a:blipFill rotWithShape="1">
           <a:blip r:embed="rId2"/>
-          <a:srcRect l="0" t="0" r="0" b="0"/>
+          <a:srcRect/>
           <a:stretch>
             <a:fillRect/>
           </a:stretch>
         </a:blipFill>
+        <a:effectLst/>
       </p:bgPr>
     </p:bg>
     <p:spTree>
@@ -10441,7 +10782,9 @@
       <p:sp>
         <p:nvSpPr>
           <p:cNvPr id="146" name="Google Shape;108;p17"/>
-          <p:cNvSpPr txBox="1"/>
+          <p:cNvSpPr txBox="1">
+            <a:spLocks noGrp="1"/>
+          </p:cNvSpPr>
           <p:nvPr>
             <p:ph type="title"/>
           </p:nvPr>
@@ -10460,7 +10803,7 @@
           <a:lstStyle/>
           <a:p>
             <a:pPr>
-              <a:defRPr b="1" sz="4500">
+              <a:defRPr sz="4500" b="1">
                 <a:latin typeface="Objective"/>
                 <a:ea typeface="Objective"/>
                 <a:cs typeface="Objective"/>
@@ -10471,7 +10814,7 @@
               <a:t>Inference</a:t>
             </a:r>
             <a:r>
-              <a:rPr b="0" sz="2400"/>
+              <a:rPr sz="2400" b="0"/>
               <a:t> </a:t>
             </a:r>
             <a:r>
@@ -10533,6 +10876,7 @@
                   <a:sym typeface="Arial"/>
                 </a:defRPr>
               </a:pPr>
+              <a:endParaRPr/>
             </a:p>
           </p:txBody>
         </p:sp>
@@ -10552,7 +10896,7 @@
             </a:prstGeom>
             <a:blipFill rotWithShape="1">
               <a:blip r:embed="rId3"/>
-              <a:srcRect l="0" t="0" r="0" b="0"/>
+              <a:srcRect/>
               <a:stretch>
                 <a:fillRect/>
               </a:stretch>
@@ -10577,6 +10921,7 @@
                   <a:sym typeface="Arial"/>
                 </a:defRPr>
               </a:pPr>
+              <a:endParaRPr/>
             </a:p>
           </p:txBody>
         </p:sp>
@@ -10602,7 +10947,7 @@
             <a:effectLst/>
             <a:extLst>
               <a:ext uri="{C572A759-6A51-4108-AA02-DFA0A04FC94B}">
-                <ma14:wrappingTextBoxFlag xmlns:ma14="http://schemas.microsoft.com/office/mac/drawingml/2011/main" val="1"/>
+                <ma14:wrappingTextBoxFlag xmlns:ma14="http://schemas.microsoft.com/office/mac/drawingml/2011/main" xmlns:a14="http://schemas.microsoft.com/office/drawing/2010/main" xmlns:m="http://schemas.openxmlformats.org/officeDocument/2006/math" xmlns="" val="1"/>
               </a:ext>
             </a:extLst>
           </p:spPr>
@@ -10612,7 +10957,7 @@
             </a:bodyPr>
             <a:lstStyle>
               <a:lvl1pPr>
-                <a:defRPr b="1" sz="1900">
+                <a:defRPr sz="1900" b="1">
                   <a:latin typeface="Calibri"/>
                   <a:ea typeface="Calibri"/>
                   <a:cs typeface="Calibri"/>
@@ -10621,7 +10966,6 @@
               </a:lvl1pPr>
             </a:lstStyle>
             <a:p>
-              <a:pPr/>
               <a:r>
                 <a:t>Email Body</a:t>
               </a:r>
@@ -10650,7 +10994,7 @@
             <a:effectLst/>
             <a:extLst>
               <a:ext uri="{C572A759-6A51-4108-AA02-DFA0A04FC94B}">
-                <ma14:wrappingTextBoxFlag xmlns:ma14="http://schemas.microsoft.com/office/mac/drawingml/2011/main" val="1"/>
+                <ma14:wrappingTextBoxFlag xmlns:ma14="http://schemas.microsoft.com/office/mac/drawingml/2011/main" xmlns:a14="http://schemas.microsoft.com/office/drawing/2010/main" xmlns:m="http://schemas.openxmlformats.org/officeDocument/2006/math" xmlns="" val="1"/>
               </a:ext>
             </a:extLst>
           </p:spPr>
@@ -10669,7 +11013,6 @@
               </a:lvl1pPr>
             </a:lstStyle>
             <a:p>
-              <a:pPr/>
               <a:r>
                 <a:t>Please help summarize the provided email body and generate email subject The following reports have been waiting for your approval for more than 4 days. Please review. Owner: James W Reitmeyer Report Name: JReitmeyer 10/24/01 Days In Mgr. Queue: 5</a:t>
               </a:r>
@@ -10715,6 +11058,7 @@
                   <a:sym typeface="Arial"/>
                 </a:defRPr>
               </a:pPr>
+              <a:endParaRPr/>
             </a:p>
           </p:txBody>
         </p:sp>
@@ -10734,7 +11078,7 @@
             </a:prstGeom>
             <a:blipFill rotWithShape="1">
               <a:blip r:embed="rId4"/>
-              <a:srcRect l="0" t="0" r="0" b="0"/>
+              <a:srcRect/>
               <a:stretch>
                 <a:fillRect/>
               </a:stretch>
@@ -10759,6 +11103,7 @@
                   <a:sym typeface="Arial"/>
                 </a:defRPr>
               </a:pPr>
+              <a:endParaRPr/>
             </a:p>
           </p:txBody>
         </p:sp>
@@ -10784,7 +11129,7 @@
             <a:effectLst/>
             <a:extLst>
               <a:ext uri="{C572A759-6A51-4108-AA02-DFA0A04FC94B}">
-                <ma14:wrappingTextBoxFlag xmlns:ma14="http://schemas.microsoft.com/office/mac/drawingml/2011/main" val="1"/>
+                <ma14:wrappingTextBoxFlag xmlns:ma14="http://schemas.microsoft.com/office/mac/drawingml/2011/main" xmlns:a14="http://schemas.microsoft.com/office/drawing/2010/main" xmlns:m="http://schemas.openxmlformats.org/officeDocument/2006/math" xmlns="" val="1"/>
               </a:ext>
             </a:extLst>
           </p:spPr>
@@ -10794,7 +11139,7 @@
             </a:bodyPr>
             <a:lstStyle>
               <a:lvl1pPr>
-                <a:defRPr b="1" sz="1900">
+                <a:defRPr sz="1900" b="1">
                   <a:latin typeface="Calibri"/>
                   <a:ea typeface="Calibri"/>
                   <a:cs typeface="Calibri"/>
@@ -10803,7 +11148,6 @@
               </a:lvl1pPr>
             </a:lstStyle>
             <a:p>
-              <a:pPr/>
               <a:r>
                 <a:t>Reference Ouptut:</a:t>
               </a:r>
@@ -10832,7 +11176,7 @@
             <a:effectLst/>
             <a:extLst>
               <a:ext uri="{C572A759-6A51-4108-AA02-DFA0A04FC94B}">
-                <ma14:wrappingTextBoxFlag xmlns:ma14="http://schemas.microsoft.com/office/mac/drawingml/2011/main" val="1"/>
+                <ma14:wrappingTextBoxFlag xmlns:ma14="http://schemas.microsoft.com/office/mac/drawingml/2011/main" xmlns:a14="http://schemas.microsoft.com/office/drawing/2010/main" xmlns:m="http://schemas.openxmlformats.org/officeDocument/2006/math" xmlns="" val="1"/>
               </a:ext>
             </a:extLst>
           </p:spPr>
@@ -10851,7 +11195,6 @@
               </a:lvl1pPr>
             </a:lstStyle>
             <a:p>
-              <a:pPr/>
               <a:r>
                 <a:t>Reports Awaiting Approval</a:t>
               </a:r>
@@ -10897,6 +11240,7 @@
                   <a:sym typeface="Arial"/>
                 </a:defRPr>
               </a:pPr>
+              <a:endParaRPr/>
             </a:p>
           </p:txBody>
         </p:sp>
@@ -10916,7 +11260,7 @@
             </a:prstGeom>
             <a:blipFill rotWithShape="1">
               <a:blip r:embed="rId5"/>
-              <a:srcRect l="0" t="0" r="0" b="0"/>
+              <a:srcRect/>
               <a:stretch>
                 <a:fillRect/>
               </a:stretch>
@@ -10941,6 +11285,7 @@
                   <a:sym typeface="Arial"/>
                 </a:defRPr>
               </a:pPr>
+              <a:endParaRPr/>
             </a:p>
           </p:txBody>
         </p:sp>
@@ -10966,7 +11311,7 @@
             <a:effectLst/>
             <a:extLst>
               <a:ext uri="{C572A759-6A51-4108-AA02-DFA0A04FC94B}">
-                <ma14:wrappingTextBoxFlag xmlns:ma14="http://schemas.microsoft.com/office/mac/drawingml/2011/main" val="1"/>
+                <ma14:wrappingTextBoxFlag xmlns:ma14="http://schemas.microsoft.com/office/mac/drawingml/2011/main" xmlns:a14="http://schemas.microsoft.com/office/drawing/2010/main" xmlns:m="http://schemas.openxmlformats.org/officeDocument/2006/math" xmlns="" val="1"/>
               </a:ext>
             </a:extLst>
           </p:spPr>
@@ -10976,7 +11321,7 @@
             </a:bodyPr>
             <a:lstStyle>
               <a:lvl1pPr>
-                <a:defRPr b="1" sz="1900">
+                <a:defRPr sz="1900" b="1">
                   <a:latin typeface="Calibri"/>
                   <a:ea typeface="Calibri"/>
                   <a:cs typeface="Calibri"/>
@@ -10985,7 +11330,6 @@
               </a:lvl1pPr>
             </a:lstStyle>
             <a:p>
-              <a:pPr/>
               <a:r>
                 <a:t>Llama3 Model Output:</a:t>
               </a:r>
@@ -11014,7 +11358,7 @@
             <a:effectLst/>
             <a:extLst>
               <a:ext uri="{C572A759-6A51-4108-AA02-DFA0A04FC94B}">
-                <ma14:wrappingTextBoxFlag xmlns:ma14="http://schemas.microsoft.com/office/mac/drawingml/2011/main" val="1"/>
+                <ma14:wrappingTextBoxFlag xmlns:ma14="http://schemas.microsoft.com/office/mac/drawingml/2011/main" xmlns:a14="http://schemas.microsoft.com/office/drawing/2010/main" xmlns:m="http://schemas.openxmlformats.org/officeDocument/2006/math" xmlns="" val="1"/>
               </a:ext>
             </a:extLst>
           </p:spPr>
@@ -11033,7 +11377,6 @@
               </a:lvl1pPr>
             </a:lstStyle>
             <a:p>
-              <a:pPr/>
               <a:r>
                 <a:t>Reports Waiting For Approval</a:t>
               </a:r>
@@ -11079,6 +11422,7 @@
                   <a:sym typeface="Arial"/>
                 </a:defRPr>
               </a:pPr>
+              <a:endParaRPr/>
             </a:p>
           </p:txBody>
         </p:sp>
@@ -11098,7 +11442,7 @@
             </a:prstGeom>
             <a:blipFill rotWithShape="1">
               <a:blip r:embed="rId6"/>
-              <a:srcRect l="0" t="0" r="0" b="0"/>
+              <a:srcRect/>
               <a:stretch>
                 <a:fillRect/>
               </a:stretch>
@@ -11123,6 +11467,7 @@
                   <a:sym typeface="Arial"/>
                 </a:defRPr>
               </a:pPr>
+              <a:endParaRPr/>
             </a:p>
           </p:txBody>
         </p:sp>
@@ -11148,7 +11493,7 @@
             <a:effectLst/>
             <a:extLst>
               <a:ext uri="{C572A759-6A51-4108-AA02-DFA0A04FC94B}">
-                <ma14:wrappingTextBoxFlag xmlns:ma14="http://schemas.microsoft.com/office/mac/drawingml/2011/main" val="1"/>
+                <ma14:wrappingTextBoxFlag xmlns:ma14="http://schemas.microsoft.com/office/mac/drawingml/2011/main" xmlns:a14="http://schemas.microsoft.com/office/drawing/2010/main" xmlns:m="http://schemas.openxmlformats.org/officeDocument/2006/math" xmlns="" val="1"/>
               </a:ext>
             </a:extLst>
           </p:spPr>
@@ -11158,7 +11503,7 @@
             </a:bodyPr>
             <a:lstStyle>
               <a:lvl1pPr>
-                <a:defRPr b="1" sz="1900">
+                <a:defRPr sz="1900" b="1">
                   <a:latin typeface="Calibri"/>
                   <a:ea typeface="Calibri"/>
                   <a:cs typeface="Calibri"/>
@@ -11167,7 +11512,6 @@
               </a:lvl1pPr>
             </a:lstStyle>
             <a:p>
-              <a:pPr/>
               <a:r>
                 <a:t>Mistral Model Output:</a:t>
               </a:r>
@@ -11196,7 +11540,7 @@
             <a:effectLst/>
             <a:extLst>
               <a:ext uri="{C572A759-6A51-4108-AA02-DFA0A04FC94B}">
-                <ma14:wrappingTextBoxFlag xmlns:ma14="http://schemas.microsoft.com/office/mac/drawingml/2011/main" val="1"/>
+                <ma14:wrappingTextBoxFlag xmlns:ma14="http://schemas.microsoft.com/office/mac/drawingml/2011/main" xmlns:a14="http://schemas.microsoft.com/office/drawing/2010/main" xmlns:m="http://schemas.openxmlformats.org/officeDocument/2006/math" xmlns="" val="1"/>
               </a:ext>
             </a:extLst>
           </p:spPr>
@@ -11215,7 +11559,6 @@
               </a:lvl1pPr>
             </a:lstStyle>
             <a:p>
-              <a:pPr/>
               <a:r>
                 <a:t>Approval Needed - Reports Waiting More Than Four Days</a:t>
               </a:r>
@@ -11261,6 +11604,7 @@
                   <a:sym typeface="Arial"/>
                 </a:defRPr>
               </a:pPr>
+              <a:endParaRPr/>
             </a:p>
           </p:txBody>
         </p:sp>
@@ -11280,7 +11624,7 @@
             </a:prstGeom>
             <a:blipFill rotWithShape="1">
               <a:blip r:embed="rId7"/>
-              <a:srcRect l="0" t="0" r="0" b="0"/>
+              <a:srcRect/>
               <a:stretch>
                 <a:fillRect/>
               </a:stretch>
@@ -11305,6 +11649,7 @@
                   <a:sym typeface="Arial"/>
                 </a:defRPr>
               </a:pPr>
+              <a:endParaRPr/>
             </a:p>
           </p:txBody>
         </p:sp>
@@ -11330,7 +11675,7 @@
             <a:effectLst/>
             <a:extLst>
               <a:ext uri="{C572A759-6A51-4108-AA02-DFA0A04FC94B}">
-                <ma14:wrappingTextBoxFlag xmlns:ma14="http://schemas.microsoft.com/office/mac/drawingml/2011/main" val="1"/>
+                <ma14:wrappingTextBoxFlag xmlns:ma14="http://schemas.microsoft.com/office/mac/drawingml/2011/main" xmlns:a14="http://schemas.microsoft.com/office/drawing/2010/main" xmlns:m="http://schemas.openxmlformats.org/officeDocument/2006/math" xmlns="" val="1"/>
               </a:ext>
             </a:extLst>
           </p:spPr>
@@ -11340,7 +11685,7 @@
             </a:bodyPr>
             <a:lstStyle>
               <a:lvl1pPr>
-                <a:defRPr b="1" sz="1900">
+                <a:defRPr sz="1900" b="1">
                   <a:latin typeface="Calibri"/>
                   <a:ea typeface="Calibri"/>
                   <a:cs typeface="Calibri"/>
@@ -11349,7 +11694,6 @@
               </a:lvl1pPr>
             </a:lstStyle>
             <a:p>
-              <a:pPr/>
               <a:r>
                 <a:t>T5 Model Output:</a:t>
               </a:r>
@@ -11378,7 +11722,7 @@
             <a:effectLst/>
             <a:extLst>
               <a:ext uri="{C572A759-6A51-4108-AA02-DFA0A04FC94B}">
-                <ma14:wrappingTextBoxFlag xmlns:ma14="http://schemas.microsoft.com/office/mac/drawingml/2011/main" val="1"/>
+                <ma14:wrappingTextBoxFlag xmlns:ma14="http://schemas.microsoft.com/office/mac/drawingml/2011/main" xmlns:a14="http://schemas.microsoft.com/office/drawing/2010/main" xmlns:m="http://schemas.openxmlformats.org/officeDocument/2006/math" xmlns="" val="1"/>
               </a:ext>
             </a:extLst>
           </p:spPr>
@@ -11397,7 +11741,6 @@
               </a:lvl1pPr>
             </a:lstStyle>
             <a:p>
-              <a:pPr/>
               <a:r>
                 <a:t>Reports Waiting For Your Approval</a:t>
               </a:r>
@@ -11443,6 +11786,7 @@
                   <a:sym typeface="Arial"/>
                 </a:defRPr>
               </a:pPr>
+              <a:endParaRPr/>
             </a:p>
           </p:txBody>
         </p:sp>
@@ -11462,7 +11806,7 @@
             </a:prstGeom>
             <a:blipFill rotWithShape="1">
               <a:blip r:embed="rId8"/>
-              <a:srcRect l="0" t="0" r="0" b="0"/>
+              <a:srcRect/>
               <a:stretch>
                 <a:fillRect/>
               </a:stretch>
@@ -11487,6 +11831,7 @@
                   <a:sym typeface="Arial"/>
                 </a:defRPr>
               </a:pPr>
+              <a:endParaRPr/>
             </a:p>
           </p:txBody>
         </p:sp>
@@ -11512,7 +11857,7 @@
             <a:effectLst/>
             <a:extLst>
               <a:ext uri="{C572A759-6A51-4108-AA02-DFA0A04FC94B}">
-                <ma14:wrappingTextBoxFlag xmlns:ma14="http://schemas.microsoft.com/office/mac/drawingml/2011/main" val="1"/>
+                <ma14:wrappingTextBoxFlag xmlns:ma14="http://schemas.microsoft.com/office/mac/drawingml/2011/main" xmlns:a14="http://schemas.microsoft.com/office/drawing/2010/main" xmlns:m="http://schemas.openxmlformats.org/officeDocument/2006/math" xmlns="" val="1"/>
               </a:ext>
             </a:extLst>
           </p:spPr>
@@ -11522,7 +11867,7 @@
             </a:bodyPr>
             <a:lstStyle>
               <a:lvl1pPr>
-                <a:defRPr b="1" sz="1900">
+                <a:defRPr sz="1900" b="1">
                   <a:latin typeface="Calibri"/>
                   <a:ea typeface="Calibri"/>
                   <a:cs typeface="Calibri"/>
@@ -11531,7 +11876,6 @@
               </a:lvl1pPr>
             </a:lstStyle>
             <a:p>
-              <a:pPr/>
               <a:r>
                 <a:t>Bart Model Output:</a:t>
               </a:r>
@@ -11560,7 +11904,7 @@
             <a:effectLst/>
             <a:extLst>
               <a:ext uri="{C572A759-6A51-4108-AA02-DFA0A04FC94B}">
-                <ma14:wrappingTextBoxFlag xmlns:ma14="http://schemas.microsoft.com/office/mac/drawingml/2011/main" val="1"/>
+                <ma14:wrappingTextBoxFlag xmlns:ma14="http://schemas.microsoft.com/office/mac/drawingml/2011/main" xmlns:a14="http://schemas.microsoft.com/office/drawing/2010/main" xmlns:m="http://schemas.openxmlformats.org/officeDocument/2006/math" xmlns="" val="1"/>
               </a:ext>
             </a:extLst>
           </p:spPr>
@@ -11579,7 +11923,6 @@
               </a:lvl1pPr>
             </a:lstStyle>
             <a:p>
-              <a:pPr/>
               <a:r>
                 <a:t>Expense Reports Awaiting Your Approval</a:t>
               </a:r>
@@ -11592,22 +11935,23 @@
   <p:clrMapOvr>
     <a:masterClrMapping/>
   </p:clrMapOvr>
-  <p:transition xmlns:p14="http://schemas.microsoft.com/office/powerpoint/2010/main" spd="med" advClick="1"/>
+  <p:transition spd="med"/>
 </p:sld>
 </file>
 
 <file path=ppt/slides/slide5.xml><?xml version="1.0" encoding="utf-8"?>
-<p:sld xmlns:a="http://schemas.openxmlformats.org/drawingml/2006/main" xmlns:r="http://schemas.openxmlformats.org/officeDocument/2006/relationships" xmlns:p="http://schemas.openxmlformats.org/presentationml/2006/main" xmlns:m="http://schemas.openxmlformats.org/officeDocument/2006/math" xmlns:a14="http://schemas.microsoft.com/office/drawing/2010/main" showMasterSp="1" showMasterPhAnim="1">
+<p:sld xmlns:a="http://schemas.openxmlformats.org/drawingml/2006/main" xmlns:r="http://schemas.openxmlformats.org/officeDocument/2006/relationships" xmlns:p="http://schemas.openxmlformats.org/presentationml/2006/main">
   <p:cSld>
     <p:bg>
       <p:bgPr>
         <a:blipFill rotWithShape="1">
           <a:blip r:embed="rId2"/>
-          <a:srcRect l="0" t="0" r="0" b="0"/>
+          <a:srcRect/>
           <a:stretch>
             <a:fillRect/>
           </a:stretch>
         </a:blipFill>
+        <a:effectLst/>
       </p:bgPr>
     </p:bg>
     <p:spTree>
@@ -11627,7 +11971,9 @@
       <p:sp>
         <p:nvSpPr>
           <p:cNvPr id="173" name="Google Shape;150;p18"/>
-          <p:cNvSpPr txBox="1"/>
+          <p:cNvSpPr txBox="1">
+            <a:spLocks noGrp="1"/>
+          </p:cNvSpPr>
           <p:nvPr>
             <p:ph type="title"/>
           </p:nvPr>
@@ -11645,7 +11991,7 @@
           <a:bodyPr anchor="ctr"/>
           <a:lstStyle>
             <a:lvl1pPr>
-              <a:defRPr b="1" sz="4500">
+              <a:defRPr sz="4500" b="1">
                 <a:latin typeface="Objective"/>
                 <a:ea typeface="Objective"/>
                 <a:cs typeface="Objective"/>
@@ -11654,7 +12000,6 @@
             </a:lvl1pPr>
           </a:lstStyle>
           <a:p>
-            <a:pPr/>
             <a:r>
               <a:t>Metrics</a:t>
             </a:r>
@@ -11669,20 +12014,50 @@
         </p:nvGraphicFramePr>
         <p:xfrm>
           <a:off x="959040" y="2112578"/>
-          <a:ext cx="10297852" cy="4192752"/>
+          <a:ext cx="10297850" cy="4192750"/>
         </p:xfrm>
-        <a:graphic xmlns:a="http://schemas.openxmlformats.org/drawingml/2006/main">
+        <a:graphic>
           <a:graphicData uri="http://schemas.openxmlformats.org/drawingml/2006/table">
             <a:tbl>
-              <a:tblPr firstCol="0" firstRow="1" lastCol="0" lastRow="0" bandCol="0" bandRow="1" rtl="0">
+              <a:tblPr firstRow="1" bandRow="1">
                 <a:tableStyleId>{4C3C2611-4C71-4FC5-86AE-919BDF0F9419}</a:tableStyleId>
               </a:tblPr>
               <a:tblGrid>
-                <a:gridCol w="1846950"/>
-                <a:gridCol w="1935875"/>
-                <a:gridCol w="1935875"/>
-                <a:gridCol w="1935875"/>
-                <a:gridCol w="2643275"/>
+                <a:gridCol w="1846950">
+                  <a:extLst>
+                    <a:ext uri="{9D8B030D-6E8A-4147-A177-3AD203B41FA5}">
+                      <a16:colId xmlns:a16="http://schemas.microsoft.com/office/drawing/2014/main" val="20000"/>
+                    </a:ext>
+                  </a:extLst>
+                </a:gridCol>
+                <a:gridCol w="1935875">
+                  <a:extLst>
+                    <a:ext uri="{9D8B030D-6E8A-4147-A177-3AD203B41FA5}">
+                      <a16:colId xmlns:a16="http://schemas.microsoft.com/office/drawing/2014/main" val="20001"/>
+                    </a:ext>
+                  </a:extLst>
+                </a:gridCol>
+                <a:gridCol w="1935875">
+                  <a:extLst>
+                    <a:ext uri="{9D8B030D-6E8A-4147-A177-3AD203B41FA5}">
+                      <a16:colId xmlns:a16="http://schemas.microsoft.com/office/drawing/2014/main" val="20002"/>
+                    </a:ext>
+                  </a:extLst>
+                </a:gridCol>
+                <a:gridCol w="1935875">
+                  <a:extLst>
+                    <a:ext uri="{9D8B030D-6E8A-4147-A177-3AD203B41FA5}">
+                      <a16:colId xmlns:a16="http://schemas.microsoft.com/office/drawing/2014/main" val="20003"/>
+                    </a:ext>
+                  </a:extLst>
+                </a:gridCol>
+                <a:gridCol w="2643275">
+                  <a:extLst>
+                    <a:ext uri="{9D8B030D-6E8A-4147-A177-3AD203B41FA5}">
+                      <a16:colId xmlns:a16="http://schemas.microsoft.com/office/drawing/2014/main" val="20004"/>
+                    </a:ext>
+                  </a:extLst>
+                </a:gridCol>
               </a:tblGrid>
               <a:tr h="838550">
                 <a:tc>
@@ -11691,7 +12066,7 @@
                     <a:lstStyle/>
                     <a:p>
                       <a:pPr algn="l">
-                        <a:defRPr b="0" sz="1800">
+                        <a:defRPr sz="1800" b="0">
                           <a:solidFill>
                             <a:srgbClr val="000000"/>
                           </a:solidFill>
@@ -11708,7 +12083,7 @@
                       </a:r>
                     </a:p>
                   </a:txBody>
-                  <a:tcPr marL="177150" marR="177150" marT="177150" marB="177150" anchor="ctr" anchorCtr="0" horzOverflow="overflow">
+                  <a:tcPr marL="177150" marR="177150" marT="177150" marB="177150" anchor="ctr" horzOverflow="overflow">
                     <a:lnT>
                       <a:solidFill>
                         <a:srgbClr val="000000">
@@ -11734,7 +12109,7 @@
                     <a:lstStyle/>
                     <a:p>
                       <a:pPr algn="l">
-                        <a:defRPr b="0" sz="1800">
+                        <a:defRPr sz="1800" b="0">
                           <a:solidFill>
                             <a:srgbClr val="000000"/>
                           </a:solidFill>
@@ -11751,7 +12126,7 @@
                       </a:r>
                     </a:p>
                   </a:txBody>
-                  <a:tcPr marL="177150" marR="177150" marT="177150" marB="177150" anchor="ctr" anchorCtr="0" horzOverflow="overflow">
+                  <a:tcPr marL="177150" marR="177150" marT="177150" marB="177150" anchor="ctr" horzOverflow="overflow">
                     <a:lnT>
                       <a:solidFill>
                         <a:srgbClr val="000000">
@@ -11777,7 +12152,7 @@
                     <a:lstStyle/>
                     <a:p>
                       <a:pPr algn="l">
-                        <a:defRPr b="0" sz="1800">
+                        <a:defRPr sz="1800" b="0">
                           <a:solidFill>
                             <a:srgbClr val="000000"/>
                           </a:solidFill>
@@ -11794,7 +12169,7 @@
                       </a:r>
                     </a:p>
                   </a:txBody>
-                  <a:tcPr marL="177150" marR="177150" marT="177150" marB="177150" anchor="ctr" anchorCtr="0" horzOverflow="overflow">
+                  <a:tcPr marL="177150" marR="177150" marT="177150" marB="177150" anchor="ctr" horzOverflow="overflow">
                     <a:lnT>
                       <a:solidFill>
                         <a:srgbClr val="000000">
@@ -11820,7 +12195,7 @@
                     <a:lstStyle/>
                     <a:p>
                       <a:pPr algn="l">
-                        <a:defRPr b="0" sz="1800">
+                        <a:defRPr sz="1800" b="0">
                           <a:solidFill>
                             <a:srgbClr val="000000"/>
                           </a:solidFill>
@@ -11837,7 +12212,7 @@
                       </a:r>
                     </a:p>
                   </a:txBody>
-                  <a:tcPr marL="177150" marR="177150" marT="177150" marB="177150" anchor="ctr" anchorCtr="0" horzOverflow="overflow">
+                  <a:tcPr marL="177150" marR="177150" marT="177150" marB="177150" anchor="ctr" horzOverflow="overflow">
                     <a:lnT>
                       <a:solidFill>
                         <a:srgbClr val="000000">
@@ -11863,7 +12238,7 @@
                     <a:lstStyle/>
                     <a:p>
                       <a:pPr algn="l">
-                        <a:defRPr b="0" sz="1800">
+                        <a:defRPr sz="1800" b="0">
                           <a:solidFill>
                             <a:srgbClr val="000000"/>
                           </a:solidFill>
@@ -11880,7 +12255,7 @@
                       </a:r>
                     </a:p>
                   </a:txBody>
-                  <a:tcPr marL="177150" marR="177150" marT="177150" marB="177150" anchor="ctr" anchorCtr="0" horzOverflow="overflow">
+                  <a:tcPr marL="177150" marR="177150" marT="177150" marB="177150" anchor="ctr" horzOverflow="overflow">
                     <a:lnT>
                       <a:solidFill>
                         <a:srgbClr val="000000">
@@ -11900,6 +12275,11 @@
                     </a:solidFill>
                   </a:tcPr>
                 </a:tc>
+                <a:extLst>
+                  <a:ext uri="{0D108BD9-81ED-4DB2-BD59-A6C34878D82A}">
+                    <a16:rowId xmlns:a16="http://schemas.microsoft.com/office/drawing/2014/main" val="10000"/>
+                  </a:ext>
+                </a:extLst>
               </a:tr>
               <a:tr h="838550">
                 <a:tc>
@@ -11918,7 +12298,7 @@
                       </a:r>
                     </a:p>
                   </a:txBody>
-                  <a:tcPr marL="177150" marR="177150" marT="177150" marB="177150" anchor="ctr" anchorCtr="0" horzOverflow="overflow">
+                  <a:tcPr marL="177150" marR="177150" marT="177150" marB="177150" anchor="ctr" horzOverflow="overflow">
                     <a:lnR>
                       <a:solidFill>
                         <a:srgbClr val="3F3F3F"/>
@@ -11961,7 +12341,7 @@
                       </a:r>
                     </a:p>
                   </a:txBody>
-                  <a:tcPr marL="177150" marR="177150" marT="177150" marB="177150" anchor="ctr" anchorCtr="0" horzOverflow="overflow">
+                  <a:tcPr marL="177150" marR="177150" marT="177150" marB="177150" anchor="ctr" horzOverflow="overflow">
                     <a:lnL>
                       <a:solidFill>
                         <a:srgbClr val="3F3F3F"/>
@@ -12009,7 +12389,7 @@
                       </a:r>
                     </a:p>
                   </a:txBody>
-                  <a:tcPr marL="177150" marR="177150" marT="177150" marB="177150" anchor="ctr" anchorCtr="0" horzOverflow="overflow">
+                  <a:tcPr marL="177150" marR="177150" marT="177150" marB="177150" anchor="ctr" horzOverflow="overflow">
                     <a:lnL>
                       <a:solidFill>
                         <a:srgbClr val="3F3F3F"/>
@@ -12057,7 +12437,7 @@
                       </a:r>
                     </a:p>
                   </a:txBody>
-                  <a:tcPr marL="177150" marR="177150" marT="177150" marB="177150" anchor="ctr" anchorCtr="0" horzOverflow="overflow">
+                  <a:tcPr marL="177150" marR="177150" marT="177150" marB="177150" anchor="ctr" horzOverflow="overflow">
                     <a:lnL>
                       <a:solidFill>
                         <a:srgbClr val="3F3F3F"/>
@@ -12105,7 +12485,7 @@
                       </a:r>
                     </a:p>
                   </a:txBody>
-                  <a:tcPr marL="177150" marR="177150" marT="177150" marB="177150" anchor="ctr" anchorCtr="0" horzOverflow="overflow">
+                  <a:tcPr marL="177150" marR="177150" marT="177150" marB="177150" anchor="ctr" horzOverflow="overflow">
                     <a:lnL>
                       <a:solidFill>
                         <a:srgbClr val="3F3F3F"/>
@@ -12132,6 +12512,11 @@
                     </a:solidFill>
                   </a:tcPr>
                 </a:tc>
+                <a:extLst>
+                  <a:ext uri="{0D108BD9-81ED-4DB2-BD59-A6C34878D82A}">
+                    <a16:rowId xmlns:a16="http://schemas.microsoft.com/office/drawing/2014/main" val="10001"/>
+                  </a:ext>
+                </a:extLst>
               </a:tr>
               <a:tr h="838550">
                 <a:tc>
@@ -12150,7 +12535,7 @@
                       </a:r>
                     </a:p>
                   </a:txBody>
-                  <a:tcPr marL="177150" marR="177150" marT="177150" marB="177150" anchor="ctr" anchorCtr="0" horzOverflow="overflow">
+                  <a:tcPr marL="177150" marR="177150" marT="177150" marB="177150" anchor="ctr" horzOverflow="overflow">
                     <a:lnT>
                       <a:solidFill>
                         <a:srgbClr val="000000">
@@ -12186,7 +12571,7 @@
                       </a:r>
                     </a:p>
                   </a:txBody>
-                  <a:tcPr marL="177150" marR="177150" marT="177150" marB="177150" anchor="ctr" anchorCtr="0" horzOverflow="overflow">
+                  <a:tcPr marL="177150" marR="177150" marT="177150" marB="177150" anchor="ctr" horzOverflow="overflow">
                     <a:lnT>
                       <a:solidFill>
                         <a:srgbClr val="000000">
@@ -12222,7 +12607,7 @@
                       </a:r>
                     </a:p>
                   </a:txBody>
-                  <a:tcPr marL="177150" marR="177150" marT="177150" marB="177150" anchor="ctr" anchorCtr="0" horzOverflow="overflow">
+                  <a:tcPr marL="177150" marR="177150" marT="177150" marB="177150" anchor="ctr" horzOverflow="overflow">
                     <a:lnT>
                       <a:solidFill>
                         <a:srgbClr val="000000">
@@ -12258,7 +12643,7 @@
                       </a:r>
                     </a:p>
                   </a:txBody>
-                  <a:tcPr marL="177150" marR="177150" marT="177150" marB="177150" anchor="ctr" anchorCtr="0" horzOverflow="overflow">
+                  <a:tcPr marL="177150" marR="177150" marT="177150" marB="177150" anchor="ctr" horzOverflow="overflow">
                     <a:lnT>
                       <a:solidFill>
                         <a:srgbClr val="000000">
@@ -12294,7 +12679,7 @@
                       </a:r>
                     </a:p>
                   </a:txBody>
-                  <a:tcPr marL="177150" marR="177150" marT="177150" marB="177150" anchor="ctr" anchorCtr="0" horzOverflow="overflow">
+                  <a:tcPr marL="177150" marR="177150" marT="177150" marB="177150" anchor="ctr" horzOverflow="overflow">
                     <a:lnT>
                       <a:solidFill>
                         <a:srgbClr val="000000">
@@ -12314,6 +12699,11 @@
                     </a:solidFill>
                   </a:tcPr>
                 </a:tc>
+                <a:extLst>
+                  <a:ext uri="{0D108BD9-81ED-4DB2-BD59-A6C34878D82A}">
+                    <a16:rowId xmlns:a16="http://schemas.microsoft.com/office/drawing/2014/main" val="10002"/>
+                  </a:ext>
+                </a:extLst>
               </a:tr>
               <a:tr h="838550">
                 <a:tc>
@@ -12332,7 +12722,7 @@
                       </a:r>
                     </a:p>
                   </a:txBody>
-                  <a:tcPr marL="177150" marR="177150" marT="177150" marB="177150" anchor="ctr" anchorCtr="0" horzOverflow="overflow">
+                  <a:tcPr marL="177150" marR="177150" marT="177150" marB="177150" anchor="ctr" horzOverflow="overflow">
                     <a:lnR>
                       <a:solidFill>
                         <a:srgbClr val="3F3F3F"/>
@@ -12375,7 +12765,7 @@
                       </a:r>
                     </a:p>
                   </a:txBody>
-                  <a:tcPr marL="177150" marR="177150" marT="177150" marB="177150" anchor="ctr" anchorCtr="0" horzOverflow="overflow">
+                  <a:tcPr marL="177150" marR="177150" marT="177150" marB="177150" anchor="ctr" horzOverflow="overflow">
                     <a:lnL>
                       <a:solidFill>
                         <a:srgbClr val="3F3F3F"/>
@@ -12423,7 +12813,7 @@
                       </a:r>
                     </a:p>
                   </a:txBody>
-                  <a:tcPr marL="177150" marR="177150" marT="177150" marB="177150" anchor="ctr" anchorCtr="0" horzOverflow="overflow">
+                  <a:tcPr marL="177150" marR="177150" marT="177150" marB="177150" anchor="ctr" horzOverflow="overflow">
                     <a:lnL>
                       <a:solidFill>
                         <a:srgbClr val="3F3F3F"/>
@@ -12471,7 +12861,7 @@
                       </a:r>
                     </a:p>
                   </a:txBody>
-                  <a:tcPr marL="177150" marR="177150" marT="177150" marB="177150" anchor="ctr" anchorCtr="0" horzOverflow="overflow">
+                  <a:tcPr marL="177150" marR="177150" marT="177150" marB="177150" anchor="ctr" horzOverflow="overflow">
                     <a:lnL>
                       <a:solidFill>
                         <a:srgbClr val="3F3F3F"/>
@@ -12519,7 +12909,7 @@
                       </a:r>
                     </a:p>
                   </a:txBody>
-                  <a:tcPr marL="177150" marR="177150" marT="177150" marB="177150" anchor="ctr" anchorCtr="0" horzOverflow="overflow">
+                  <a:tcPr marL="177150" marR="177150" marT="177150" marB="177150" anchor="ctr" horzOverflow="overflow">
                     <a:lnL>
                       <a:solidFill>
                         <a:srgbClr val="3F3F3F"/>
@@ -12546,6 +12936,11 @@
                     </a:solidFill>
                   </a:tcPr>
                 </a:tc>
+                <a:extLst>
+                  <a:ext uri="{0D108BD9-81ED-4DB2-BD59-A6C34878D82A}">
+                    <a16:rowId xmlns:a16="http://schemas.microsoft.com/office/drawing/2014/main" val="10003"/>
+                  </a:ext>
+                </a:extLst>
               </a:tr>
               <a:tr h="838550">
                 <a:tc>
@@ -12564,7 +12959,7 @@
                       </a:r>
                     </a:p>
                   </a:txBody>
-                  <a:tcPr marL="177150" marR="177150" marT="177150" marB="177150" anchor="ctr" anchorCtr="0" horzOverflow="overflow">
+                  <a:tcPr marL="177150" marR="177150" marT="177150" marB="177150" anchor="ctr" horzOverflow="overflow">
                     <a:lnT>
                       <a:solidFill>
                         <a:srgbClr val="000000">
@@ -12600,7 +12995,7 @@
                       </a:r>
                     </a:p>
                   </a:txBody>
-                  <a:tcPr marL="177150" marR="177150" marT="177150" marB="177150" anchor="ctr" anchorCtr="0" horzOverflow="overflow">
+                  <a:tcPr marL="177150" marR="177150" marT="177150" marB="177150" anchor="ctr" horzOverflow="overflow">
                     <a:lnT>
                       <a:solidFill>
                         <a:srgbClr val="000000">
@@ -12636,7 +13031,7 @@
                       </a:r>
                     </a:p>
                   </a:txBody>
-                  <a:tcPr marL="177150" marR="177150" marT="177150" marB="177150" anchor="ctr" anchorCtr="0" horzOverflow="overflow">
+                  <a:tcPr marL="177150" marR="177150" marT="177150" marB="177150" anchor="ctr" horzOverflow="overflow">
                     <a:lnT>
                       <a:solidFill>
                         <a:srgbClr val="000000">
@@ -12672,7 +13067,7 @@
                       </a:r>
                     </a:p>
                   </a:txBody>
-                  <a:tcPr marL="177150" marR="177150" marT="177150" marB="177150" anchor="ctr" anchorCtr="0" horzOverflow="overflow">
+                  <a:tcPr marL="177150" marR="177150" marT="177150" marB="177150" anchor="ctr" horzOverflow="overflow">
                     <a:lnT>
                       <a:solidFill>
                         <a:srgbClr val="000000">
@@ -12708,7 +13103,7 @@
                       </a:r>
                     </a:p>
                   </a:txBody>
-                  <a:tcPr marL="177150" marR="177150" marT="177150" marB="177150" anchor="ctr" anchorCtr="0" horzOverflow="overflow">
+                  <a:tcPr marL="177150" marR="177150" marT="177150" marB="177150" anchor="ctr" horzOverflow="overflow">
                     <a:lnT>
                       <a:solidFill>
                         <a:srgbClr val="000000">
@@ -12728,6 +13123,11 @@
                     </a:solidFill>
                   </a:tcPr>
                 </a:tc>
+                <a:extLst>
+                  <a:ext uri="{0D108BD9-81ED-4DB2-BD59-A6C34878D82A}">
+                    <a16:rowId xmlns:a16="http://schemas.microsoft.com/office/drawing/2014/main" val="10004"/>
+                  </a:ext>
+                </a:extLst>
               </a:tr>
             </a:tbl>
           </a:graphicData>
@@ -12738,22 +13138,23 @@
   <p:clrMapOvr>
     <a:masterClrMapping/>
   </p:clrMapOvr>
-  <p:transition xmlns:p14="http://schemas.microsoft.com/office/powerpoint/2010/main" spd="med" advClick="1"/>
+  <p:transition spd="med"/>
 </p:sld>
 </file>
 
 <file path=ppt/slides/slide6.xml><?xml version="1.0" encoding="utf-8"?>
-<p:sld xmlns:a="http://schemas.openxmlformats.org/drawingml/2006/main" xmlns:r="http://schemas.openxmlformats.org/officeDocument/2006/relationships" xmlns:p="http://schemas.openxmlformats.org/presentationml/2006/main" xmlns:m="http://schemas.openxmlformats.org/officeDocument/2006/math" xmlns:a14="http://schemas.microsoft.com/office/drawing/2010/main" showMasterSp="1" showMasterPhAnim="1">
+<p:sld xmlns:a="http://schemas.openxmlformats.org/drawingml/2006/main" xmlns:r="http://schemas.openxmlformats.org/officeDocument/2006/relationships" xmlns:p="http://schemas.openxmlformats.org/presentationml/2006/main">
   <p:cSld>
     <p:bg>
       <p:bgPr>
         <a:blipFill rotWithShape="1">
           <a:blip r:embed="rId2"/>
-          <a:srcRect l="0" t="0" r="0" b="0"/>
+          <a:srcRect/>
           <a:stretch>
             <a:fillRect/>
           </a:stretch>
         </a:blipFill>
+        <a:effectLst/>
       </p:bgPr>
     </p:bg>
     <p:spTree>
@@ -12773,7 +13174,9 @@
       <p:sp>
         <p:nvSpPr>
           <p:cNvPr id="176" name="Google Shape;156;p19"/>
-          <p:cNvSpPr txBox="1"/>
+          <p:cNvSpPr txBox="1">
+            <a:spLocks noGrp="1"/>
+          </p:cNvSpPr>
           <p:nvPr>
             <p:ph type="title"/>
           </p:nvPr>
@@ -12791,7 +13194,7 @@
           <a:bodyPr anchor="ctr"/>
           <a:lstStyle>
             <a:lvl1pPr>
-              <a:defRPr b="1" sz="4500">
+              <a:defRPr sz="4500" b="1">
                 <a:latin typeface="Objective"/>
                 <a:ea typeface="Objective"/>
                 <a:cs typeface="Objective"/>
@@ -12800,7 +13203,6 @@
             </a:lvl1pPr>
           </a:lstStyle>
           <a:p>
-            <a:pPr/>
             <a:r>
               <a:t>Observations</a:t>
             </a:r>
@@ -12861,6 +13263,7 @@
                   <a:sym typeface="Arial"/>
                 </a:defRPr>
               </a:pPr>
+              <a:endParaRPr/>
             </a:p>
           </p:txBody>
         </p:sp>
@@ -12886,7 +13289,7 @@
             <a:effectLst/>
             <a:extLst>
               <a:ext uri="{C572A759-6A51-4108-AA02-DFA0A04FC94B}">
-                <ma14:wrappingTextBoxFlag xmlns:ma14="http://schemas.microsoft.com/office/mac/drawingml/2011/main" val="1"/>
+                <ma14:wrappingTextBoxFlag xmlns:ma14="http://schemas.microsoft.com/office/mac/drawingml/2011/main" xmlns:a14="http://schemas.microsoft.com/office/drawing/2010/main" xmlns:m="http://schemas.openxmlformats.org/officeDocument/2006/math" xmlns="" val="1"/>
               </a:ext>
             </a:extLst>
           </p:spPr>
@@ -12899,7 +13302,7 @@
                 <a:lnSpc>
                   <a:spcPct val="90000"/>
                 </a:lnSpc>
-                <a:defRPr b="1" sz="1800">
+                <a:defRPr sz="1800" b="1">
                   <a:solidFill>
                     <a:srgbClr val="FFFFFF"/>
                   </a:solidFill>
@@ -12911,7 +13314,6 @@
               </a:lvl1pPr>
             </a:lstStyle>
             <a:p>
-              <a:pPr/>
               <a:r>
                 <a:t>Model Training:</a:t>
               </a:r>
@@ -12962,6 +13364,7 @@
                   <a:sym typeface="Arial"/>
                 </a:defRPr>
               </a:pPr>
+              <a:endParaRPr/>
             </a:p>
           </p:txBody>
         </p:sp>
@@ -12987,7 +13390,7 @@
             <a:effectLst/>
             <a:extLst>
               <a:ext uri="{C572A759-6A51-4108-AA02-DFA0A04FC94B}">
-                <ma14:wrappingTextBoxFlag xmlns:ma14="http://schemas.microsoft.com/office/mac/drawingml/2011/main" val="1"/>
+                <ma14:wrappingTextBoxFlag xmlns:ma14="http://schemas.microsoft.com/office/mac/drawingml/2011/main" xmlns:a14="http://schemas.microsoft.com/office/drawing/2010/main" xmlns:m="http://schemas.openxmlformats.org/officeDocument/2006/math" xmlns="" val="1"/>
               </a:ext>
             </a:extLst>
           </p:spPr>
@@ -12997,7 +13400,7 @@
             </a:bodyPr>
             <a:lstStyle/>
             <a:p>
-              <a:pPr lvl="1" marL="171450" indent="-171450">
+              <a:pPr marL="171450" lvl="1" indent="-171450">
                 <a:lnSpc>
                   <a:spcPct val="90000"/>
                 </a:lnSpc>
@@ -13019,7 +13422,7 @@
               </a:r>
             </a:p>
             <a:p>
-              <a:pPr lvl="1" marL="171450" indent="-171450">
+              <a:pPr marL="171450" lvl="1" indent="-171450">
                 <a:lnSpc>
                   <a:spcPct val="90000"/>
                 </a:lnSpc>
@@ -13085,6 +13488,7 @@
                   <a:sym typeface="Arial"/>
                 </a:defRPr>
               </a:pPr>
+              <a:endParaRPr/>
             </a:p>
           </p:txBody>
         </p:sp>
@@ -13110,7 +13514,7 @@
             <a:effectLst/>
             <a:extLst>
               <a:ext uri="{C572A759-6A51-4108-AA02-DFA0A04FC94B}">
-                <ma14:wrappingTextBoxFlag xmlns:ma14="http://schemas.microsoft.com/office/mac/drawingml/2011/main" val="1"/>
+                <ma14:wrappingTextBoxFlag xmlns:ma14="http://schemas.microsoft.com/office/mac/drawingml/2011/main" xmlns:a14="http://schemas.microsoft.com/office/drawing/2010/main" xmlns:m="http://schemas.openxmlformats.org/officeDocument/2006/math" xmlns="" val="1"/>
               </a:ext>
             </a:extLst>
           </p:spPr>
@@ -13123,7 +13527,7 @@
                 <a:lnSpc>
                   <a:spcPct val="90000"/>
                 </a:lnSpc>
-                <a:defRPr b="1" sz="1800">
+                <a:defRPr sz="1800" b="1">
                   <a:solidFill>
                     <a:srgbClr val="FFFFFF"/>
                   </a:solidFill>
@@ -13135,7 +13539,6 @@
               </a:lvl1pPr>
             </a:lstStyle>
             <a:p>
-              <a:pPr/>
               <a:r>
                 <a:t>Email Subject Generation:</a:t>
               </a:r>
@@ -13186,6 +13589,7 @@
                   <a:sym typeface="Arial"/>
                 </a:defRPr>
               </a:pPr>
+              <a:endParaRPr/>
             </a:p>
           </p:txBody>
         </p:sp>
@@ -13211,7 +13615,7 @@
             <a:effectLst/>
             <a:extLst>
               <a:ext uri="{C572A759-6A51-4108-AA02-DFA0A04FC94B}">
-                <ma14:wrappingTextBoxFlag xmlns:ma14="http://schemas.microsoft.com/office/mac/drawingml/2011/main" val="1"/>
+                <ma14:wrappingTextBoxFlag xmlns:ma14="http://schemas.microsoft.com/office/mac/drawingml/2011/main" xmlns:a14="http://schemas.microsoft.com/office/drawing/2010/main" xmlns:m="http://schemas.openxmlformats.org/officeDocument/2006/math" xmlns="" val="1"/>
               </a:ext>
             </a:extLst>
           </p:spPr>
@@ -13221,7 +13625,7 @@
             </a:bodyPr>
             <a:lstStyle/>
             <a:p>
-              <a:pPr lvl="1" marL="171450" indent="-171450">
+              <a:pPr marL="171450" lvl="1" indent="-171450">
                 <a:lnSpc>
                   <a:spcPct val="90000"/>
                 </a:lnSpc>
@@ -13284,6 +13688,7 @@
                   <a:sym typeface="Arial"/>
                 </a:defRPr>
               </a:pPr>
+              <a:endParaRPr/>
             </a:p>
           </p:txBody>
         </p:sp>
@@ -13309,7 +13714,7 @@
             <a:effectLst/>
             <a:extLst>
               <a:ext uri="{C572A759-6A51-4108-AA02-DFA0A04FC94B}">
-                <ma14:wrappingTextBoxFlag xmlns:ma14="http://schemas.microsoft.com/office/mac/drawingml/2011/main" val="1"/>
+                <ma14:wrappingTextBoxFlag xmlns:ma14="http://schemas.microsoft.com/office/mac/drawingml/2011/main" xmlns:a14="http://schemas.microsoft.com/office/drawing/2010/main" xmlns:m="http://schemas.openxmlformats.org/officeDocument/2006/math" xmlns="" val="1"/>
               </a:ext>
             </a:extLst>
           </p:spPr>
@@ -13322,7 +13727,7 @@
                 <a:lnSpc>
                   <a:spcPct val="90000"/>
                 </a:lnSpc>
-                <a:defRPr b="1" sz="1800">
+                <a:defRPr sz="1800" b="1">
                   <a:solidFill>
                     <a:srgbClr val="FFFFFF"/>
                   </a:solidFill>
@@ -13334,7 +13739,6 @@
               </a:lvl1pPr>
             </a:lstStyle>
             <a:p>
-              <a:pPr/>
               <a:r>
                 <a:t>Model Performance and Comparison:</a:t>
               </a:r>
@@ -13385,6 +13789,7 @@
                   <a:sym typeface="Arial"/>
                 </a:defRPr>
               </a:pPr>
+              <a:endParaRPr/>
             </a:p>
           </p:txBody>
         </p:sp>
@@ -13410,7 +13815,7 @@
             <a:effectLst/>
             <a:extLst>
               <a:ext uri="{C572A759-6A51-4108-AA02-DFA0A04FC94B}">
-                <ma14:wrappingTextBoxFlag xmlns:ma14="http://schemas.microsoft.com/office/mac/drawingml/2011/main" val="1"/>
+                <ma14:wrappingTextBoxFlag xmlns:ma14="http://schemas.microsoft.com/office/mac/drawingml/2011/main" xmlns:a14="http://schemas.microsoft.com/office/drawing/2010/main" xmlns:m="http://schemas.openxmlformats.org/officeDocument/2006/math" xmlns="" val="1"/>
               </a:ext>
             </a:extLst>
           </p:spPr>
@@ -13420,7 +13825,7 @@
             </a:bodyPr>
             <a:lstStyle/>
             <a:p>
-              <a:pPr lvl="1" marL="171450" indent="-171450">
+              <a:pPr marL="171450" lvl="1" indent="-171450">
                 <a:lnSpc>
                   <a:spcPct val="90000"/>
                 </a:lnSpc>
@@ -13442,7 +13847,7 @@
               </a:r>
             </a:p>
             <a:p>
-              <a:pPr lvl="1" marL="171450" indent="-171450">
+              <a:pPr marL="171450" lvl="1" indent="-171450">
                 <a:lnSpc>
                   <a:spcPct val="90000"/>
                 </a:lnSpc>
@@ -13467,7 +13872,7 @@
               </a:r>
             </a:p>
             <a:p>
-              <a:pPr lvl="1" marL="171450" indent="-171450">
+              <a:pPr marL="171450" lvl="1" indent="-171450">
                 <a:lnSpc>
                   <a:spcPct val="90000"/>
                 </a:lnSpc>
@@ -13499,22 +13904,23 @@
   <p:clrMapOvr>
     <a:masterClrMapping/>
   </p:clrMapOvr>
-  <p:transition xmlns:p14="http://schemas.microsoft.com/office/powerpoint/2010/main" spd="med" advClick="1"/>
+  <p:transition spd="med"/>
 </p:sld>
 </file>
 
 <file path=ppt/slides/slide7.xml><?xml version="1.0" encoding="utf-8"?>
-<p:sld xmlns:a="http://schemas.openxmlformats.org/drawingml/2006/main" xmlns:r="http://schemas.openxmlformats.org/officeDocument/2006/relationships" xmlns:p="http://schemas.openxmlformats.org/presentationml/2006/main" xmlns:m="http://schemas.openxmlformats.org/officeDocument/2006/math" xmlns:a14="http://schemas.microsoft.com/office/drawing/2010/main" showMasterSp="1" showMasterPhAnim="1">
+<p:sld xmlns:a="http://schemas.openxmlformats.org/drawingml/2006/main" xmlns:r="http://schemas.openxmlformats.org/officeDocument/2006/relationships" xmlns:p="http://schemas.openxmlformats.org/presentationml/2006/main">
   <p:cSld>
     <p:bg>
       <p:bgPr>
         <a:blipFill rotWithShape="1">
           <a:blip r:embed="rId2"/>
-          <a:srcRect l="0" t="0" r="0" b="0"/>
+          <a:srcRect/>
           <a:stretch>
             <a:fillRect/>
           </a:stretch>
         </a:blipFill>
+        <a:effectLst/>
       </p:bgPr>
     </p:bg>
     <p:spTree>
@@ -13534,7 +13940,9 @@
       <p:sp>
         <p:nvSpPr>
           <p:cNvPr id="191" name="Google Shape;174;p20"/>
-          <p:cNvSpPr txBox="1"/>
+          <p:cNvSpPr txBox="1">
+            <a:spLocks noGrp="1"/>
+          </p:cNvSpPr>
           <p:nvPr>
             <p:ph type="title"/>
           </p:nvPr>
@@ -13552,7 +13960,7 @@
           <a:bodyPr/>
           <a:lstStyle>
             <a:lvl1pPr algn="r">
-              <a:defRPr b="1" sz="4500">
+              <a:defRPr sz="4500" b="1">
                 <a:latin typeface="Objective"/>
                 <a:ea typeface="Objective"/>
                 <a:cs typeface="Objective"/>
@@ -13561,7 +13969,6 @@
             </a:lvl1pPr>
           </a:lstStyle>
           <a:p>
-            <a:pPr/>
             <a:r>
               <a:t>Demo</a:t>
             </a:r>
@@ -13571,7 +13978,9 @@
       <p:sp>
         <p:nvSpPr>
           <p:cNvPr id="192" name="Google Shape;175;p20"/>
-          <p:cNvSpPr txBox="1"/>
+          <p:cNvSpPr txBox="1">
+            <a:spLocks noGrp="1"/>
+          </p:cNvSpPr>
           <p:nvPr>
             <p:ph type="body" sz="half" idx="1"/>
           </p:nvPr>
@@ -13602,6 +14011,7 @@
                 <a:sym typeface="Objective"/>
               </a:defRPr>
             </a:pPr>
+            <a:endParaRPr/>
           </a:p>
           <a:p>
             <a:pPr marL="89610" indent="-149352" defTabSz="896111">
@@ -13609,7 +14019,7 @@
                 <a:spcPts val="1300"/>
               </a:spcBef>
               <a:buSzPts val="2300"/>
-              <a:defRPr b="1" sz="2300">
+              <a:defRPr sz="2300" b="1">
                 <a:latin typeface="Objective"/>
                 <a:ea typeface="Objective"/>
                 <a:cs typeface="Objective"/>
@@ -13652,7 +14062,7 @@
                     <a:srgbClr val="0000FF"/>
                   </a:solidFill>
                 </a:uFill>
-                <a:hlinkClick r:id="rId3" invalidUrl="" action="" tgtFrame="" tooltip="" history="1" highlightClick="0" endSnd="0"/>
+                <a:hlinkClick r:id="rId3"/>
               </a:rPr>
               <a:t>https://huggingface.co/spaces/GSridhar1982/EmailSubjectGenerationDemo</a:t>
             </a:r>
@@ -13671,6 +14081,17 @@
                 <a:sym typeface="Objective"/>
               </a:defRPr>
             </a:pPr>
+            <a:endParaRPr>
+              <a:solidFill>
+                <a:srgbClr val="0000FF"/>
+              </a:solidFill>
+              <a:uFill>
+                <a:solidFill>
+                  <a:srgbClr val="0000FF"/>
+                </a:solidFill>
+              </a:uFill>
+              <a:hlinkClick r:id="rId3"/>
+            </a:endParaRPr>
           </a:p>
           <a:p>
             <a:pPr marL="89610" indent="-149352" defTabSz="896111">
@@ -13678,7 +14099,7 @@
                 <a:spcPts val="1300"/>
               </a:spcBef>
               <a:buSzPts val="2300"/>
-              <a:defRPr b="1" sz="2300">
+              <a:defRPr sz="2300" b="1">
                 <a:latin typeface="Objective"/>
                 <a:ea typeface="Objective"/>
                 <a:cs typeface="Objective"/>
@@ -13721,7 +14142,7 @@
                     <a:srgbClr val="0000FF"/>
                   </a:solidFill>
                 </a:uFill>
-                <a:hlinkClick r:id="rId4" invalidUrl="" action="" tgtFrame="" tooltip="" history="1" highlightClick="0" endSnd="0"/>
+                <a:hlinkClick r:id="rId4"/>
               </a:rPr>
               <a:t>https://anukvma-emailsubjectapi.hf.space/</a:t>
             </a:r>
@@ -13737,9 +14158,7 @@
           <p:nvPr/>
         </p:nvPicPr>
         <p:blipFill>
-          <a:blip r:embed="rId5">
-            <a:extLst/>
-          </a:blip>
+          <a:blip r:embed="rId5"/>
           <a:stretch>
             <a:fillRect/>
           </a:stretch>
@@ -13762,22 +14181,23 @@
   <p:clrMapOvr>
     <a:masterClrMapping/>
   </p:clrMapOvr>
-  <p:transition xmlns:p14="http://schemas.microsoft.com/office/powerpoint/2010/main" spd="med" advClick="1"/>
+  <p:transition spd="med"/>
 </p:sld>
 </file>
 
 <file path=ppt/slides/slide8.xml><?xml version="1.0" encoding="utf-8"?>
-<p:sld xmlns:a="http://schemas.openxmlformats.org/drawingml/2006/main" xmlns:r="http://schemas.openxmlformats.org/officeDocument/2006/relationships" xmlns:p="http://schemas.openxmlformats.org/presentationml/2006/main" xmlns:m="http://schemas.openxmlformats.org/officeDocument/2006/math" xmlns:a14="http://schemas.microsoft.com/office/drawing/2010/main" showMasterSp="1" showMasterPhAnim="1">
+<p:sld xmlns:a="http://schemas.openxmlformats.org/drawingml/2006/main" xmlns:r="http://schemas.openxmlformats.org/officeDocument/2006/relationships" xmlns:p="http://schemas.openxmlformats.org/presentationml/2006/main">
   <p:cSld>
     <p:bg>
       <p:bgPr>
         <a:blipFill rotWithShape="1">
           <a:blip r:embed="rId2"/>
-          <a:srcRect l="0" t="0" r="0" b="0"/>
+          <a:srcRect/>
           <a:stretch>
             <a:fillRect/>
           </a:stretch>
         </a:blipFill>
+        <a:effectLst/>
       </p:bgPr>
     </p:bg>
     <p:spTree>
@@ -13797,7 +14217,9 @@
       <p:sp>
         <p:nvSpPr>
           <p:cNvPr id="195" name="Google Shape;181;p21"/>
-          <p:cNvSpPr txBox="1"/>
+          <p:cNvSpPr txBox="1">
+            <a:spLocks noGrp="1"/>
+          </p:cNvSpPr>
           <p:nvPr>
             <p:ph type="ctrTitle"/>
           </p:nvPr>
@@ -13818,7 +14240,7 @@
               <a:lnSpc>
                 <a:spcPct val="85000"/>
               </a:lnSpc>
-              <a:defRPr b="1" sz="4500">
+              <a:defRPr sz="4500" b="1">
                 <a:latin typeface="Objective"/>
                 <a:ea typeface="Objective"/>
                 <a:cs typeface="Objective"/>
@@ -13827,7 +14249,6 @@
             </a:lvl1pPr>
           </a:lstStyle>
           <a:p>
-            <a:pPr/>
             <a:r>
               <a:t>Group 18 Question and Answer</a:t>
             </a:r>
@@ -13843,9 +14264,7 @@
           <p:nvPr/>
         </p:nvPicPr>
         <p:blipFill>
-          <a:blip r:embed="rId3">
-            <a:extLst/>
-          </a:blip>
+          <a:blip r:embed="rId3"/>
           <a:stretch>
             <a:fillRect/>
           </a:stretch>
@@ -13868,20 +14287,20 @@
   <p:clrMapOvr>
     <a:masterClrMapping/>
   </p:clrMapOvr>
-  <p:transition xmlns:p14="http://schemas.microsoft.com/office/powerpoint/2010/main" spd="med" advClick="1"/>
+  <p:transition spd="med"/>
   <p:timing>
     <p:tnLst>
       <p:par>
-        <p:cTn id="1" nodeType="tmRoot" restart="never" dur="indefinite" fill="hold">
+        <p:cTn id="1" dur="indefinite" restart="never" fill="hold" nodeType="tmRoot">
           <p:childTnLst>
             <p:seq concurrent="1" prevAc="none" nextAc="seek">
-              <p:cTn id="2" nodeType="mainSeq" dur="indefinite" fill="hold">
+              <p:cTn id="2" dur="indefinite" fill="hold" nodeType="mainSeq">
                 <p:childTnLst>
                   <p:par>
                     <p:cTn id="3" fill="hold">
                       <p:stCondLst>
                         <p:cond delay="indefinite"/>
-                        <p:cond evt="onBegin">
+                        <p:cond evt="onBegin" delay="0">
                           <p:tn val="2"/>
                         </p:cond>
                       </p:stCondLst>
@@ -13893,11 +14312,11 @@
                             </p:stCondLst>
                             <p:childTnLst>
                               <p:par>
-                                <p:cTn id="5" presetClass="entr" nodeType="afterEffect" presetID="10" grpId="1" fill="hold">
+                                <p:cTn id="5" presetID="10" presetClass="entr" fill="hold" grpId="1" nodeType="afterEffect">
                                   <p:stCondLst>
                                     <p:cond delay="1000"/>
                                   </p:stCondLst>
-                                  <p:iterate type="el" backwards="0">
+                                  <p:iterate>
                                     <p:tmAbs val="0"/>
                                   </p:iterate>
                                   <p:childTnLst>
@@ -13915,7 +14334,7 @@
                                         <p:strVal val="visible"/>
                                       </p:to>
                                     </p:set>
-                                    <p:animEffect filter="fade" transition="in">
+                                    <p:animEffect transition="in" filter="fade">
                                       <p:cBhvr>
                                         <p:cTn id="7" dur="700"/>
                                         <p:tgtEl>
@@ -13936,11 +14355,11 @@
                             </p:stCondLst>
                             <p:childTnLst>
                               <p:par>
-                                <p:cTn id="9" presetClass="entr" nodeType="afterEffect" presetID="10" grpId="2" fill="hold">
+                                <p:cTn id="9" presetID="10" presetClass="entr" fill="hold" grpId="2" nodeType="afterEffect">
                                   <p:stCondLst>
                                     <p:cond delay="500"/>
                                   </p:stCondLst>
-                                  <p:iterate type="el" backwards="0">
+                                  <p:iterate>
                                     <p:tmAbs val="0"/>
                                   </p:iterate>
                                   <p:childTnLst>
@@ -13958,7 +14377,7 @@
                                         <p:strVal val="visible"/>
                                       </p:to>
                                     </p:set>
-                                    <p:animEffect filter="fade" transition="in">
+                                    <p:animEffect transition="in" filter="fade">
                                       <p:cBhvr>
                                         <p:cTn id="11" dur="700"/>
                                         <p:tgtEl>
@@ -13978,14 +14397,14 @@
                 </p:childTnLst>
               </p:cTn>
               <p:prevCondLst>
-                <p:cond evt="onPrev">
+                <p:cond evt="onPrev" delay="0">
                   <p:tgtEl>
                     <p:sldTgt/>
                   </p:tgtEl>
                 </p:cond>
               </p:prevCondLst>
               <p:nextCondLst>
-                <p:cond evt="onNext">
+                <p:cond evt="onNext" delay="0">
                   <p:tgtEl>
                     <p:sldTgt/>
                   </p:tgtEl>
@@ -13997,25 +14416,26 @@
       </p:par>
     </p:tnLst>
     <p:bldLst>
-      <p:bldP build="whole" bldLvl="1" animBg="1" rev="0" advAuto="0" spid="196" grpId="2"/>
-      <p:bldP build="whole" bldLvl="1" animBg="1" rev="0" advAuto="0" spid="195" grpId="1"/>
+      <p:bldP spid="195" grpId="1" animBg="1" advAuto="0"/>
+      <p:bldP spid="196" grpId="2" animBg="1" advAuto="0"/>
     </p:bldLst>
   </p:timing>
 </p:sld>
 </file>
 
 <file path=ppt/slides/slide9.xml><?xml version="1.0" encoding="utf-8"?>
-<p:sld xmlns:a="http://schemas.openxmlformats.org/drawingml/2006/main" xmlns:r="http://schemas.openxmlformats.org/officeDocument/2006/relationships" xmlns:p="http://schemas.openxmlformats.org/presentationml/2006/main" xmlns:m="http://schemas.openxmlformats.org/officeDocument/2006/math" xmlns:a14="http://schemas.microsoft.com/office/drawing/2010/main" showMasterSp="1" showMasterPhAnim="1">
+<p:sld xmlns:a="http://schemas.openxmlformats.org/drawingml/2006/main" xmlns:r="http://schemas.openxmlformats.org/officeDocument/2006/relationships" xmlns:p="http://schemas.openxmlformats.org/presentationml/2006/main">
   <p:cSld>
     <p:bg>
       <p:bgPr>
         <a:blipFill rotWithShape="1">
           <a:blip r:embed="rId2"/>
-          <a:srcRect l="0" t="0" r="0" b="0"/>
+          <a:srcRect/>
           <a:stretch>
             <a:fillRect/>
           </a:stretch>
         </a:blipFill>
+        <a:effectLst/>
       </p:bgPr>
     </p:bg>
     <p:spTree>
@@ -14035,7 +14455,9 @@
       <p:sp>
         <p:nvSpPr>
           <p:cNvPr id="198" name="Google Shape;187;p22"/>
-          <p:cNvSpPr txBox="1"/>
+          <p:cNvSpPr txBox="1">
+            <a:spLocks noGrp="1"/>
+          </p:cNvSpPr>
           <p:nvPr>
             <p:ph type="title"/>
           </p:nvPr>
@@ -14053,7 +14475,7 @@
           <a:bodyPr/>
           <a:lstStyle>
             <a:lvl1pPr>
-              <a:defRPr b="1" sz="4500">
+              <a:defRPr sz="4500" b="1">
                 <a:latin typeface="Objective"/>
                 <a:ea typeface="Objective"/>
                 <a:cs typeface="Objective"/>
@@ -14062,7 +14484,6 @@
             </a:lvl1pPr>
           </a:lstStyle>
           <a:p>
-            <a:pPr/>
             <a:r>
               <a:t>Objective</a:t>
             </a:r>
@@ -14127,6 +14548,7 @@
                   <a:sym typeface="Arial"/>
                 </a:defRPr>
               </a:pPr>
+              <a:endParaRPr/>
             </a:p>
           </p:txBody>
         </p:sp>
@@ -14152,7 +14574,7 @@
             <a:effectLst/>
             <a:extLst>
               <a:ext uri="{C572A759-6A51-4108-AA02-DFA0A04FC94B}">
-                <ma14:wrappingTextBoxFlag xmlns:ma14="http://schemas.microsoft.com/office/mac/drawingml/2011/main" val="1"/>
+                <ma14:wrappingTextBoxFlag xmlns:ma14="http://schemas.microsoft.com/office/mac/drawingml/2011/main" xmlns:a14="http://schemas.microsoft.com/office/drawing/2010/main" xmlns:m="http://schemas.openxmlformats.org/officeDocument/2006/math" xmlns="" val="1"/>
               </a:ext>
             </a:extLst>
           </p:spPr>
@@ -14174,7 +14596,6 @@
               </a:lvl1pPr>
             </a:lstStyle>
             <a:p>
-              <a:pPr/>
               <a:r>
                 <a:t>Model a system to generate appropriate answer to the question related to AIML</a:t>
               </a:r>
@@ -14221,6 +14642,7 @@
                   <a:sym typeface="Arial"/>
                 </a:defRPr>
               </a:pPr>
+              <a:endParaRPr/>
             </a:p>
           </p:txBody>
         </p:sp>
@@ -14246,7 +14668,7 @@
             <a:effectLst/>
             <a:extLst>
               <a:ext uri="{C572A759-6A51-4108-AA02-DFA0A04FC94B}">
-                <ma14:wrappingTextBoxFlag xmlns:ma14="http://schemas.microsoft.com/office/mac/drawingml/2011/main" val="1"/>
+                <ma14:wrappingTextBoxFlag xmlns:ma14="http://schemas.microsoft.com/office/mac/drawingml/2011/main" xmlns:a14="http://schemas.microsoft.com/office/drawing/2010/main" xmlns:m="http://schemas.openxmlformats.org/officeDocument/2006/math" xmlns="" val="1"/>
               </a:ext>
             </a:extLst>
           </p:spPr>
@@ -14271,7 +14693,6 @@
               </a:lvl1pPr>
             </a:lstStyle>
             <a:p>
-              <a:pPr/>
               <a:r>
                 <a:t>1</a:t>
               </a:r>
@@ -14318,6 +14739,7 @@
                   <a:sym typeface="Arial"/>
                 </a:defRPr>
               </a:pPr>
+              <a:endParaRPr/>
             </a:p>
           </p:txBody>
         </p:sp>
@@ -14365,6 +14787,7 @@
                   <a:sym typeface="Arial"/>
                 </a:defRPr>
               </a:pPr>
+              <a:endParaRPr/>
             </a:p>
           </p:txBody>
         </p:sp>
@@ -14390,7 +14813,7 @@
             <a:effectLst/>
             <a:extLst>
               <a:ext uri="{C572A759-6A51-4108-AA02-DFA0A04FC94B}">
-                <ma14:wrappingTextBoxFlag xmlns:ma14="http://schemas.microsoft.com/office/mac/drawingml/2011/main" val="1"/>
+                <ma14:wrappingTextBoxFlag xmlns:ma14="http://schemas.microsoft.com/office/mac/drawingml/2011/main" xmlns:a14="http://schemas.microsoft.com/office/drawing/2010/main" xmlns:m="http://schemas.openxmlformats.org/officeDocument/2006/math" xmlns="" val="1"/>
               </a:ext>
             </a:extLst>
           </p:spPr>
@@ -14476,6 +14899,7 @@
                   <a:sym typeface="Arial"/>
                 </a:defRPr>
               </a:pPr>
+              <a:endParaRPr/>
             </a:p>
           </p:txBody>
         </p:sp>
@@ -14501,7 +14925,7 @@
             <a:effectLst/>
             <a:extLst>
               <a:ext uri="{C572A759-6A51-4108-AA02-DFA0A04FC94B}">
-                <ma14:wrappingTextBoxFlag xmlns:ma14="http://schemas.microsoft.com/office/mac/drawingml/2011/main" val="1"/>
+                <ma14:wrappingTextBoxFlag xmlns:ma14="http://schemas.microsoft.com/office/mac/drawingml/2011/main" xmlns:a14="http://schemas.microsoft.com/office/drawing/2010/main" xmlns:m="http://schemas.openxmlformats.org/officeDocument/2006/math" xmlns="" val="1"/>
               </a:ext>
             </a:extLst>
           </p:spPr>
@@ -14526,7 +14950,6 @@
               </a:lvl1pPr>
             </a:lstStyle>
             <a:p>
-              <a:pPr/>
               <a:r>
                 <a:t>2</a:t>
               </a:r>
@@ -14573,6 +14996,7 @@
                   <a:sym typeface="Arial"/>
                 </a:defRPr>
               </a:pPr>
+              <a:endParaRPr/>
             </a:p>
           </p:txBody>
         </p:sp>
@@ -14620,6 +15044,7 @@
                   <a:sym typeface="Arial"/>
                 </a:defRPr>
               </a:pPr>
+              <a:endParaRPr/>
             </a:p>
           </p:txBody>
         </p:sp>
@@ -14645,7 +15070,7 @@
             <a:effectLst/>
             <a:extLst>
               <a:ext uri="{C572A759-6A51-4108-AA02-DFA0A04FC94B}">
-                <ma14:wrappingTextBoxFlag xmlns:ma14="http://schemas.microsoft.com/office/mac/drawingml/2011/main" val="1"/>
+                <ma14:wrappingTextBoxFlag xmlns:ma14="http://schemas.microsoft.com/office/mac/drawingml/2011/main" xmlns:a14="http://schemas.microsoft.com/office/drawing/2010/main" xmlns:m="http://schemas.openxmlformats.org/officeDocument/2006/math" xmlns="" val="1"/>
               </a:ext>
             </a:extLst>
           </p:spPr>
@@ -14667,7 +15092,6 @@
               </a:lvl1pPr>
             </a:lstStyle>
             <a:p>
-              <a:pPr/>
               <a:r>
                 <a:t>To evaluate the effectiveness of different LLMs in generating answers to the given question.</a:t>
               </a:r>
@@ -14714,6 +15138,7 @@
                   <a:sym typeface="Arial"/>
                 </a:defRPr>
               </a:pPr>
+              <a:endParaRPr/>
             </a:p>
           </p:txBody>
         </p:sp>
@@ -14739,7 +15164,7 @@
             <a:effectLst/>
             <a:extLst>
               <a:ext uri="{C572A759-6A51-4108-AA02-DFA0A04FC94B}">
-                <ma14:wrappingTextBoxFlag xmlns:ma14="http://schemas.microsoft.com/office/mac/drawingml/2011/main" val="1"/>
+                <ma14:wrappingTextBoxFlag xmlns:ma14="http://schemas.microsoft.com/office/mac/drawingml/2011/main" xmlns:a14="http://schemas.microsoft.com/office/drawing/2010/main" xmlns:m="http://schemas.openxmlformats.org/officeDocument/2006/math" xmlns="" val="1"/>
               </a:ext>
             </a:extLst>
           </p:spPr>
@@ -14764,7 +15189,6 @@
               </a:lvl1pPr>
             </a:lstStyle>
             <a:p>
-              <a:pPr/>
               <a:r>
                 <a:t>3</a:t>
               </a:r>
@@ -14811,6 +15235,7 @@
                   <a:sym typeface="Arial"/>
                 </a:defRPr>
               </a:pPr>
+              <a:endParaRPr/>
             </a:p>
           </p:txBody>
         </p:sp>
@@ -14858,6 +15283,7 @@
                   <a:sym typeface="Arial"/>
                 </a:defRPr>
               </a:pPr>
+              <a:endParaRPr/>
             </a:p>
           </p:txBody>
         </p:sp>
@@ -14883,7 +15309,7 @@
             <a:effectLst/>
             <a:extLst>
               <a:ext uri="{C572A759-6A51-4108-AA02-DFA0A04FC94B}">
-                <ma14:wrappingTextBoxFlag xmlns:ma14="http://schemas.microsoft.com/office/mac/drawingml/2011/main" val="1"/>
+                <ma14:wrappingTextBoxFlag xmlns:ma14="http://schemas.microsoft.com/office/mac/drawingml/2011/main" xmlns:a14="http://schemas.microsoft.com/office/drawing/2010/main" xmlns:m="http://schemas.openxmlformats.org/officeDocument/2006/math" xmlns="" val="1"/>
               </a:ext>
             </a:extLst>
           </p:spPr>
@@ -14905,7 +15331,6 @@
               </a:lvl1pPr>
             </a:lstStyle>
             <a:p>
-              <a:pPr/>
               <a:r>
                 <a:t>To discuss the deployment process and challenges faced during implementation.</a:t>
               </a:r>
@@ -14952,6 +15377,7 @@
                   <a:sym typeface="Arial"/>
                 </a:defRPr>
               </a:pPr>
+              <a:endParaRPr/>
             </a:p>
           </p:txBody>
         </p:sp>
@@ -14977,7 +15403,7 @@
             <a:effectLst/>
             <a:extLst>
               <a:ext uri="{C572A759-6A51-4108-AA02-DFA0A04FC94B}">
-                <ma14:wrappingTextBoxFlag xmlns:ma14="http://schemas.microsoft.com/office/mac/drawingml/2011/main" val="1"/>
+                <ma14:wrappingTextBoxFlag xmlns:ma14="http://schemas.microsoft.com/office/mac/drawingml/2011/main" xmlns:a14="http://schemas.microsoft.com/office/drawing/2010/main" xmlns:m="http://schemas.openxmlformats.org/officeDocument/2006/math" xmlns="" val="1"/>
               </a:ext>
             </a:extLst>
           </p:spPr>
@@ -15002,7 +15428,6 @@
               </a:lvl1pPr>
             </a:lstStyle>
             <a:p>
-              <a:pPr/>
               <a:r>
                 <a:t>4</a:t>
               </a:r>
@@ -15049,6 +15474,7 @@
                   <a:sym typeface="Arial"/>
                 </a:defRPr>
               </a:pPr>
+              <a:endParaRPr/>
             </a:p>
           </p:txBody>
         </p:sp>
@@ -15058,12 +15484,12 @@
   <p:clrMapOvr>
     <a:masterClrMapping/>
   </p:clrMapOvr>
-  <p:transition xmlns:p14="http://schemas.microsoft.com/office/powerpoint/2010/main" spd="med" advClick="1"/>
+  <p:transition spd="med"/>
 </p:sld>
 </file>
 
 <file path=ppt/theme/theme1.xml><?xml version="1.0" encoding="utf-8"?>
-<a:theme xmlns:a="http://schemas.openxmlformats.org/drawingml/2006/main" xmlns:r="http://schemas.openxmlformats.org/officeDocument/2006/relationships" name="Luxe">
+<a:theme xmlns:a="http://schemas.openxmlformats.org/drawingml/2006/main" name="Luxe">
   <a:themeElements>
     <a:clrScheme name="Luxe">
       <a:dk1>
@@ -15265,7 +15691,7 @@
         <a:effectLst/>
         <a:sp3d/>
       </a:spPr>
-      <a:bodyPr rot="0" spcFirstLastPara="1" vertOverflow="overflow" horzOverflow="overflow" vert="horz" wrap="square" lIns="0" tIns="0" rIns="0" bIns="0" numCol="1" spcCol="38100" rtlCol="0" anchor="t" upright="0">
+      <a:bodyPr rot="0" spcFirstLastPara="1" vertOverflow="overflow" horzOverflow="overflow" vert="horz" wrap="square" lIns="0" tIns="0" rIns="0" bIns="0" numCol="1" spcCol="38100" rtlCol="0" anchor="t">
         <a:spAutoFit/>
       </a:bodyPr>
       <a:lstStyle>
@@ -15284,7 +15710,7 @@
           <a:buFontTx/>
           <a:buNone/>
           <a:tabLst/>
-          <a:defRPr b="0" baseline="0" cap="none" i="0" spc="0" strike="noStrike" sz="1400" u="none" kumimoji="0" normalizeH="0">
+          <a:defRPr kumimoji="0" sz="1400" b="0" i="0" u="none" strike="noStrike" cap="none" spc="0" normalizeH="0" baseline="0">
             <a:ln>
               <a:noFill/>
             </a:ln>
@@ -15314,7 +15740,7 @@
           <a:buFontTx/>
           <a:buNone/>
           <a:tabLst/>
-          <a:defRPr b="0" baseline="0" cap="none" i="0" spc="0" strike="noStrike" sz="1800" u="none" kumimoji="0" normalizeH="0">
+          <a:defRPr kumimoji="0" sz="1800" b="0" i="0" u="none" strike="noStrike" cap="none" spc="0" normalizeH="0" baseline="0">
             <a:ln>
               <a:noFill/>
             </a:ln>
@@ -15340,7 +15766,7 @@
           <a:buFontTx/>
           <a:buNone/>
           <a:tabLst/>
-          <a:defRPr b="0" baseline="0" cap="none" i="0" spc="0" strike="noStrike" sz="1800" u="none" kumimoji="0" normalizeH="0">
+          <a:defRPr kumimoji="0" sz="1800" b="0" i="0" u="none" strike="noStrike" cap="none" spc="0" normalizeH="0" baseline="0">
             <a:ln>
               <a:noFill/>
             </a:ln>
@@ -15366,7 +15792,7 @@
           <a:buFontTx/>
           <a:buNone/>
           <a:tabLst/>
-          <a:defRPr b="0" baseline="0" cap="none" i="0" spc="0" strike="noStrike" sz="1800" u="none" kumimoji="0" normalizeH="0">
+          <a:defRPr kumimoji="0" sz="1800" b="0" i="0" u="none" strike="noStrike" cap="none" spc="0" normalizeH="0" baseline="0">
             <a:ln>
               <a:noFill/>
             </a:ln>
@@ -15392,7 +15818,7 @@
           <a:buFontTx/>
           <a:buNone/>
           <a:tabLst/>
-          <a:defRPr b="0" baseline="0" cap="none" i="0" spc="0" strike="noStrike" sz="1800" u="none" kumimoji="0" normalizeH="0">
+          <a:defRPr kumimoji="0" sz="1800" b="0" i="0" u="none" strike="noStrike" cap="none" spc="0" normalizeH="0" baseline="0">
             <a:ln>
               <a:noFill/>
             </a:ln>
@@ -15418,7 +15844,7 @@
           <a:buFontTx/>
           <a:buNone/>
           <a:tabLst/>
-          <a:defRPr b="0" baseline="0" cap="none" i="0" spc="0" strike="noStrike" sz="1800" u="none" kumimoji="0" normalizeH="0">
+          <a:defRPr kumimoji="0" sz="1800" b="0" i="0" u="none" strike="noStrike" cap="none" spc="0" normalizeH="0" baseline="0">
             <a:ln>
               <a:noFill/>
             </a:ln>
@@ -15444,7 +15870,7 @@
           <a:buFontTx/>
           <a:buNone/>
           <a:tabLst/>
-          <a:defRPr b="0" baseline="0" cap="none" i="0" spc="0" strike="noStrike" sz="1800" u="none" kumimoji="0" normalizeH="0">
+          <a:defRPr kumimoji="0" sz="1800" b="0" i="0" u="none" strike="noStrike" cap="none" spc="0" normalizeH="0" baseline="0">
             <a:ln>
               <a:noFill/>
             </a:ln>
@@ -15470,7 +15896,7 @@
           <a:buFontTx/>
           <a:buNone/>
           <a:tabLst/>
-          <a:defRPr b="0" baseline="0" cap="none" i="0" spc="0" strike="noStrike" sz="1800" u="none" kumimoji="0" normalizeH="0">
+          <a:defRPr kumimoji="0" sz="1800" b="0" i="0" u="none" strike="noStrike" cap="none" spc="0" normalizeH="0" baseline="0">
             <a:ln>
               <a:noFill/>
             </a:ln>
@@ -15496,7 +15922,7 @@
           <a:buFontTx/>
           <a:buNone/>
           <a:tabLst/>
-          <a:defRPr b="0" baseline="0" cap="none" i="0" spc="0" strike="noStrike" sz="1800" u="none" kumimoji="0" normalizeH="0">
+          <a:defRPr kumimoji="0" sz="1800" b="0" i="0" u="none" strike="noStrike" cap="none" spc="0" normalizeH="0" baseline="0">
             <a:ln>
               <a:noFill/>
             </a:ln>
@@ -15522,7 +15948,7 @@
           <a:buFontTx/>
           <a:buNone/>
           <a:tabLst/>
-          <a:defRPr b="0" baseline="0" cap="none" i="0" spc="0" strike="noStrike" sz="1800" u="none" kumimoji="0" normalizeH="0">
+          <a:defRPr kumimoji="0" sz="1800" b="0" i="0" u="none" strike="noStrike" cap="none" spc="0" normalizeH="0" baseline="0">
             <a:ln>
               <a:noFill/>
             </a:ln>
@@ -15535,9 +15961,15 @@
         </a:lvl9pPr>
       </a:lstStyle>
       <a:style>
-        <a:lnRef idx="0"/>
-        <a:fillRef idx="0"/>
-        <a:effectRef idx="0"/>
+        <a:lnRef idx="0">
+          <a:scrgbClr r="0" g="0" b="0"/>
+        </a:lnRef>
+        <a:fillRef idx="0">
+          <a:scrgbClr r="0" g="0" b="0"/>
+        </a:fillRef>
+        <a:effectRef idx="0">
+          <a:scrgbClr r="0" g="0" b="0"/>
+        </a:effectRef>
         <a:fontRef idx="none"/>
       </a:style>
     </a:spDef>
@@ -15554,7 +15986,7 @@
         <a:effectLst/>
         <a:sp3d/>
       </a:spPr>
-      <a:bodyPr rot="0" spcFirstLastPara="1" vertOverflow="overflow" horzOverflow="overflow" vert="horz" wrap="square" lIns="91439" tIns="45719" rIns="91439" bIns="45719" numCol="1" spcCol="38100" rtlCol="0" anchor="t" upright="0">
+      <a:bodyPr rot="0" spcFirstLastPara="1" vertOverflow="overflow" horzOverflow="overflow" vert="horz" wrap="square" lIns="91439" tIns="45719" rIns="91439" bIns="45719" numCol="1" spcCol="38100" rtlCol="0" anchor="t">
         <a:noAutofit/>
       </a:bodyPr>
       <a:lstStyle>
@@ -15573,7 +16005,7 @@
           <a:buFontTx/>
           <a:buNone/>
           <a:tabLst/>
-          <a:defRPr b="0" baseline="0" cap="none" i="0" spc="0" strike="noStrike" sz="1800" u="none" kumimoji="0" normalizeH="0">
+          <a:defRPr kumimoji="0" sz="1800" b="0" i="0" u="none" strike="noStrike" cap="none" spc="0" normalizeH="0" baseline="0">
             <a:ln>
               <a:noFill/>
             </a:ln>
@@ -15599,7 +16031,7 @@
           <a:buFontTx/>
           <a:buNone/>
           <a:tabLst/>
-          <a:defRPr b="0" baseline="0" cap="none" i="0" spc="0" strike="noStrike" sz="1800" u="none" kumimoji="0" normalizeH="0">
+          <a:defRPr kumimoji="0" sz="1800" b="0" i="0" u="none" strike="noStrike" cap="none" spc="0" normalizeH="0" baseline="0">
             <a:ln>
               <a:noFill/>
             </a:ln>
@@ -15625,7 +16057,7 @@
           <a:buFontTx/>
           <a:buNone/>
           <a:tabLst/>
-          <a:defRPr b="0" baseline="0" cap="none" i="0" spc="0" strike="noStrike" sz="1800" u="none" kumimoji="0" normalizeH="0">
+          <a:defRPr kumimoji="0" sz="1800" b="0" i="0" u="none" strike="noStrike" cap="none" spc="0" normalizeH="0" baseline="0">
             <a:ln>
               <a:noFill/>
             </a:ln>
@@ -15651,7 +16083,7 @@
           <a:buFontTx/>
           <a:buNone/>
           <a:tabLst/>
-          <a:defRPr b="0" baseline="0" cap="none" i="0" spc="0" strike="noStrike" sz="1800" u="none" kumimoji="0" normalizeH="0">
+          <a:defRPr kumimoji="0" sz="1800" b="0" i="0" u="none" strike="noStrike" cap="none" spc="0" normalizeH="0" baseline="0">
             <a:ln>
               <a:noFill/>
             </a:ln>
@@ -15677,7 +16109,7 @@
           <a:buFontTx/>
           <a:buNone/>
           <a:tabLst/>
-          <a:defRPr b="0" baseline="0" cap="none" i="0" spc="0" strike="noStrike" sz="1800" u="none" kumimoji="0" normalizeH="0">
+          <a:defRPr kumimoji="0" sz="1800" b="0" i="0" u="none" strike="noStrike" cap="none" spc="0" normalizeH="0" baseline="0">
             <a:ln>
               <a:noFill/>
             </a:ln>
@@ -15703,7 +16135,7 @@
           <a:buFontTx/>
           <a:buNone/>
           <a:tabLst/>
-          <a:defRPr b="0" baseline="0" cap="none" i="0" spc="0" strike="noStrike" sz="1800" u="none" kumimoji="0" normalizeH="0">
+          <a:defRPr kumimoji="0" sz="1800" b="0" i="0" u="none" strike="noStrike" cap="none" spc="0" normalizeH="0" baseline="0">
             <a:ln>
               <a:noFill/>
             </a:ln>
@@ -15729,7 +16161,7 @@
           <a:buFontTx/>
           <a:buNone/>
           <a:tabLst/>
-          <a:defRPr b="0" baseline="0" cap="none" i="0" spc="0" strike="noStrike" sz="1800" u="none" kumimoji="0" normalizeH="0">
+          <a:defRPr kumimoji="0" sz="1800" b="0" i="0" u="none" strike="noStrike" cap="none" spc="0" normalizeH="0" baseline="0">
             <a:ln>
               <a:noFill/>
             </a:ln>
@@ -15755,7 +16187,7 @@
           <a:buFontTx/>
           <a:buNone/>
           <a:tabLst/>
-          <a:defRPr b="0" baseline="0" cap="none" i="0" spc="0" strike="noStrike" sz="1800" u="none" kumimoji="0" normalizeH="0">
+          <a:defRPr kumimoji="0" sz="1800" b="0" i="0" u="none" strike="noStrike" cap="none" spc="0" normalizeH="0" baseline="0">
             <a:ln>
               <a:noFill/>
             </a:ln>
@@ -15781,7 +16213,7 @@
           <a:buFontTx/>
           <a:buNone/>
           <a:tabLst/>
-          <a:defRPr b="0" baseline="0" cap="none" i="0" spc="0" strike="noStrike" sz="1800" u="none" kumimoji="0" normalizeH="0">
+          <a:defRPr kumimoji="0" sz="1800" b="0" i="0" u="none" strike="noStrike" cap="none" spc="0" normalizeH="0" baseline="0">
             <a:ln>
               <a:noFill/>
             </a:ln>
@@ -15807,7 +16239,7 @@
           <a:buFontTx/>
           <a:buNone/>
           <a:tabLst/>
-          <a:defRPr b="0" baseline="0" cap="none" i="0" spc="0" strike="noStrike" sz="1800" u="none" kumimoji="0" normalizeH="0">
+          <a:defRPr kumimoji="0" sz="1800" b="0" i="0" u="none" strike="noStrike" cap="none" spc="0" normalizeH="0" baseline="0">
             <a:ln>
               <a:noFill/>
             </a:ln>
@@ -15820,9 +16252,15 @@
         </a:lvl9pPr>
       </a:lstStyle>
       <a:style>
-        <a:lnRef idx="0"/>
-        <a:fillRef idx="0"/>
-        <a:effectRef idx="0"/>
+        <a:lnRef idx="0">
+          <a:scrgbClr r="0" g="0" b="0"/>
+        </a:lnRef>
+        <a:fillRef idx="0">
+          <a:scrgbClr r="0" g="0" b="0"/>
+        </a:fillRef>
+        <a:effectRef idx="0">
+          <a:scrgbClr r="0" g="0" b="0"/>
+        </a:effectRef>
         <a:fontRef idx="none"/>
       </a:style>
     </a:lnDef>
@@ -15836,7 +16274,7 @@
         <a:effectLst/>
         <a:sp3d/>
       </a:spPr>
-      <a:bodyPr rot="0" spcFirstLastPara="1" vertOverflow="overflow" horzOverflow="overflow" vert="horz" wrap="square" lIns="0" tIns="0" rIns="0" bIns="0" numCol="1" spcCol="38100" rtlCol="0" anchor="t" upright="0">
+      <a:bodyPr rot="0" spcFirstLastPara="1" vertOverflow="overflow" horzOverflow="overflow" vert="horz" wrap="square" lIns="0" tIns="0" rIns="0" bIns="0" numCol="1" spcCol="38100" rtlCol="0" anchor="t">
         <a:spAutoFit/>
       </a:bodyPr>
       <a:lstStyle>
@@ -15855,7 +16293,7 @@
           <a:buFontTx/>
           <a:buNone/>
           <a:tabLst/>
-          <a:defRPr b="0" baseline="0" cap="none" i="0" spc="0" strike="noStrike" sz="1400" u="none" kumimoji="0" normalizeH="0">
+          <a:defRPr kumimoji="0" sz="1400" b="0" i="0" u="none" strike="noStrike" cap="none" spc="0" normalizeH="0" baseline="0">
             <a:ln>
               <a:noFill/>
             </a:ln>
@@ -15885,7 +16323,7 @@
           <a:buFontTx/>
           <a:buNone/>
           <a:tabLst/>
-          <a:defRPr b="0" baseline="0" cap="none" i="0" spc="0" strike="noStrike" sz="1800" u="none" kumimoji="0" normalizeH="0">
+          <a:defRPr kumimoji="0" sz="1800" b="0" i="0" u="none" strike="noStrike" cap="none" spc="0" normalizeH="0" baseline="0">
             <a:ln>
               <a:noFill/>
             </a:ln>
@@ -15911,7 +16349,7 @@
           <a:buFontTx/>
           <a:buNone/>
           <a:tabLst/>
-          <a:defRPr b="0" baseline="0" cap="none" i="0" spc="0" strike="noStrike" sz="1800" u="none" kumimoji="0" normalizeH="0">
+          <a:defRPr kumimoji="0" sz="1800" b="0" i="0" u="none" strike="noStrike" cap="none" spc="0" normalizeH="0" baseline="0">
             <a:ln>
               <a:noFill/>
             </a:ln>
@@ -15937,7 +16375,7 @@
           <a:buFontTx/>
           <a:buNone/>
           <a:tabLst/>
-          <a:defRPr b="0" baseline="0" cap="none" i="0" spc="0" strike="noStrike" sz="1800" u="none" kumimoji="0" normalizeH="0">
+          <a:defRPr kumimoji="0" sz="1800" b="0" i="0" u="none" strike="noStrike" cap="none" spc="0" normalizeH="0" baseline="0">
             <a:ln>
               <a:noFill/>
             </a:ln>
@@ -15963,7 +16401,7 @@
           <a:buFontTx/>
           <a:buNone/>
           <a:tabLst/>
-          <a:defRPr b="0" baseline="0" cap="none" i="0" spc="0" strike="noStrike" sz="1800" u="none" kumimoji="0" normalizeH="0">
+          <a:defRPr kumimoji="0" sz="1800" b="0" i="0" u="none" strike="noStrike" cap="none" spc="0" normalizeH="0" baseline="0">
             <a:ln>
               <a:noFill/>
             </a:ln>
@@ -15989,7 +16427,7 @@
           <a:buFontTx/>
           <a:buNone/>
           <a:tabLst/>
-          <a:defRPr b="0" baseline="0" cap="none" i="0" spc="0" strike="noStrike" sz="1800" u="none" kumimoji="0" normalizeH="0">
+          <a:defRPr kumimoji="0" sz="1800" b="0" i="0" u="none" strike="noStrike" cap="none" spc="0" normalizeH="0" baseline="0">
             <a:ln>
               <a:noFill/>
             </a:ln>
@@ -16015,7 +16453,7 @@
           <a:buFontTx/>
           <a:buNone/>
           <a:tabLst/>
-          <a:defRPr b="0" baseline="0" cap="none" i="0" spc="0" strike="noStrike" sz="1800" u="none" kumimoji="0" normalizeH="0">
+          <a:defRPr kumimoji="0" sz="1800" b="0" i="0" u="none" strike="noStrike" cap="none" spc="0" normalizeH="0" baseline="0">
             <a:ln>
               <a:noFill/>
             </a:ln>
@@ -16041,7 +16479,7 @@
           <a:buFontTx/>
           <a:buNone/>
           <a:tabLst/>
-          <a:defRPr b="0" baseline="0" cap="none" i="0" spc="0" strike="noStrike" sz="1800" u="none" kumimoji="0" normalizeH="0">
+          <a:defRPr kumimoji="0" sz="1800" b="0" i="0" u="none" strike="noStrike" cap="none" spc="0" normalizeH="0" baseline="0">
             <a:ln>
               <a:noFill/>
             </a:ln>
@@ -16067,7 +16505,7 @@
           <a:buFontTx/>
           <a:buNone/>
           <a:tabLst/>
-          <a:defRPr b="0" baseline="0" cap="none" i="0" spc="0" strike="noStrike" sz="1800" u="none" kumimoji="0" normalizeH="0">
+          <a:defRPr kumimoji="0" sz="1800" b="0" i="0" u="none" strike="noStrike" cap="none" spc="0" normalizeH="0" baseline="0">
             <a:ln>
               <a:noFill/>
             </a:ln>
@@ -16093,7 +16531,7 @@
           <a:buFontTx/>
           <a:buNone/>
           <a:tabLst/>
-          <a:defRPr b="0" baseline="0" cap="none" i="0" spc="0" strike="noStrike" sz="1800" u="none" kumimoji="0" normalizeH="0">
+          <a:defRPr kumimoji="0" sz="1800" b="0" i="0" u="none" strike="noStrike" cap="none" spc="0" normalizeH="0" baseline="0">
             <a:ln>
               <a:noFill/>
             </a:ln>
@@ -16106,18 +16544,25 @@
         </a:lvl9pPr>
       </a:lstStyle>
       <a:style>
-        <a:lnRef idx="0"/>
-        <a:fillRef idx="0"/>
-        <a:effectRef idx="0"/>
+        <a:lnRef idx="0">
+          <a:scrgbClr r="0" g="0" b="0"/>
+        </a:lnRef>
+        <a:fillRef idx="0">
+          <a:scrgbClr r="0" g="0" b="0"/>
+        </a:fillRef>
+        <a:effectRef idx="0">
+          <a:scrgbClr r="0" g="0" b="0"/>
+        </a:effectRef>
         <a:fontRef idx="none"/>
       </a:style>
     </a:txDef>
   </a:objectDefaults>
+  <a:extraClrSchemeLst/>
 </a:theme>
 </file>
 
 <file path=ppt/theme/theme2.xml><?xml version="1.0" encoding="utf-8"?>
-<a:theme xmlns:a="http://schemas.openxmlformats.org/drawingml/2006/main" xmlns:r="http://schemas.openxmlformats.org/officeDocument/2006/relationships" name="Luxe">
+<a:theme xmlns:a="http://schemas.openxmlformats.org/drawingml/2006/main" name="Luxe">
   <a:themeElements>
     <a:clrScheme name="Luxe">
       <a:dk1>
@@ -16319,7 +16764,7 @@
         <a:effectLst/>
         <a:sp3d/>
       </a:spPr>
-      <a:bodyPr rot="0" spcFirstLastPara="1" vertOverflow="overflow" horzOverflow="overflow" vert="horz" wrap="square" lIns="0" tIns="0" rIns="0" bIns="0" numCol="1" spcCol="38100" rtlCol="0" anchor="t" upright="0">
+      <a:bodyPr rot="0" spcFirstLastPara="1" vertOverflow="overflow" horzOverflow="overflow" vert="horz" wrap="square" lIns="0" tIns="0" rIns="0" bIns="0" numCol="1" spcCol="38100" rtlCol="0" anchor="t">
         <a:spAutoFit/>
       </a:bodyPr>
       <a:lstStyle>
@@ -16338,7 +16783,7 @@
           <a:buFontTx/>
           <a:buNone/>
           <a:tabLst/>
-          <a:defRPr b="0" baseline="0" cap="none" i="0" spc="0" strike="noStrike" sz="1400" u="none" kumimoji="0" normalizeH="0">
+          <a:defRPr kumimoji="0" sz="1400" b="0" i="0" u="none" strike="noStrike" cap="none" spc="0" normalizeH="0" baseline="0">
             <a:ln>
               <a:noFill/>
             </a:ln>
@@ -16368,7 +16813,7 @@
           <a:buFontTx/>
           <a:buNone/>
           <a:tabLst/>
-          <a:defRPr b="0" baseline="0" cap="none" i="0" spc="0" strike="noStrike" sz="1800" u="none" kumimoji="0" normalizeH="0">
+          <a:defRPr kumimoji="0" sz="1800" b="0" i="0" u="none" strike="noStrike" cap="none" spc="0" normalizeH="0" baseline="0">
             <a:ln>
               <a:noFill/>
             </a:ln>
@@ -16394,7 +16839,7 @@
           <a:buFontTx/>
           <a:buNone/>
           <a:tabLst/>
-          <a:defRPr b="0" baseline="0" cap="none" i="0" spc="0" strike="noStrike" sz="1800" u="none" kumimoji="0" normalizeH="0">
+          <a:defRPr kumimoji="0" sz="1800" b="0" i="0" u="none" strike="noStrike" cap="none" spc="0" normalizeH="0" baseline="0">
             <a:ln>
               <a:noFill/>
             </a:ln>
@@ -16420,7 +16865,7 @@
           <a:buFontTx/>
           <a:buNone/>
           <a:tabLst/>
-          <a:defRPr b="0" baseline="0" cap="none" i="0" spc="0" strike="noStrike" sz="1800" u="none" kumimoji="0" normalizeH="0">
+          <a:defRPr kumimoji="0" sz="1800" b="0" i="0" u="none" strike="noStrike" cap="none" spc="0" normalizeH="0" baseline="0">
             <a:ln>
               <a:noFill/>
             </a:ln>
@@ -16446,7 +16891,7 @@
           <a:buFontTx/>
           <a:buNone/>
           <a:tabLst/>
-          <a:defRPr b="0" baseline="0" cap="none" i="0" spc="0" strike="noStrike" sz="1800" u="none" kumimoji="0" normalizeH="0">
+          <a:defRPr kumimoji="0" sz="1800" b="0" i="0" u="none" strike="noStrike" cap="none" spc="0" normalizeH="0" baseline="0">
             <a:ln>
               <a:noFill/>
             </a:ln>
@@ -16472,7 +16917,7 @@
           <a:buFontTx/>
           <a:buNone/>
           <a:tabLst/>
-          <a:defRPr b="0" baseline="0" cap="none" i="0" spc="0" strike="noStrike" sz="1800" u="none" kumimoji="0" normalizeH="0">
+          <a:defRPr kumimoji="0" sz="1800" b="0" i="0" u="none" strike="noStrike" cap="none" spc="0" normalizeH="0" baseline="0">
             <a:ln>
               <a:noFill/>
             </a:ln>
@@ -16498,7 +16943,7 @@
           <a:buFontTx/>
           <a:buNone/>
           <a:tabLst/>
-          <a:defRPr b="0" baseline="0" cap="none" i="0" spc="0" strike="noStrike" sz="1800" u="none" kumimoji="0" normalizeH="0">
+          <a:defRPr kumimoji="0" sz="1800" b="0" i="0" u="none" strike="noStrike" cap="none" spc="0" normalizeH="0" baseline="0">
             <a:ln>
               <a:noFill/>
             </a:ln>
@@ -16524,7 +16969,7 @@
           <a:buFontTx/>
           <a:buNone/>
           <a:tabLst/>
-          <a:defRPr b="0" baseline="0" cap="none" i="0" spc="0" strike="noStrike" sz="1800" u="none" kumimoji="0" normalizeH="0">
+          <a:defRPr kumimoji="0" sz="1800" b="0" i="0" u="none" strike="noStrike" cap="none" spc="0" normalizeH="0" baseline="0">
             <a:ln>
               <a:noFill/>
             </a:ln>
@@ -16550,7 +16995,7 @@
           <a:buFontTx/>
           <a:buNone/>
           <a:tabLst/>
-          <a:defRPr b="0" baseline="0" cap="none" i="0" spc="0" strike="noStrike" sz="1800" u="none" kumimoji="0" normalizeH="0">
+          <a:defRPr kumimoji="0" sz="1800" b="0" i="0" u="none" strike="noStrike" cap="none" spc="0" normalizeH="0" baseline="0">
             <a:ln>
               <a:noFill/>
             </a:ln>
@@ -16576,7 +17021,7 @@
           <a:buFontTx/>
           <a:buNone/>
           <a:tabLst/>
-          <a:defRPr b="0" baseline="0" cap="none" i="0" spc="0" strike="noStrike" sz="1800" u="none" kumimoji="0" normalizeH="0">
+          <a:defRPr kumimoji="0" sz="1800" b="0" i="0" u="none" strike="noStrike" cap="none" spc="0" normalizeH="0" baseline="0">
             <a:ln>
               <a:noFill/>
             </a:ln>
@@ -16589,9 +17034,15 @@
         </a:lvl9pPr>
       </a:lstStyle>
       <a:style>
-        <a:lnRef idx="0"/>
-        <a:fillRef idx="0"/>
-        <a:effectRef idx="0"/>
+        <a:lnRef idx="0">
+          <a:scrgbClr r="0" g="0" b="0"/>
+        </a:lnRef>
+        <a:fillRef idx="0">
+          <a:scrgbClr r="0" g="0" b="0"/>
+        </a:fillRef>
+        <a:effectRef idx="0">
+          <a:scrgbClr r="0" g="0" b="0"/>
+        </a:effectRef>
         <a:fontRef idx="none"/>
       </a:style>
     </a:spDef>
@@ -16608,7 +17059,7 @@
         <a:effectLst/>
         <a:sp3d/>
       </a:spPr>
-      <a:bodyPr rot="0" spcFirstLastPara="1" vertOverflow="overflow" horzOverflow="overflow" vert="horz" wrap="square" lIns="91439" tIns="45719" rIns="91439" bIns="45719" numCol="1" spcCol="38100" rtlCol="0" anchor="t" upright="0">
+      <a:bodyPr rot="0" spcFirstLastPara="1" vertOverflow="overflow" horzOverflow="overflow" vert="horz" wrap="square" lIns="91439" tIns="45719" rIns="91439" bIns="45719" numCol="1" spcCol="38100" rtlCol="0" anchor="t">
         <a:noAutofit/>
       </a:bodyPr>
       <a:lstStyle>
@@ -16627,7 +17078,7 @@
           <a:buFontTx/>
           <a:buNone/>
           <a:tabLst/>
-          <a:defRPr b="0" baseline="0" cap="none" i="0" spc="0" strike="noStrike" sz="1800" u="none" kumimoji="0" normalizeH="0">
+          <a:defRPr kumimoji="0" sz="1800" b="0" i="0" u="none" strike="noStrike" cap="none" spc="0" normalizeH="0" baseline="0">
             <a:ln>
               <a:noFill/>
             </a:ln>
@@ -16653,7 +17104,7 @@
           <a:buFontTx/>
           <a:buNone/>
           <a:tabLst/>
-          <a:defRPr b="0" baseline="0" cap="none" i="0" spc="0" strike="noStrike" sz="1800" u="none" kumimoji="0" normalizeH="0">
+          <a:defRPr kumimoji="0" sz="1800" b="0" i="0" u="none" strike="noStrike" cap="none" spc="0" normalizeH="0" baseline="0">
             <a:ln>
               <a:noFill/>
             </a:ln>
@@ -16679,7 +17130,7 @@
           <a:buFontTx/>
           <a:buNone/>
           <a:tabLst/>
-          <a:defRPr b="0" baseline="0" cap="none" i="0" spc="0" strike="noStrike" sz="1800" u="none" kumimoji="0" normalizeH="0">
+          <a:defRPr kumimoji="0" sz="1800" b="0" i="0" u="none" strike="noStrike" cap="none" spc="0" normalizeH="0" baseline="0">
             <a:ln>
               <a:noFill/>
             </a:ln>
@@ -16705,7 +17156,7 @@
           <a:buFontTx/>
           <a:buNone/>
           <a:tabLst/>
-          <a:defRPr b="0" baseline="0" cap="none" i="0" spc="0" strike="noStrike" sz="1800" u="none" kumimoji="0" normalizeH="0">
+          <a:defRPr kumimoji="0" sz="1800" b="0" i="0" u="none" strike="noStrike" cap="none" spc="0" normalizeH="0" baseline="0">
             <a:ln>
               <a:noFill/>
             </a:ln>
@@ -16731,7 +17182,7 @@
           <a:buFontTx/>
           <a:buNone/>
           <a:tabLst/>
-          <a:defRPr b="0" baseline="0" cap="none" i="0" spc="0" strike="noStrike" sz="1800" u="none" kumimoji="0" normalizeH="0">
+          <a:defRPr kumimoji="0" sz="1800" b="0" i="0" u="none" strike="noStrike" cap="none" spc="0" normalizeH="0" baseline="0">
             <a:ln>
               <a:noFill/>
             </a:ln>
@@ -16757,7 +17208,7 @@
           <a:buFontTx/>
           <a:buNone/>
           <a:tabLst/>
-          <a:defRPr b="0" baseline="0" cap="none" i="0" spc="0" strike="noStrike" sz="1800" u="none" kumimoji="0" normalizeH="0">
+          <a:defRPr kumimoji="0" sz="1800" b="0" i="0" u="none" strike="noStrike" cap="none" spc="0" normalizeH="0" baseline="0">
             <a:ln>
               <a:noFill/>
             </a:ln>
@@ -16783,7 +17234,7 @@
           <a:buFontTx/>
           <a:buNone/>
           <a:tabLst/>
-          <a:defRPr b="0" baseline="0" cap="none" i="0" spc="0" strike="noStrike" sz="1800" u="none" kumimoji="0" normalizeH="0">
+          <a:defRPr kumimoji="0" sz="1800" b="0" i="0" u="none" strike="noStrike" cap="none" spc="0" normalizeH="0" baseline="0">
             <a:ln>
               <a:noFill/>
             </a:ln>
@@ -16809,7 +17260,7 @@
           <a:buFontTx/>
           <a:buNone/>
           <a:tabLst/>
-          <a:defRPr b="0" baseline="0" cap="none" i="0" spc="0" strike="noStrike" sz="1800" u="none" kumimoji="0" normalizeH="0">
+          <a:defRPr kumimoji="0" sz="1800" b="0" i="0" u="none" strike="noStrike" cap="none" spc="0" normalizeH="0" baseline="0">
             <a:ln>
               <a:noFill/>
             </a:ln>
@@ -16835,7 +17286,7 @@
           <a:buFontTx/>
           <a:buNone/>
           <a:tabLst/>
-          <a:defRPr b="0" baseline="0" cap="none" i="0" spc="0" strike="noStrike" sz="1800" u="none" kumimoji="0" normalizeH="0">
+          <a:defRPr kumimoji="0" sz="1800" b="0" i="0" u="none" strike="noStrike" cap="none" spc="0" normalizeH="0" baseline="0">
             <a:ln>
               <a:noFill/>
             </a:ln>
@@ -16861,7 +17312,7 @@
           <a:buFontTx/>
           <a:buNone/>
           <a:tabLst/>
-          <a:defRPr b="0" baseline="0" cap="none" i="0" spc="0" strike="noStrike" sz="1800" u="none" kumimoji="0" normalizeH="0">
+          <a:defRPr kumimoji="0" sz="1800" b="0" i="0" u="none" strike="noStrike" cap="none" spc="0" normalizeH="0" baseline="0">
             <a:ln>
               <a:noFill/>
             </a:ln>
@@ -16874,9 +17325,15 @@
         </a:lvl9pPr>
       </a:lstStyle>
       <a:style>
-        <a:lnRef idx="0"/>
-        <a:fillRef idx="0"/>
-        <a:effectRef idx="0"/>
+        <a:lnRef idx="0">
+          <a:scrgbClr r="0" g="0" b="0"/>
+        </a:lnRef>
+        <a:fillRef idx="0">
+          <a:scrgbClr r="0" g="0" b="0"/>
+        </a:fillRef>
+        <a:effectRef idx="0">
+          <a:scrgbClr r="0" g="0" b="0"/>
+        </a:effectRef>
         <a:fontRef idx="none"/>
       </a:style>
     </a:lnDef>
@@ -16890,7 +17347,7 @@
         <a:effectLst/>
         <a:sp3d/>
       </a:spPr>
-      <a:bodyPr rot="0" spcFirstLastPara="1" vertOverflow="overflow" horzOverflow="overflow" vert="horz" wrap="square" lIns="0" tIns="0" rIns="0" bIns="0" numCol="1" spcCol="38100" rtlCol="0" anchor="t" upright="0">
+      <a:bodyPr rot="0" spcFirstLastPara="1" vertOverflow="overflow" horzOverflow="overflow" vert="horz" wrap="square" lIns="0" tIns="0" rIns="0" bIns="0" numCol="1" spcCol="38100" rtlCol="0" anchor="t">
         <a:spAutoFit/>
       </a:bodyPr>
       <a:lstStyle>
@@ -16909,7 +17366,7 @@
           <a:buFontTx/>
           <a:buNone/>
           <a:tabLst/>
-          <a:defRPr b="0" baseline="0" cap="none" i="0" spc="0" strike="noStrike" sz="1400" u="none" kumimoji="0" normalizeH="0">
+          <a:defRPr kumimoji="0" sz="1400" b="0" i="0" u="none" strike="noStrike" cap="none" spc="0" normalizeH="0" baseline="0">
             <a:ln>
               <a:noFill/>
             </a:ln>
@@ -16939,7 +17396,7 @@
           <a:buFontTx/>
           <a:buNone/>
           <a:tabLst/>
-          <a:defRPr b="0" baseline="0" cap="none" i="0" spc="0" strike="noStrike" sz="1800" u="none" kumimoji="0" normalizeH="0">
+          <a:defRPr kumimoji="0" sz="1800" b="0" i="0" u="none" strike="noStrike" cap="none" spc="0" normalizeH="0" baseline="0">
             <a:ln>
               <a:noFill/>
             </a:ln>
@@ -16965,7 +17422,7 @@
           <a:buFontTx/>
           <a:buNone/>
           <a:tabLst/>
-          <a:defRPr b="0" baseline="0" cap="none" i="0" spc="0" strike="noStrike" sz="1800" u="none" kumimoji="0" normalizeH="0">
+          <a:defRPr kumimoji="0" sz="1800" b="0" i="0" u="none" strike="noStrike" cap="none" spc="0" normalizeH="0" baseline="0">
             <a:ln>
               <a:noFill/>
             </a:ln>
@@ -16991,7 +17448,7 @@
           <a:buFontTx/>
           <a:buNone/>
           <a:tabLst/>
-          <a:defRPr b="0" baseline="0" cap="none" i="0" spc="0" strike="noStrike" sz="1800" u="none" kumimoji="0" normalizeH="0">
+          <a:defRPr kumimoji="0" sz="1800" b="0" i="0" u="none" strike="noStrike" cap="none" spc="0" normalizeH="0" baseline="0">
             <a:ln>
               <a:noFill/>
             </a:ln>
@@ -17017,7 +17474,7 @@
           <a:buFontTx/>
           <a:buNone/>
           <a:tabLst/>
-          <a:defRPr b="0" baseline="0" cap="none" i="0" spc="0" strike="noStrike" sz="1800" u="none" kumimoji="0" normalizeH="0">
+          <a:defRPr kumimoji="0" sz="1800" b="0" i="0" u="none" strike="noStrike" cap="none" spc="0" normalizeH="0" baseline="0">
             <a:ln>
               <a:noFill/>
             </a:ln>
@@ -17043,7 +17500,7 @@
           <a:buFontTx/>
           <a:buNone/>
           <a:tabLst/>
-          <a:defRPr b="0" baseline="0" cap="none" i="0" spc="0" strike="noStrike" sz="1800" u="none" kumimoji="0" normalizeH="0">
+          <a:defRPr kumimoji="0" sz="1800" b="0" i="0" u="none" strike="noStrike" cap="none" spc="0" normalizeH="0" baseline="0">
             <a:ln>
               <a:noFill/>
             </a:ln>
@@ -17069,7 +17526,7 @@
           <a:buFontTx/>
           <a:buNone/>
           <a:tabLst/>
-          <a:defRPr b="0" baseline="0" cap="none" i="0" spc="0" strike="noStrike" sz="1800" u="none" kumimoji="0" normalizeH="0">
+          <a:defRPr kumimoji="0" sz="1800" b="0" i="0" u="none" strike="noStrike" cap="none" spc="0" normalizeH="0" baseline="0">
             <a:ln>
               <a:noFill/>
             </a:ln>
@@ -17095,7 +17552,7 @@
           <a:buFontTx/>
           <a:buNone/>
           <a:tabLst/>
-          <a:defRPr b="0" baseline="0" cap="none" i="0" spc="0" strike="noStrike" sz="1800" u="none" kumimoji="0" normalizeH="0">
+          <a:defRPr kumimoji="0" sz="1800" b="0" i="0" u="none" strike="noStrike" cap="none" spc="0" normalizeH="0" baseline="0">
             <a:ln>
               <a:noFill/>
             </a:ln>
@@ -17121,7 +17578,7 @@
           <a:buFontTx/>
           <a:buNone/>
           <a:tabLst/>
-          <a:defRPr b="0" baseline="0" cap="none" i="0" spc="0" strike="noStrike" sz="1800" u="none" kumimoji="0" normalizeH="0">
+          <a:defRPr kumimoji="0" sz="1800" b="0" i="0" u="none" strike="noStrike" cap="none" spc="0" normalizeH="0" baseline="0">
             <a:ln>
               <a:noFill/>
             </a:ln>
@@ -17147,7 +17604,7 @@
           <a:buFontTx/>
           <a:buNone/>
           <a:tabLst/>
-          <a:defRPr b="0" baseline="0" cap="none" i="0" spc="0" strike="noStrike" sz="1800" u="none" kumimoji="0" normalizeH="0">
+          <a:defRPr kumimoji="0" sz="1800" b="0" i="0" u="none" strike="noStrike" cap="none" spc="0" normalizeH="0" baseline="0">
             <a:ln>
               <a:noFill/>
             </a:ln>
@@ -17160,12 +17617,25 @@
         </a:lvl9pPr>
       </a:lstStyle>
       <a:style>
-        <a:lnRef idx="0"/>
-        <a:fillRef idx="0"/>
-        <a:effectRef idx="0"/>
+        <a:lnRef idx="0">
+          <a:scrgbClr r="0" g="0" b="0"/>
+        </a:lnRef>
+        <a:fillRef idx="0">
+          <a:scrgbClr r="0" g="0" b="0"/>
+        </a:fillRef>
+        <a:effectRef idx="0">
+          <a:scrgbClr r="0" g="0" b="0"/>
+        </a:effectRef>
         <a:fontRef idx="none"/>
       </a:style>
     </a:txDef>
   </a:objectDefaults>
+  <a:extraClrSchemeLst/>
 </a:theme>
+</file>
+
+<file path=docMetadata/LabelInfo.xml><?xml version="1.0" encoding="utf-8"?>
+<clbl:labelList xmlns:clbl="http://schemas.microsoft.com/office/2020/mipLabelMetadata">
+  <clbl:label id="{94523dde-f9d1-4aa7-80a9-c0900420d3c3}" enabled="1" method="Privileged" siteId="{3dd8961f-e488-4e60-8e11-a82d994e183d}" contentBits="0" removed="0"/>
+</clbl:labelList>
 </file>